--- a/reference_content/Slides/tensorflow_optimization.pptx
+++ b/reference_content/Slides/tensorflow_optimization.pptx
@@ -15,11 +15,13 @@
     <p:sldId id="260" r:id="rId9"/>
     <p:sldId id="261" r:id="rId10"/>
     <p:sldId id="262" r:id="rId11"/>
-    <p:sldId id="263" r:id="rId12"/>
-    <p:sldId id="267" r:id="rId13"/>
-    <p:sldId id="268" r:id="rId14"/>
-    <p:sldId id="269" r:id="rId15"/>
-    <p:sldId id="270" r:id="rId16"/>
+    <p:sldId id="271" r:id="rId12"/>
+    <p:sldId id="263" r:id="rId13"/>
+    <p:sldId id="272" r:id="rId14"/>
+    <p:sldId id="267" r:id="rId15"/>
+    <p:sldId id="268" r:id="rId16"/>
+    <p:sldId id="269" r:id="rId17"/>
+    <p:sldId id="270" r:id="rId18"/>
   </p:sldIdLst>
   <p:sldSz cx="12192000" cy="6858000"/>
   <p:notesSz cx="6858000" cy="9144000"/>
@@ -325,7 +327,7 @@
           <a:p>
             <a:fld id="{04AB04D2-159E-4A89-9D41-8FD3B2B47560}" type="datetimeFigureOut">
               <a:rPr lang="LID4096" smtClean="0"/>
-              <a:t>3/22/22</a:t>
+              <a:t>3/31/24</a:t>
             </a:fld>
             <a:endParaRPr lang="LID4096"/>
           </a:p>
@@ -536,7 +538,7 @@
           <a:p>
             <a:fld id="{04AB04D2-159E-4A89-9D41-8FD3B2B47560}" type="datetimeFigureOut">
               <a:rPr lang="LID4096" smtClean="0"/>
-              <a:t>3/22/22</a:t>
+              <a:t>3/31/24</a:t>
             </a:fld>
             <a:endParaRPr lang="LID4096"/>
           </a:p>
@@ -751,7 +753,7 @@
           <a:p>
             <a:fld id="{04AB04D2-159E-4A89-9D41-8FD3B2B47560}" type="datetimeFigureOut">
               <a:rPr lang="LID4096" smtClean="0"/>
-              <a:t>3/22/22</a:t>
+              <a:t>3/31/24</a:t>
             </a:fld>
             <a:endParaRPr lang="LID4096"/>
           </a:p>
@@ -952,7 +954,7 @@
           <a:p>
             <a:fld id="{04AB04D2-159E-4A89-9D41-8FD3B2B47560}" type="datetimeFigureOut">
               <a:rPr lang="LID4096" smtClean="0"/>
-              <a:t>3/22/22</a:t>
+              <a:t>3/31/24</a:t>
             </a:fld>
             <a:endParaRPr lang="LID4096"/>
           </a:p>
@@ -1231,7 +1233,7 @@
           <a:p>
             <a:fld id="{04AB04D2-159E-4A89-9D41-8FD3B2B47560}" type="datetimeFigureOut">
               <a:rPr lang="LID4096" smtClean="0"/>
-              <a:t>3/22/22</a:t>
+              <a:t>3/31/24</a:t>
             </a:fld>
             <a:endParaRPr lang="LID4096"/>
           </a:p>
@@ -1499,7 +1501,7 @@
           <a:p>
             <a:fld id="{04AB04D2-159E-4A89-9D41-8FD3B2B47560}" type="datetimeFigureOut">
               <a:rPr lang="LID4096" smtClean="0"/>
-              <a:t>3/22/22</a:t>
+              <a:t>3/31/24</a:t>
             </a:fld>
             <a:endParaRPr lang="LID4096"/>
           </a:p>
@@ -1915,7 +1917,7 @@
           <a:p>
             <a:fld id="{04AB04D2-159E-4A89-9D41-8FD3B2B47560}" type="datetimeFigureOut">
               <a:rPr lang="LID4096" smtClean="0"/>
-              <a:t>3/22/22</a:t>
+              <a:t>3/31/24</a:t>
             </a:fld>
             <a:endParaRPr lang="LID4096"/>
           </a:p>
@@ -2064,7 +2066,7 @@
           <a:p>
             <a:fld id="{04AB04D2-159E-4A89-9D41-8FD3B2B47560}" type="datetimeFigureOut">
               <a:rPr lang="LID4096" smtClean="0"/>
-              <a:t>3/22/22</a:t>
+              <a:t>3/31/24</a:t>
             </a:fld>
             <a:endParaRPr lang="LID4096"/>
           </a:p>
@@ -2190,7 +2192,7 @@
           <a:p>
             <a:fld id="{04AB04D2-159E-4A89-9D41-8FD3B2B47560}" type="datetimeFigureOut">
               <a:rPr lang="LID4096" smtClean="0"/>
-              <a:t>3/22/22</a:t>
+              <a:t>3/31/24</a:t>
             </a:fld>
             <a:endParaRPr lang="LID4096"/>
           </a:p>
@@ -2441,7 +2443,7 @@
           <a:p>
             <a:fld id="{04AB04D2-159E-4A89-9D41-8FD3B2B47560}" type="datetimeFigureOut">
               <a:rPr lang="LID4096" smtClean="0"/>
-              <a:t>3/22/22</a:t>
+              <a:t>3/31/24</a:t>
             </a:fld>
             <a:endParaRPr lang="LID4096"/>
           </a:p>
@@ -2886,7 +2888,7 @@
           <a:p>
             <a:fld id="{04AB04D2-159E-4A89-9D41-8FD3B2B47560}" type="datetimeFigureOut">
               <a:rPr lang="LID4096" smtClean="0"/>
-              <a:t>3/22/22</a:t>
+              <a:t>3/31/24</a:t>
             </a:fld>
             <a:endParaRPr lang="LID4096"/>
           </a:p>
@@ -3213,7 +3215,7 @@
           <a:p>
             <a:fld id="{04AB04D2-159E-4A89-9D41-8FD3B2B47560}" type="datetimeFigureOut">
               <a:rPr lang="LID4096" smtClean="0"/>
-              <a:t>3/22/22</a:t>
+              <a:t>3/31/24</a:t>
             </a:fld>
             <a:endParaRPr lang="LID4096"/>
           </a:p>
@@ -3946,6 +3948,265 @@
           <p:cNvPr id="2" name="Title 1">
             <a:extLst>
               <a:ext uri="{FF2B5EF4-FFF2-40B4-BE49-F238E27FC236}">
+                <a16:creationId xmlns:a16="http://schemas.microsoft.com/office/drawing/2014/main" id="{B84EE14E-690A-82ED-BE86-623C5E683DA4}"/>
+              </a:ext>
+            </a:extLst>
+          </p:cNvPr>
+          <p:cNvSpPr>
+            <a:spLocks noGrp="1"/>
+          </p:cNvSpPr>
+          <p:nvPr>
+            <p:ph type="title"/>
+          </p:nvPr>
+        </p:nvSpPr>
+        <p:spPr>
+          <a:xfrm>
+            <a:off x="1451579" y="804519"/>
+            <a:ext cx="9603275" cy="1049235"/>
+          </a:xfrm>
+        </p:spPr>
+        <p:txBody>
+          <a:bodyPr>
+            <a:normAutofit/>
+          </a:bodyPr>
+          <a:lstStyle/>
+          <a:p>
+            <a:r>
+              <a:rPr lang="en-US" dirty="0"/>
+              <a:t>Vanishing (or Exploding) Gradients</a:t>
+            </a:r>
+          </a:p>
+        </p:txBody>
+      </p:sp>
+      <p:sp>
+        <p:nvSpPr>
+          <p:cNvPr id="3" name="Content Placeholder 2">
+            <a:extLst>
+              <a:ext uri="{FF2B5EF4-FFF2-40B4-BE49-F238E27FC236}">
+                <a16:creationId xmlns:a16="http://schemas.microsoft.com/office/drawing/2014/main" id="{97B86E47-D960-F541-FC0B-79C8E24010DE}"/>
+              </a:ext>
+            </a:extLst>
+          </p:cNvPr>
+          <p:cNvSpPr>
+            <a:spLocks noGrp="1"/>
+          </p:cNvSpPr>
+          <p:nvPr>
+            <p:ph idx="1"/>
+          </p:nvPr>
+        </p:nvSpPr>
+        <p:spPr>
+          <a:xfrm>
+            <a:off x="0" y="1853752"/>
+            <a:ext cx="6792685" cy="4199729"/>
+          </a:xfrm>
+        </p:spPr>
+        <p:txBody>
+          <a:bodyPr>
+            <a:normAutofit/>
+          </a:bodyPr>
+          <a:lstStyle/>
+          <a:p>
+            <a:pPr>
+              <a:lnSpc>
+                <a:spcPct val="110000"/>
+              </a:lnSpc>
+            </a:pPr>
+            <a:r>
+              <a:rPr lang="en-US" dirty="0"/>
+              <a:t>Recall – gradient descent attributes error to different weights using the gradient (slope of the cost cure </a:t>
+            </a:r>
+            <a:r>
+              <a:rPr lang="en-US" dirty="0" err="1"/>
+              <a:t>w.r.t.</a:t>
+            </a:r>
+            <a:r>
+              <a:rPr lang="en-US" dirty="0"/>
+              <a:t> that weight). </a:t>
+            </a:r>
+          </a:p>
+          <a:p>
+            <a:pPr>
+              <a:lnSpc>
+                <a:spcPct val="110000"/>
+              </a:lnSpc>
+            </a:pPr>
+            <a:r>
+              <a:rPr lang="en-US" dirty="0"/>
+              <a:t>Recall some neural network training facts:</a:t>
+            </a:r>
+          </a:p>
+          <a:p>
+            <a:pPr lvl="1">
+              <a:lnSpc>
+                <a:spcPct val="110000"/>
+              </a:lnSpc>
+            </a:pPr>
+            <a:r>
+              <a:rPr lang="en-US" dirty="0"/>
+              <a:t>They have many weights. </a:t>
+            </a:r>
+          </a:p>
+          <a:p>
+            <a:pPr lvl="1">
+              <a:lnSpc>
+                <a:spcPct val="110000"/>
+              </a:lnSpc>
+            </a:pPr>
+            <a:r>
+              <a:rPr lang="en-US" dirty="0"/>
+              <a:t>Propagate loss back through all layers, and there can be many. </a:t>
+            </a:r>
+          </a:p>
+          <a:p>
+            <a:pPr lvl="1">
+              <a:lnSpc>
+                <a:spcPct val="110000"/>
+              </a:lnSpc>
+            </a:pPr>
+            <a:r>
+              <a:rPr lang="en-US" dirty="0"/>
+              <a:t>Often train over many rounds, and get very accurate. </a:t>
+            </a:r>
+          </a:p>
+          <a:p>
+            <a:pPr>
+              <a:lnSpc>
+                <a:spcPct val="110000"/>
+              </a:lnSpc>
+            </a:pPr>
+            <a:r>
+              <a:rPr lang="en-US" dirty="0"/>
+              <a:t>We can encounter a problem that small changes to small numbers from small error split many ways yields tiny values. </a:t>
+            </a:r>
+          </a:p>
+          <a:p>
+            <a:pPr lvl="1">
+              <a:lnSpc>
+                <a:spcPct val="110000"/>
+              </a:lnSpc>
+            </a:pPr>
+            <a:r>
+              <a:rPr lang="en-US" dirty="0"/>
+              <a:t>The gradient can “vanish” if it is too small for the GD to work. </a:t>
+            </a:r>
+          </a:p>
+          <a:p>
+            <a:pPr lvl="1">
+              <a:lnSpc>
+                <a:spcPct val="110000"/>
+              </a:lnSpc>
+            </a:pPr>
+            <a:r>
+              <a:rPr lang="en-US" dirty="0"/>
+              <a:t>This can lead to ‘dead’ models, that can’t keep learning. </a:t>
+            </a:r>
+          </a:p>
+        </p:txBody>
+      </p:sp>
+      <p:pic>
+        <p:nvPicPr>
+          <p:cNvPr id="1026" name="Picture 2" descr="Vanishing and Exploding Gradients in Neural Network Models: Debugging,  Monitoring, and Fixing">
+            <a:extLst>
+              <a:ext uri="{FF2B5EF4-FFF2-40B4-BE49-F238E27FC236}">
+                <a16:creationId xmlns:a16="http://schemas.microsoft.com/office/drawing/2014/main" id="{0B1C0D94-352B-B9A4-3AB7-311DD11AC998}"/>
+              </a:ext>
+            </a:extLst>
+          </p:cNvPr>
+          <p:cNvPicPr>
+            <a:picLocks noChangeAspect="1" noChangeArrowheads="1"/>
+          </p:cNvPicPr>
+          <p:nvPr/>
+        </p:nvPicPr>
+        <p:blipFill rotWithShape="1">
+          <a:blip r:embed="rId2">
+            <a:extLst>
+              <a:ext uri="{28A0092B-C50C-407E-A947-70E740481C1C}">
+                <a14:useLocalDpi xmlns:a14="http://schemas.microsoft.com/office/drawing/2010/main" val="0"/>
+              </a:ext>
+            </a:extLst>
+          </a:blip>
+          <a:srcRect l="2545" t="3291" r="5732" b="-1"/>
+          <a:stretch/>
+        </p:blipFill>
+        <p:spPr bwMode="auto">
+          <a:xfrm>
+            <a:off x="6792685" y="1853753"/>
+            <a:ext cx="5399315" cy="4448709"/>
+          </a:xfrm>
+          <a:prstGeom prst="rect">
+            <a:avLst/>
+          </a:prstGeom>
+          <a:noFill/>
+          <a:extLst>
+            <a:ext uri="{909E8E84-426E-40DD-AFC4-6F175D3DCCD1}">
+              <a14:hiddenFill xmlns:a14="http://schemas.microsoft.com/office/drawing/2010/main">
+                <a:solidFill>
+                  <a:srgbClr val="FFFFFF"/>
+                </a:solidFill>
+              </a14:hiddenFill>
+            </a:ext>
+          </a:extLst>
+        </p:spPr>
+      </p:pic>
+    </p:spTree>
+    <p:extLst>
+      <p:ext uri="{BB962C8B-B14F-4D97-AF65-F5344CB8AC3E}">
+        <p14:creationId xmlns:p14="http://schemas.microsoft.com/office/powerpoint/2010/main" val="3004196100"/>
+      </p:ext>
+    </p:extLst>
+  </p:cSld>
+  <p:clrMapOvr>
+    <a:masterClrMapping/>
+  </p:clrMapOvr>
+</p:sld>
+</file>
+
+<file path=ppt/slides/slide12.xml><?xml version="1.0" encoding="utf-8"?>
+<p:sld xmlns:a="http://schemas.openxmlformats.org/drawingml/2006/main" xmlns:r="http://schemas.openxmlformats.org/officeDocument/2006/relationships" xmlns:p="http://schemas.openxmlformats.org/presentationml/2006/main">
+  <p:cSld>
+    <p:bg>
+      <p:bgPr>
+        <a:gradFill rotWithShape="1">
+          <a:gsLst>
+            <a:gs pos="0">
+              <a:schemeClr val="bg2">
+                <a:tint val="94000"/>
+                <a:satMod val="80000"/>
+                <a:lumMod val="106000"/>
+              </a:schemeClr>
+            </a:gs>
+            <a:gs pos="100000">
+              <a:schemeClr val="bg2">
+                <a:shade val="80000"/>
+              </a:schemeClr>
+            </a:gs>
+          </a:gsLst>
+          <a:path path="circle">
+            <a:fillToRect l="43000" r="43000" b="100000"/>
+          </a:path>
+        </a:gradFill>
+        <a:effectLst/>
+      </p:bgPr>
+    </p:bg>
+    <p:spTree>
+      <p:nvGrpSpPr>
+        <p:cNvPr id="1" name=""/>
+        <p:cNvGrpSpPr/>
+        <p:nvPr/>
+      </p:nvGrpSpPr>
+      <p:grpSpPr>
+        <a:xfrm>
+          <a:off x="0" y="0"/>
+          <a:ext cx="0" cy="0"/>
+          <a:chOff x="0" y="0"/>
+          <a:chExt cx="0" cy="0"/>
+        </a:xfrm>
+      </p:grpSpPr>
+      <p:sp>
+        <p:nvSpPr>
+          <p:cNvPr id="2" name="Title 1">
+            <a:extLst>
+              <a:ext uri="{FF2B5EF4-FFF2-40B4-BE49-F238E27FC236}">
                 <a16:creationId xmlns:a16="http://schemas.microsoft.com/office/drawing/2014/main" id="{0082CAF9-B4E1-4729-88E5-0D11190C387F}"/>
               </a:ext>
             </a:extLst>
@@ -4134,7 +4395,112 @@
 </p:sld>
 </file>
 
-<file path=ppt/slides/slide12.xml><?xml version="1.0" encoding="utf-8"?>
+<file path=ppt/slides/slide13.xml><?xml version="1.0" encoding="utf-8"?>
+<p:sld xmlns:a="http://schemas.openxmlformats.org/drawingml/2006/main" xmlns:r="http://schemas.openxmlformats.org/officeDocument/2006/relationships" xmlns:p="http://schemas.openxmlformats.org/presentationml/2006/main">
+  <p:cSld>
+    <p:spTree>
+      <p:nvGrpSpPr>
+        <p:cNvPr id="1" name=""/>
+        <p:cNvGrpSpPr/>
+        <p:nvPr/>
+      </p:nvGrpSpPr>
+      <p:grpSpPr>
+        <a:xfrm>
+          <a:off x="0" y="0"/>
+          <a:ext cx="0" cy="0"/>
+          <a:chOff x="0" y="0"/>
+          <a:chExt cx="0" cy="0"/>
+        </a:xfrm>
+      </p:grpSpPr>
+      <p:sp>
+        <p:nvSpPr>
+          <p:cNvPr id="2" name="Title 1">
+            <a:extLst>
+              <a:ext uri="{FF2B5EF4-FFF2-40B4-BE49-F238E27FC236}">
+                <a16:creationId xmlns:a16="http://schemas.microsoft.com/office/drawing/2014/main" id="{F08B606A-6EBE-34A0-F1C2-6B3112E64BD0}"/>
+              </a:ext>
+            </a:extLst>
+          </p:cNvPr>
+          <p:cNvSpPr>
+            <a:spLocks noGrp="1"/>
+          </p:cNvSpPr>
+          <p:nvPr>
+            <p:ph type="title"/>
+          </p:nvPr>
+        </p:nvSpPr>
+        <p:spPr/>
+        <p:txBody>
+          <a:bodyPr/>
+          <a:lstStyle/>
+          <a:p>
+            <a:r>
+              <a:rPr lang="en-US" dirty="0"/>
+              <a:t>Keeping Gradients </a:t>
+            </a:r>
+            <a:r>
+              <a:rPr lang="en-US" dirty="0" err="1"/>
+              <a:t>GRaded</a:t>
+            </a:r>
+            <a:endParaRPr lang="en-US" dirty="0"/>
+          </a:p>
+        </p:txBody>
+      </p:sp>
+      <p:sp>
+        <p:nvSpPr>
+          <p:cNvPr id="3" name="Content Placeholder 2">
+            <a:extLst>
+              <a:ext uri="{FF2B5EF4-FFF2-40B4-BE49-F238E27FC236}">
+                <a16:creationId xmlns:a16="http://schemas.microsoft.com/office/drawing/2014/main" id="{8944A8BE-5490-F52E-ADC1-D81B54680EEC}"/>
+              </a:ext>
+            </a:extLst>
+          </p:cNvPr>
+          <p:cNvSpPr>
+            <a:spLocks noGrp="1"/>
+          </p:cNvSpPr>
+          <p:nvPr>
+            <p:ph idx="1"/>
+          </p:nvPr>
+        </p:nvSpPr>
+        <p:spPr/>
+        <p:txBody>
+          <a:bodyPr/>
+          <a:lstStyle/>
+          <a:p>
+            <a:r>
+              <a:rPr lang="en-US" dirty="0"/>
+              <a:t>There are several things that can combat this problem. </a:t>
+            </a:r>
+          </a:p>
+          <a:p>
+            <a:pPr lvl="1"/>
+            <a:r>
+              <a:rPr lang="en-US" dirty="0"/>
+              <a:t>Activation functions – the sigmoid gradients can flatten more than others. </a:t>
+            </a:r>
+          </a:p>
+          <a:p>
+            <a:pPr lvl="1"/>
+            <a:r>
+              <a:rPr lang="en-US" dirty="0"/>
+              <a:t>Normalization. </a:t>
+            </a:r>
+          </a:p>
+        </p:txBody>
+      </p:sp>
+    </p:spTree>
+    <p:extLst>
+      <p:ext uri="{BB962C8B-B14F-4D97-AF65-F5344CB8AC3E}">
+        <p14:creationId xmlns:p14="http://schemas.microsoft.com/office/powerpoint/2010/main" val="4024298218"/>
+      </p:ext>
+    </p:extLst>
+  </p:cSld>
+  <p:clrMapOvr>
+    <a:masterClrMapping/>
+  </p:clrMapOvr>
+</p:sld>
+</file>
+
+<file path=ppt/slides/slide14.xml><?xml version="1.0" encoding="utf-8"?>
 <p:sld xmlns:a="http://schemas.openxmlformats.org/drawingml/2006/main" xmlns:r="http://schemas.openxmlformats.org/officeDocument/2006/relationships" xmlns:p="http://schemas.openxmlformats.org/presentationml/2006/main">
   <p:cSld>
     <p:bg>
@@ -4232,7 +4598,7 @@
           </p:cNvPicPr>
           <p:nvPr/>
         </p:nvPicPr>
-        <p:blipFill>
+        <p:blipFill rotWithShape="1">
           <a:blip r:embed="rId2">
             <a:extLst>
               <a:ext uri="{28A0092B-C50C-407E-A947-70E740481C1C}">
@@ -4240,14 +4606,13 @@
               </a:ext>
             </a:extLst>
           </a:blip>
-          <a:stretch>
-            <a:fillRect/>
-          </a:stretch>
+          <a:srcRect l="11058" r="6709"/>
+          <a:stretch/>
         </p:blipFill>
         <p:spPr bwMode="auto">
           <a:xfrm>
-            <a:off x="1628427" y="2015734"/>
-            <a:ext cx="4606746" cy="3450613"/>
+            <a:off x="0" y="1853754"/>
+            <a:ext cx="4610638" cy="4199727"/>
           </a:xfrm>
           <a:prstGeom prst="rect">
             <a:avLst/>
@@ -4282,8 +4647,8 @@
         </p:nvSpPr>
         <p:spPr>
           <a:xfrm>
-            <a:off x="6448108" y="2015734"/>
-            <a:ext cx="5390965" cy="3855677"/>
+            <a:off x="4606746" y="1853754"/>
+            <a:ext cx="7585254" cy="4017657"/>
           </a:xfrm>
         </p:spPr>
         <p:txBody>
@@ -4317,20 +4682,13 @@
             </a:r>
             <a:r>
               <a:rPr lang="en-US" dirty="0"/>
-              <a:t> and ELU</a:t>
-            </a:r>
-          </a:p>
-          <a:p>
-            <a:pPr lvl="1"/>
-            <a:r>
-              <a:rPr lang="en-US" dirty="0"/>
-              <a:t>ELU = Exponential Linear. </a:t>
-            </a:r>
-          </a:p>
-          <a:p>
-            <a:r>
-              <a:rPr lang="en-US" dirty="0"/>
-              <a:t>Each removes that 0 value range. </a:t>
+              <a:t> and ELU (exponential linear). </a:t>
+            </a:r>
+          </a:p>
+          <a:p>
+            <a:r>
+              <a:rPr lang="en-US" dirty="0"/>
+              <a:t>Each removes that 0 value range of the derivative. </a:t>
             </a:r>
           </a:p>
           <a:p>
@@ -4345,27 +4703,43 @@
             </a:r>
             <a:r>
               <a:rPr lang="en-US" dirty="0"/>
-              <a:t> issue.</a:t>
-            </a:r>
-          </a:p>
-          <a:p>
-            <a:r>
-              <a:rPr lang="en-US" dirty="0"/>
-              <a:t>Can help speed training. </a:t>
-            </a:r>
-          </a:p>
-          <a:p>
-            <a:r>
-              <a:rPr lang="en-US" dirty="0"/>
-              <a:t>If using </a:t>
-            </a:r>
+              <a:t> issue, so gradients don’t vanish as much. </a:t>
+            </a:r>
+          </a:p>
+          <a:p>
+            <a:pPr lvl="1"/>
+            <a:r>
+              <a:rPr lang="en-US" dirty="0"/>
+              <a:t>Can help speed training, or even allow convergence at all. </a:t>
+            </a:r>
+          </a:p>
+          <a:p>
             <a:r>
               <a:rPr lang="en-US" dirty="0" err="1"/>
               <a:t>ReLU</a:t>
             </a:r>
             <a:r>
               <a:rPr lang="en-US" dirty="0"/>
-              <a:t> – reducing learning rate can also combat the dying issue. </a:t>
+              <a:t> or a variation on it are our defaults, </a:t>
+            </a:r>
+            <a:r>
+              <a:rPr lang="en-US"/>
+              <a:t>and normally good. </a:t>
+            </a:r>
+            <a:endParaRPr lang="en-US" dirty="0"/>
+          </a:p>
+          <a:p>
+            <a:r>
+              <a:rPr lang="en-US" dirty="0"/>
+              <a:t>If using </a:t>
+            </a:r>
+            <a:r>
+              <a:rPr lang="en-US" dirty="0" err="1"/>
+              <a:t>ReLU</a:t>
+            </a:r>
+            <a:r>
+              <a:rPr lang="en-US" dirty="0"/>
+              <a:t> – reducing LR can also combat the dying issue. </a:t>
             </a:r>
           </a:p>
         </p:txBody>
@@ -4383,7 +4757,7 @@
 </p:sld>
 </file>
 
-<file path=ppt/slides/slide13.xml><?xml version="1.0" encoding="utf-8"?>
+<file path=ppt/slides/slide15.xml><?xml version="1.0" encoding="utf-8"?>
 <p:sld xmlns:a="http://schemas.openxmlformats.org/drawingml/2006/main" xmlns:r="http://schemas.openxmlformats.org/officeDocument/2006/relationships" xmlns:p="http://schemas.openxmlformats.org/presentationml/2006/main">
   <p:cSld>
     <p:spTree>
@@ -4539,7 +4913,7 @@
 </p:sld>
 </file>
 
-<file path=ppt/slides/slide14.xml><?xml version="1.0" encoding="utf-8"?>
+<file path=ppt/slides/slide16.xml><?xml version="1.0" encoding="utf-8"?>
 <p:sld xmlns:a="http://schemas.openxmlformats.org/drawingml/2006/main" xmlns:r="http://schemas.openxmlformats.org/officeDocument/2006/relationships" xmlns:p="http://schemas.openxmlformats.org/presentationml/2006/main">
   <p:cSld>
     <p:spTree>
@@ -4692,7 +5066,7 @@
 </p:sld>
 </file>
 
-<file path=ppt/slides/slide15.xml><?xml version="1.0" encoding="utf-8"?>
+<file path=ppt/slides/slide17.xml><?xml version="1.0" encoding="utf-8"?>
 <p:sld xmlns:a="http://schemas.openxmlformats.org/drawingml/2006/main" xmlns:r="http://schemas.openxmlformats.org/officeDocument/2006/relationships" xmlns:p="http://schemas.openxmlformats.org/presentationml/2006/main">
   <p:cSld>
     <p:spTree>
@@ -5851,7 +6225,7 @@
         </p:spPr>
         <p:txBody>
           <a:bodyPr>
-            <a:normAutofit lnSpcReduction="10000"/>
+            <a:normAutofit fontScale="92500" lnSpcReduction="10000"/>
           </a:bodyPr>
           <a:lstStyle/>
           <a:p>
@@ -5879,6 +6253,13 @@
             <a:r>
               <a:rPr lang="en-CA" dirty="0"/>
               <a:t>Easiest method is to set early stopping and let the computer figure it out. </a:t>
+            </a:r>
+          </a:p>
+          <a:p>
+            <a:pPr lvl="1"/>
+            <a:r>
+              <a:rPr lang="en-CA" dirty="0"/>
+              <a:t>Really big models might only have one epoch through the data total. </a:t>
             </a:r>
           </a:p>
           <a:p>

--- a/reference_content/Slides/tensorflow_optimization.pptx
+++ b/reference_content/Slides/tensorflow_optimization.pptx
@@ -5,23 +5,29 @@
     <p:sldMasterId id="2147483660" r:id="rId1"/>
   </p:sldMasterIdLst>
   <p:sldIdLst>
-    <p:sldId id="256" r:id="rId2"/>
-    <p:sldId id="257" r:id="rId3"/>
-    <p:sldId id="258" r:id="rId4"/>
-    <p:sldId id="259" r:id="rId5"/>
-    <p:sldId id="264" r:id="rId6"/>
-    <p:sldId id="265" r:id="rId7"/>
-    <p:sldId id="266" r:id="rId8"/>
-    <p:sldId id="260" r:id="rId9"/>
-    <p:sldId id="261" r:id="rId10"/>
-    <p:sldId id="262" r:id="rId11"/>
-    <p:sldId id="271" r:id="rId12"/>
-    <p:sldId id="263" r:id="rId13"/>
-    <p:sldId id="272" r:id="rId14"/>
-    <p:sldId id="267" r:id="rId15"/>
-    <p:sldId id="268" r:id="rId16"/>
-    <p:sldId id="269" r:id="rId17"/>
-    <p:sldId id="270" r:id="rId18"/>
+    <p:sldId id="278" r:id="rId2"/>
+    <p:sldId id="277" r:id="rId3"/>
+    <p:sldId id="256" r:id="rId4"/>
+    <p:sldId id="257" r:id="rId5"/>
+    <p:sldId id="258" r:id="rId6"/>
+    <p:sldId id="259" r:id="rId7"/>
+    <p:sldId id="264" r:id="rId8"/>
+    <p:sldId id="265" r:id="rId9"/>
+    <p:sldId id="266" r:id="rId10"/>
+    <p:sldId id="260" r:id="rId11"/>
+    <p:sldId id="261" r:id="rId12"/>
+    <p:sldId id="262" r:id="rId13"/>
+    <p:sldId id="263" r:id="rId14"/>
+    <p:sldId id="274" r:id="rId15"/>
+    <p:sldId id="271" r:id="rId16"/>
+    <p:sldId id="272" r:id="rId17"/>
+    <p:sldId id="267" r:id="rId18"/>
+    <p:sldId id="273" r:id="rId19"/>
+    <p:sldId id="275" r:id="rId20"/>
+    <p:sldId id="268" r:id="rId21"/>
+    <p:sldId id="276" r:id="rId22"/>
+    <p:sldId id="269" r:id="rId23"/>
+    <p:sldId id="270" r:id="rId24"/>
   </p:sldIdLst>
   <p:sldSz cx="12192000" cy="6858000"/>
   <p:notesSz cx="6858000" cy="9144000"/>
@@ -3706,7 +3712,7 @@
           <p:cNvPr id="2" name="Title 1">
             <a:extLst>
               <a:ext uri="{FF2B5EF4-FFF2-40B4-BE49-F238E27FC236}">
-                <a16:creationId xmlns:a16="http://schemas.microsoft.com/office/drawing/2014/main" id="{E68B6258-E5B7-46B2-B0C0-74D17CB32669}"/>
+                <a16:creationId xmlns:a16="http://schemas.microsoft.com/office/drawing/2014/main" id="{22D1ADD2-D653-17DD-BCB3-0E44EAE7BF2D}"/>
               </a:ext>
             </a:extLst>
           </p:cNvPr>
@@ -3714,42 +3720,27 @@
             <a:spLocks noGrp="1"/>
           </p:cNvSpPr>
           <p:nvPr>
-            <p:ph type="ctrTitle"/>
+            <p:ph type="title"/>
           </p:nvPr>
         </p:nvSpPr>
         <p:spPr/>
         <p:txBody>
-          <a:bodyPr>
-            <a:normAutofit fontScale="90000"/>
-          </a:bodyPr>
-          <a:lstStyle/>
-          <a:p>
-            <a:r>
-              <a:rPr lang="en-CA" dirty="0" err="1"/>
-              <a:t>Tensorflow</a:t>
-            </a:r>
-            <a:r>
-              <a:rPr lang="en-CA" dirty="0"/>
-              <a:t> and </a:t>
-            </a:r>
-            <a:r>
-              <a:rPr lang="en-CA" dirty="0" err="1"/>
-              <a:t>Keras</a:t>
-            </a:r>
-            <a:r>
-              <a:rPr lang="en-CA" dirty="0"/>
-              <a:t> Optimizations</a:t>
-            </a:r>
-            <a:endParaRPr lang="LID4096" dirty="0"/>
-          </a:p>
-        </p:txBody>
-      </p:sp>
-      <p:sp>
-        <p:nvSpPr>
-          <p:cNvPr id="3" name="Subtitle 2">
+          <a:bodyPr/>
+          <a:lstStyle/>
+          <a:p>
+            <a:r>
+              <a:rPr lang="en-US" dirty="0"/>
+              <a:t>Cluster Assignment - Results</a:t>
+            </a:r>
+          </a:p>
+        </p:txBody>
+      </p:sp>
+      <p:sp>
+        <p:nvSpPr>
+          <p:cNvPr id="3" name="Content Placeholder 2">
             <a:extLst>
               <a:ext uri="{FF2B5EF4-FFF2-40B4-BE49-F238E27FC236}">
-                <a16:creationId xmlns:a16="http://schemas.microsoft.com/office/drawing/2014/main" id="{ABA17104-0772-4130-BC10-20A91C36DBC3}"/>
+                <a16:creationId xmlns:a16="http://schemas.microsoft.com/office/drawing/2014/main" id="{1FA8B9B4-BDA8-12EB-F5CF-5A987E111D33}"/>
               </a:ext>
             </a:extLst>
           </p:cNvPr>
@@ -3757,22 +3748,85 @@
             <a:spLocks noGrp="1"/>
           </p:cNvSpPr>
           <p:nvPr>
-            <p:ph type="subTitle" idx="1"/>
-          </p:nvPr>
-        </p:nvSpPr>
-        <p:spPr/>
+            <p:ph idx="1"/>
+          </p:nvPr>
+        </p:nvSpPr>
+        <p:spPr>
+          <a:xfrm>
+            <a:off x="1451579" y="1853754"/>
+            <a:ext cx="9603275" cy="4199727"/>
+          </a:xfrm>
+        </p:spPr>
         <p:txBody>
           <a:bodyPr/>
           <a:lstStyle/>
           <a:p>
-            <a:endParaRPr lang="LID4096"/>
+            <a:r>
+              <a:rPr lang="en-US" dirty="0"/>
+              <a:t>The basic steps needed are:</a:t>
+            </a:r>
+          </a:p>
+          <a:p>
+            <a:pPr lvl="1"/>
+            <a:r>
+              <a:rPr lang="en-US" dirty="0"/>
+              <a:t>Cluster the original data to break the numbers into similar groups. (k-means, other…)</a:t>
+            </a:r>
+          </a:p>
+          <a:p>
+            <a:pPr lvl="1"/>
+            <a:r>
+              <a:rPr lang="en-US" dirty="0"/>
+              <a:t>Manually add a label – each group is similar, but we don’t know what it is a group of. </a:t>
+            </a:r>
+          </a:p>
+          <a:p>
+            <a:pPr lvl="1"/>
+            <a:r>
+              <a:rPr lang="en-US" dirty="0"/>
+              <a:t>Now you have labeled groups of digit images. </a:t>
+            </a:r>
+          </a:p>
+          <a:p>
+            <a:pPr lvl="1"/>
+            <a:r>
+              <a:rPr lang="en-US" dirty="0"/>
+              <a:t>Train 10 (or more) GMMs, one that ‘knows’ each number from the data used to train it. </a:t>
+            </a:r>
+          </a:p>
+          <a:p>
+            <a:pPr lvl="1"/>
+            <a:r>
+              <a:rPr lang="en-US" dirty="0"/>
+              <a:t>When asked for a printout, ask the right GMMs for a digit each, assemble. </a:t>
+            </a:r>
+          </a:p>
+          <a:p>
+            <a:r>
+              <a:rPr lang="en-US" dirty="0"/>
+              <a:t>Overall, the images tend to be OK at best, some improvements:</a:t>
+            </a:r>
+          </a:p>
+          <a:p>
+            <a:pPr lvl="1"/>
+            <a:r>
+              <a:rPr lang="en-US" dirty="0"/>
+              <a:t>Number of clusters can be &gt;10, to capture different digit variations. GMMs can as well. </a:t>
+            </a:r>
+          </a:p>
+          <a:p>
+            <a:pPr lvl="1"/>
+            <a:r>
+              <a:rPr lang="en-US" dirty="0"/>
+              <a:t>Some cleaning/processing (PCA, feature selection, etc..) may help, requires much tuning. </a:t>
+            </a:r>
           </a:p>
         </p:txBody>
       </p:sp>
     </p:spTree>
     <p:extLst>
       <p:ext uri="{BB962C8B-B14F-4D97-AF65-F5344CB8AC3E}">
-        <p14:creationId xmlns:p14="http://schemas.microsoft.com/office/powerpoint/2010/main" val="213059865"/>
+        <p14:creationId xmlns:p14="http://schemas.microsoft.com/office/powerpoint/2010/main" val="136210750"/>
       </p:ext>
     </p:extLst>
   </p:cSld>
@@ -3804,7 +3858,7 @@
           <p:cNvPr id="2" name="Title 1">
             <a:extLst>
               <a:ext uri="{FF2B5EF4-FFF2-40B4-BE49-F238E27FC236}">
-                <a16:creationId xmlns:a16="http://schemas.microsoft.com/office/drawing/2014/main" id="{34986ED5-DCBC-44E8-A70B-39E557577940}"/>
+                <a16:creationId xmlns:a16="http://schemas.microsoft.com/office/drawing/2014/main" id="{3C3F4E92-B91C-4411-9AE6-F65251C2E68F}"/>
               </a:ext>
             </a:extLst>
           </p:cNvPr>
@@ -3822,7 +3876,7 @@
           <a:p>
             <a:r>
               <a:rPr lang="en-CA" dirty="0"/>
-              <a:t>Optimizer</a:t>
+              <a:t>So how big do I make it?</a:t>
             </a:r>
             <a:endParaRPr lang="LID4096" dirty="0"/>
           </a:p>
@@ -3833,7 +3887,7 @@
           <p:cNvPr id="3" name="Content Placeholder 2">
             <a:extLst>
               <a:ext uri="{FF2B5EF4-FFF2-40B4-BE49-F238E27FC236}">
-                <a16:creationId xmlns:a16="http://schemas.microsoft.com/office/drawing/2014/main" id="{4B2CD011-BB37-4394-B021-0011F0FE5371}"/>
+                <a16:creationId xmlns:a16="http://schemas.microsoft.com/office/drawing/2014/main" id="{69AF324C-0304-4D50-9E1F-5D00ACFC962D}"/>
               </a:ext>
             </a:extLst>
           </p:cNvPr>
@@ -3844,46 +3898,58 @@
             <p:ph idx="1"/>
           </p:nvPr>
         </p:nvSpPr>
-        <p:spPr/>
+        <p:spPr>
+          <a:xfrm>
+            <a:off x="1451579" y="2015732"/>
+            <a:ext cx="9603275" cy="4037749"/>
+          </a:xfrm>
+        </p:spPr>
         <p:txBody>
           <a:bodyPr/>
           <a:lstStyle/>
           <a:p>
             <a:r>
               <a:rPr lang="en-CA" dirty="0"/>
-              <a:t>The optimizer is the algorithm used for gradient descent. </a:t>
+              <a:t>See more specific guidelines in workbook. </a:t>
             </a:r>
           </a:p>
           <a:p>
             <a:r>
               <a:rPr lang="en-CA" dirty="0"/>
-              <a:t>We’ll leave this aside for the most part. </a:t>
+              <a:t>Start with 1 to 3 layers the same size as the input (or ~512-768 if input is huge). </a:t>
             </a:r>
           </a:p>
           <a:p>
             <a:r>
               <a:rPr lang="en-CA" dirty="0"/>
-              <a:t>Adam is the most common and is a good choice:</a:t>
-            </a:r>
-          </a:p>
-          <a:p>
-            <a:pPr lvl="1"/>
+              <a:t>Add layers to overfit. </a:t>
+            </a:r>
+          </a:p>
+          <a:p>
             <a:r>
               <a:rPr lang="en-CA" dirty="0"/>
-              <a:t>Converges efficiently. </a:t>
-            </a:r>
-          </a:p>
-          <a:p>
-            <a:pPr lvl="1"/>
+              <a:t>Add regularization to cut overfitting. </a:t>
+            </a:r>
+          </a:p>
+          <a:p>
             <a:r>
               <a:rPr lang="en-CA" dirty="0"/>
-              <a:t>Computation and memory efficient. </a:t>
+              <a:t>Try with layer size “funneled” down layer by layer. </a:t>
             </a:r>
           </a:p>
           <a:p>
             <a:r>
               <a:rPr lang="en-CA" dirty="0"/>
-              <a:t>Different algorithms are more critical with very large datasets where the computation differences on the specific data add up to substantial time. </a:t>
+              <a:t>Prune network. </a:t>
+            </a:r>
+          </a:p>
+          <a:p>
+            <a:endParaRPr lang="en-CA" dirty="0"/>
+          </a:p>
+          <a:p>
+            <a:r>
+              <a:rPr lang="en-CA" dirty="0"/>
+              <a:t>A real answer is grid search, this should get us close enough to start with. </a:t>
             </a:r>
             <a:endParaRPr lang="LID4096" dirty="0"/>
           </a:p>
@@ -3892,7 +3958,7 @@
     </p:spTree>
     <p:extLst>
       <p:ext uri="{BB962C8B-B14F-4D97-AF65-F5344CB8AC3E}">
-        <p14:creationId xmlns:p14="http://schemas.microsoft.com/office/powerpoint/2010/main" val="1375585324"/>
+        <p14:creationId xmlns:p14="http://schemas.microsoft.com/office/powerpoint/2010/main" val="2955667924"/>
       </p:ext>
     </p:extLst>
   </p:cSld>
@@ -3905,30 +3971,6 @@
 <file path=ppt/slides/slide11.xml><?xml version="1.0" encoding="utf-8"?>
 <p:sld xmlns:a="http://schemas.openxmlformats.org/drawingml/2006/main" xmlns:r="http://schemas.openxmlformats.org/officeDocument/2006/relationships" xmlns:p="http://schemas.openxmlformats.org/presentationml/2006/main">
   <p:cSld>
-    <p:bg>
-      <p:bgPr>
-        <a:gradFill rotWithShape="1">
-          <a:gsLst>
-            <a:gs pos="0">
-              <a:schemeClr val="bg2">
-                <a:tint val="94000"/>
-                <a:satMod val="80000"/>
-                <a:lumMod val="106000"/>
-              </a:schemeClr>
-            </a:gs>
-            <a:gs pos="100000">
-              <a:schemeClr val="bg2">
-                <a:shade val="80000"/>
-              </a:schemeClr>
-            </a:gs>
-          </a:gsLst>
-          <a:path path="circle">
-            <a:fillToRect l="43000" r="43000" b="100000"/>
-          </a:path>
-        </a:gradFill>
-        <a:effectLst/>
-      </p:bgPr>
-    </p:bg>
     <p:spTree>
       <p:nvGrpSpPr>
         <p:cNvPr id="1" name=""/>
@@ -3948,7 +3990,7 @@
           <p:cNvPr id="2" name="Title 1">
             <a:extLst>
               <a:ext uri="{FF2B5EF4-FFF2-40B4-BE49-F238E27FC236}">
-                <a16:creationId xmlns:a16="http://schemas.microsoft.com/office/drawing/2014/main" id="{B84EE14E-690A-82ED-BE86-623C5E683DA4}"/>
+                <a16:creationId xmlns:a16="http://schemas.microsoft.com/office/drawing/2014/main" id="{9DF6D07A-F89C-4648-8C5C-62C367F69E6C}"/>
               </a:ext>
             </a:extLst>
           </p:cNvPr>
@@ -3959,22 +4001,16 @@
             <p:ph type="title"/>
           </p:nvPr>
         </p:nvSpPr>
-        <p:spPr>
-          <a:xfrm>
-            <a:off x="1451579" y="804519"/>
-            <a:ext cx="9603275" cy="1049235"/>
-          </a:xfrm>
-        </p:spPr>
-        <p:txBody>
-          <a:bodyPr>
-            <a:normAutofit/>
-          </a:bodyPr>
-          <a:lstStyle/>
-          <a:p>
-            <a:r>
-              <a:rPr lang="en-US" dirty="0"/>
-              <a:t>Vanishing (or Exploding) Gradients</a:t>
-            </a:r>
+        <p:spPr/>
+        <p:txBody>
+          <a:bodyPr/>
+          <a:lstStyle/>
+          <a:p>
+            <a:r>
+              <a:rPr lang="en-CA" dirty="0"/>
+              <a:t>Epochs and Batches</a:t>
+            </a:r>
+            <a:endParaRPr lang="LID4096" dirty="0"/>
           </a:p>
         </p:txBody>
       </p:sp>
@@ -3983,7 +4019,7 @@
           <p:cNvPr id="3" name="Content Placeholder 2">
             <a:extLst>
               <a:ext uri="{FF2B5EF4-FFF2-40B4-BE49-F238E27FC236}">
-                <a16:creationId xmlns:a16="http://schemas.microsoft.com/office/drawing/2014/main" id="{97B86E47-D960-F541-FC0B-79C8E24010DE}"/>
+                <a16:creationId xmlns:a16="http://schemas.microsoft.com/office/drawing/2014/main" id="{90B4D315-C411-40F9-A088-3BE0DD9996F7}"/>
               </a:ext>
             </a:extLst>
           </p:cNvPr>
@@ -3996,162 +4032,119 @@
         </p:nvSpPr>
         <p:spPr>
           <a:xfrm>
-            <a:off x="0" y="1853752"/>
-            <a:ext cx="6792685" cy="4199729"/>
+            <a:off x="1183907" y="1853754"/>
+            <a:ext cx="10222030" cy="4114784"/>
           </a:xfrm>
         </p:spPr>
         <p:txBody>
           <a:bodyPr>
-            <a:normAutofit/>
+            <a:normAutofit fontScale="92500" lnSpcReduction="10000"/>
           </a:bodyPr>
           <a:lstStyle/>
           <a:p>
-            <a:pPr>
-              <a:lnSpc>
-                <a:spcPct val="110000"/>
-              </a:lnSpc>
-            </a:pPr>
-            <a:r>
-              <a:rPr lang="en-US" dirty="0"/>
-              <a:t>Recall – gradient descent attributes error to different weights using the gradient (slope of the cost cure </a:t>
-            </a:r>
-            <a:r>
-              <a:rPr lang="en-US" dirty="0" err="1"/>
-              <a:t>w.r.t.</a:t>
-            </a:r>
-            <a:r>
-              <a:rPr lang="en-US" dirty="0"/>
-              <a:t> that weight). </a:t>
-            </a:r>
-          </a:p>
-          <a:p>
-            <a:pPr>
-              <a:lnSpc>
-                <a:spcPct val="110000"/>
-              </a:lnSpc>
-            </a:pPr>
-            <a:r>
-              <a:rPr lang="en-US" dirty="0"/>
-              <a:t>Recall some neural network training facts:</a:t>
-            </a:r>
-          </a:p>
-          <a:p>
-            <a:pPr lvl="1">
-              <a:lnSpc>
-                <a:spcPct val="110000"/>
-              </a:lnSpc>
-            </a:pPr>
-            <a:r>
-              <a:rPr lang="en-US" dirty="0"/>
-              <a:t>They have many weights. </a:t>
-            </a:r>
-          </a:p>
-          <a:p>
-            <a:pPr lvl="1">
-              <a:lnSpc>
-                <a:spcPct val="110000"/>
-              </a:lnSpc>
-            </a:pPr>
-            <a:r>
-              <a:rPr lang="en-US" dirty="0"/>
-              <a:t>Propagate loss back through all layers, and there can be many. </a:t>
-            </a:r>
-          </a:p>
-          <a:p>
-            <a:pPr lvl="1">
-              <a:lnSpc>
-                <a:spcPct val="110000"/>
-              </a:lnSpc>
-            </a:pPr>
-            <a:r>
-              <a:rPr lang="en-US" dirty="0"/>
-              <a:t>Often train over many rounds, and get very accurate. </a:t>
-            </a:r>
-          </a:p>
-          <a:p>
-            <a:pPr>
-              <a:lnSpc>
-                <a:spcPct val="110000"/>
-              </a:lnSpc>
-            </a:pPr>
-            <a:r>
-              <a:rPr lang="en-US" dirty="0"/>
-              <a:t>We can encounter a problem that small changes to small numbers from small error split many ways yields tiny values. </a:t>
-            </a:r>
-          </a:p>
-          <a:p>
-            <a:pPr lvl="1">
-              <a:lnSpc>
-                <a:spcPct val="110000"/>
-              </a:lnSpc>
-            </a:pPr>
-            <a:r>
-              <a:rPr lang="en-US" dirty="0"/>
-              <a:t>The gradient can “vanish” if it is too small for the GD to work. </a:t>
-            </a:r>
-          </a:p>
-          <a:p>
-            <a:pPr lvl="1">
-              <a:lnSpc>
-                <a:spcPct val="110000"/>
-              </a:lnSpc>
-            </a:pPr>
-            <a:r>
-              <a:rPr lang="en-US" dirty="0"/>
-              <a:t>This can lead to ‘dead’ models, that can’t keep learning. </a:t>
-            </a:r>
-          </a:p>
-        </p:txBody>
-      </p:sp>
-      <p:pic>
-        <p:nvPicPr>
-          <p:cNvPr id="1026" name="Picture 2" descr="Vanishing and Exploding Gradients in Neural Network Models: Debugging,  Monitoring, and Fixing">
-            <a:extLst>
-              <a:ext uri="{FF2B5EF4-FFF2-40B4-BE49-F238E27FC236}">
-                <a16:creationId xmlns:a16="http://schemas.microsoft.com/office/drawing/2014/main" id="{0B1C0D94-352B-B9A4-3AB7-311DD11AC998}"/>
-              </a:ext>
-            </a:extLst>
-          </p:cNvPr>
-          <p:cNvPicPr>
-            <a:picLocks noChangeAspect="1" noChangeArrowheads="1"/>
-          </p:cNvPicPr>
-          <p:nvPr/>
-        </p:nvPicPr>
-        <p:blipFill rotWithShape="1">
-          <a:blip r:embed="rId2">
-            <a:extLst>
-              <a:ext uri="{28A0092B-C50C-407E-A947-70E740481C1C}">
-                <a14:useLocalDpi xmlns:a14="http://schemas.microsoft.com/office/drawing/2010/main" val="0"/>
-              </a:ext>
-            </a:extLst>
-          </a:blip>
-          <a:srcRect l="2545" t="3291" r="5732" b="-1"/>
-          <a:stretch/>
-        </p:blipFill>
-        <p:spPr bwMode="auto">
-          <a:xfrm>
-            <a:off x="6792685" y="1853753"/>
-            <a:ext cx="5399315" cy="4448709"/>
-          </a:xfrm>
-          <a:prstGeom prst="rect">
-            <a:avLst/>
-          </a:prstGeom>
-          <a:noFill/>
-          <a:extLst>
-            <a:ext uri="{909E8E84-426E-40DD-AFC4-6F175D3DCCD1}">
-              <a14:hiddenFill xmlns:a14="http://schemas.microsoft.com/office/drawing/2010/main">
-                <a:solidFill>
-                  <a:srgbClr val="FFFFFF"/>
-                </a:solidFill>
-              </a14:hiddenFill>
-            </a:ext>
-          </a:extLst>
-        </p:spPr>
-      </p:pic>
+            <a:r>
+              <a:rPr lang="en-CA" dirty="0"/>
+              <a:t>Epochs and batches are both things that are new to us with neural networks. </a:t>
+            </a:r>
+          </a:p>
+          <a:p>
+            <a:r>
+              <a:rPr lang="en-CA" dirty="0"/>
+              <a:t>Each epoch is an execution of one </a:t>
+            </a:r>
+            <a:r>
+              <a:rPr lang="en-CA" dirty="0" err="1"/>
+              <a:t>fp</a:t>
+            </a:r>
+            <a:r>
+              <a:rPr lang="en-CA" dirty="0"/>
+              <a:t>/bp through all of the data. </a:t>
+            </a:r>
+          </a:p>
+          <a:p>
+            <a:pPr lvl="1"/>
+            <a:r>
+              <a:rPr lang="en-CA" dirty="0"/>
+              <a:t>Easiest method is to set early stopping and let the computer figure it out. </a:t>
+            </a:r>
+          </a:p>
+          <a:p>
+            <a:pPr lvl="1"/>
+            <a:r>
+              <a:rPr lang="en-CA" dirty="0"/>
+              <a:t>Really big models might only have one epoch through the data total. </a:t>
+            </a:r>
+          </a:p>
+          <a:p>
+            <a:r>
+              <a:rPr lang="en-CA" dirty="0"/>
+              <a:t>Batches are how many records to process before updating weights. </a:t>
+            </a:r>
+          </a:p>
+          <a:p>
+            <a:pPr lvl="1"/>
+            <a:r>
+              <a:rPr lang="en-CA" dirty="0"/>
+              <a:t>Just like regular gradient descent – higher is more stable, smaller more erratic. </a:t>
+            </a:r>
+          </a:p>
+          <a:p>
+            <a:pPr lvl="1"/>
+            <a:r>
+              <a:rPr lang="en-CA" dirty="0"/>
+              <a:t>Limited at the top end by memory capacity. </a:t>
+            </a:r>
+          </a:p>
+          <a:p>
+            <a:pPr lvl="1"/>
+            <a:r>
+              <a:rPr lang="en-CA" dirty="0"/>
+              <a:t>Large vs small is still a matter of debate and varies by data. </a:t>
+            </a:r>
+          </a:p>
+          <a:p>
+            <a:pPr lvl="1"/>
+            <a:r>
+              <a:rPr lang="en-CA" dirty="0"/>
+              <a:t>Generally, smaller batches (as small as 2 -32) seems to offer better generalizable models. </a:t>
+            </a:r>
+          </a:p>
+          <a:p>
+            <a:pPr lvl="1"/>
+            <a:r>
+              <a:rPr lang="en-CA" dirty="0"/>
+              <a:t>Big batches may process far faster – better HW utilization and fewer weight updates. </a:t>
+            </a:r>
+          </a:p>
+          <a:p>
+            <a:pPr lvl="2"/>
+            <a:r>
+              <a:rPr lang="en-CA" dirty="0"/>
+              <a:t>Think – weight matrix per layer is </a:t>
+            </a:r>
+            <a:r>
+              <a:rPr lang="en-CA" dirty="0" err="1"/>
+              <a:t>input_size</a:t>
+            </a:r>
+            <a:r>
+              <a:rPr lang="en-CA" dirty="0"/>
+              <a:t> * </a:t>
+            </a:r>
+            <a:r>
+              <a:rPr lang="en-CA" dirty="0" err="1"/>
+              <a:t>output_size</a:t>
+            </a:r>
+            <a:r>
+              <a:rPr lang="en-CA" dirty="0"/>
+              <a:t>. 512 * 512 = ~250k updates</a:t>
+            </a:r>
+          </a:p>
+        </p:txBody>
+      </p:sp>
     </p:spTree>
     <p:extLst>
       <p:ext uri="{BB962C8B-B14F-4D97-AF65-F5344CB8AC3E}">
-        <p14:creationId xmlns:p14="http://schemas.microsoft.com/office/powerpoint/2010/main" val="3004196100"/>
+        <p14:creationId xmlns:p14="http://schemas.microsoft.com/office/powerpoint/2010/main" val="1589937291"/>
       </p:ext>
     </p:extLst>
   </p:cSld>
@@ -4162,6 +4155,126 @@
 </file>
 
 <file path=ppt/slides/slide12.xml><?xml version="1.0" encoding="utf-8"?>
+<p:sld xmlns:a="http://schemas.openxmlformats.org/drawingml/2006/main" xmlns:r="http://schemas.openxmlformats.org/officeDocument/2006/relationships" xmlns:p="http://schemas.openxmlformats.org/presentationml/2006/main">
+  <p:cSld>
+    <p:spTree>
+      <p:nvGrpSpPr>
+        <p:cNvPr id="1" name=""/>
+        <p:cNvGrpSpPr/>
+        <p:nvPr/>
+      </p:nvGrpSpPr>
+      <p:grpSpPr>
+        <a:xfrm>
+          <a:off x="0" y="0"/>
+          <a:ext cx="0" cy="0"/>
+          <a:chOff x="0" y="0"/>
+          <a:chExt cx="0" cy="0"/>
+        </a:xfrm>
+      </p:grpSpPr>
+      <p:sp>
+        <p:nvSpPr>
+          <p:cNvPr id="2" name="Title 1">
+            <a:extLst>
+              <a:ext uri="{FF2B5EF4-FFF2-40B4-BE49-F238E27FC236}">
+                <a16:creationId xmlns:a16="http://schemas.microsoft.com/office/drawing/2014/main" id="{34986ED5-DCBC-44E8-A70B-39E557577940}"/>
+              </a:ext>
+            </a:extLst>
+          </p:cNvPr>
+          <p:cNvSpPr>
+            <a:spLocks noGrp="1"/>
+          </p:cNvSpPr>
+          <p:nvPr>
+            <p:ph type="title"/>
+          </p:nvPr>
+        </p:nvSpPr>
+        <p:spPr/>
+        <p:txBody>
+          <a:bodyPr/>
+          <a:lstStyle/>
+          <a:p>
+            <a:r>
+              <a:rPr lang="en-CA" dirty="0"/>
+              <a:t>Optimizer</a:t>
+            </a:r>
+            <a:endParaRPr lang="LID4096" dirty="0"/>
+          </a:p>
+        </p:txBody>
+      </p:sp>
+      <p:sp>
+        <p:nvSpPr>
+          <p:cNvPr id="3" name="Content Placeholder 2">
+            <a:extLst>
+              <a:ext uri="{FF2B5EF4-FFF2-40B4-BE49-F238E27FC236}">
+                <a16:creationId xmlns:a16="http://schemas.microsoft.com/office/drawing/2014/main" id="{4B2CD011-BB37-4394-B021-0011F0FE5371}"/>
+              </a:ext>
+            </a:extLst>
+          </p:cNvPr>
+          <p:cNvSpPr>
+            <a:spLocks noGrp="1"/>
+          </p:cNvSpPr>
+          <p:nvPr>
+            <p:ph idx="1"/>
+          </p:nvPr>
+        </p:nvSpPr>
+        <p:spPr/>
+        <p:txBody>
+          <a:bodyPr/>
+          <a:lstStyle/>
+          <a:p>
+            <a:r>
+              <a:rPr lang="en-CA" dirty="0"/>
+              <a:t>The optimizer is the algorithm used for gradient descent. </a:t>
+            </a:r>
+          </a:p>
+          <a:p>
+            <a:r>
+              <a:rPr lang="en-CA" dirty="0"/>
+              <a:t>We’ll leave this aside for the most part. </a:t>
+            </a:r>
+          </a:p>
+          <a:p>
+            <a:r>
+              <a:rPr lang="en-CA" dirty="0"/>
+              <a:t>Adam is the most common and is a good choice:</a:t>
+            </a:r>
+          </a:p>
+          <a:p>
+            <a:pPr lvl="1"/>
+            <a:r>
+              <a:rPr lang="en-CA" dirty="0"/>
+              <a:t>Converges efficiently. </a:t>
+            </a:r>
+          </a:p>
+          <a:p>
+            <a:pPr lvl="1"/>
+            <a:r>
+              <a:rPr lang="en-CA" dirty="0"/>
+              <a:t>Computation and memory efficient. </a:t>
+            </a:r>
+          </a:p>
+          <a:p>
+            <a:r>
+              <a:rPr lang="en-CA" dirty="0"/>
+              <a:t>Different algorithms are more critical with very large datasets where the computation differences on the specific data add up to substantial time. </a:t>
+            </a:r>
+            <a:endParaRPr lang="LID4096" dirty="0"/>
+          </a:p>
+        </p:txBody>
+      </p:sp>
+    </p:spTree>
+    <p:extLst>
+      <p:ext uri="{BB962C8B-B14F-4D97-AF65-F5344CB8AC3E}">
+        <p14:creationId xmlns:p14="http://schemas.microsoft.com/office/powerpoint/2010/main" val="1375585324"/>
+      </p:ext>
+    </p:extLst>
+  </p:cSld>
+  <p:clrMapOvr>
+    <a:masterClrMapping/>
+  </p:clrMapOvr>
+</p:sld>
+</file>
+
+<file path=ppt/slides/slide13.xml><?xml version="1.0" encoding="utf-8"?>
 <p:sld xmlns:a="http://schemas.openxmlformats.org/drawingml/2006/main" xmlns:r="http://schemas.openxmlformats.org/officeDocument/2006/relationships" xmlns:p="http://schemas.openxmlformats.org/presentationml/2006/main">
   <p:cSld>
     <p:bg>
@@ -4395,7 +4508,7 @@
 </p:sld>
 </file>
 
-<file path=ppt/slides/slide13.xml><?xml version="1.0" encoding="utf-8"?>
+<file path=ppt/slides/slide14.xml><?xml version="1.0" encoding="utf-8"?>
 <p:sld xmlns:a="http://schemas.openxmlformats.org/drawingml/2006/main" xmlns:r="http://schemas.openxmlformats.org/officeDocument/2006/relationships" xmlns:p="http://schemas.openxmlformats.org/presentationml/2006/main">
   <p:cSld>
     <p:spTree>
@@ -4417,6 +4530,442 @@
           <p:cNvPr id="2" name="Title 1">
             <a:extLst>
               <a:ext uri="{FF2B5EF4-FFF2-40B4-BE49-F238E27FC236}">
+                <a16:creationId xmlns:a16="http://schemas.microsoft.com/office/drawing/2014/main" id="{F717414F-7377-6242-8523-2FD9689DAFAD}"/>
+              </a:ext>
+            </a:extLst>
+          </p:cNvPr>
+          <p:cNvSpPr>
+            <a:spLocks noGrp="1"/>
+          </p:cNvSpPr>
+          <p:nvPr>
+            <p:ph type="title"/>
+          </p:nvPr>
+        </p:nvSpPr>
+        <p:spPr/>
+        <p:txBody>
+          <a:bodyPr/>
+          <a:lstStyle/>
+          <a:p>
+            <a:r>
+              <a:rPr lang="en-US" dirty="0"/>
+              <a:t>Weight Updates</a:t>
+            </a:r>
+          </a:p>
+        </p:txBody>
+      </p:sp>
+      <p:sp>
+        <p:nvSpPr>
+          <p:cNvPr id="3" name="Content Placeholder 2">
+            <a:extLst>
+              <a:ext uri="{FF2B5EF4-FFF2-40B4-BE49-F238E27FC236}">
+                <a16:creationId xmlns:a16="http://schemas.microsoft.com/office/drawing/2014/main" id="{F0477A05-C767-02A8-870B-D9A48494471E}"/>
+              </a:ext>
+            </a:extLst>
+          </p:cNvPr>
+          <p:cNvSpPr>
+            <a:spLocks noGrp="1"/>
+          </p:cNvSpPr>
+          <p:nvPr>
+            <p:ph idx="1"/>
+          </p:nvPr>
+        </p:nvSpPr>
+        <p:spPr/>
+        <p:txBody>
+          <a:bodyPr/>
+          <a:lstStyle/>
+          <a:p>
+            <a:endParaRPr lang="en-US"/>
+          </a:p>
+        </p:txBody>
+      </p:sp>
+      <p:pic>
+        <p:nvPicPr>
+          <p:cNvPr id="3074" name="Picture 2">
+            <a:extLst>
+              <a:ext uri="{FF2B5EF4-FFF2-40B4-BE49-F238E27FC236}">
+                <a16:creationId xmlns:a16="http://schemas.microsoft.com/office/drawing/2014/main" id="{F3247C22-17E7-A36B-5FD9-E45D482B03F3}"/>
+              </a:ext>
+            </a:extLst>
+          </p:cNvPr>
+          <p:cNvPicPr>
+            <a:picLocks noChangeAspect="1" noChangeArrowheads="1"/>
+          </p:cNvPicPr>
+          <p:nvPr/>
+        </p:nvPicPr>
+        <p:blipFill>
+          <a:blip r:embed="rId2">
+            <a:extLst>
+              <a:ext uri="{28A0092B-C50C-407E-A947-70E740481C1C}">
+                <a14:useLocalDpi xmlns:a14="http://schemas.microsoft.com/office/drawing/2010/main" val="0"/>
+              </a:ext>
+            </a:extLst>
+          </a:blip>
+          <a:srcRect/>
+          <a:stretch>
+            <a:fillRect/>
+          </a:stretch>
+        </p:blipFill>
+        <p:spPr bwMode="auto">
+          <a:xfrm>
+            <a:off x="6934200" y="38100"/>
+            <a:ext cx="5257800" cy="3390900"/>
+          </a:xfrm>
+          <a:prstGeom prst="rect">
+            <a:avLst/>
+          </a:prstGeom>
+          <a:noFill/>
+          <a:extLst>
+            <a:ext uri="{909E8E84-426E-40DD-AFC4-6F175D3DCCD1}">
+              <a14:hiddenFill xmlns:a14="http://schemas.microsoft.com/office/drawing/2010/main">
+                <a:solidFill>
+                  <a:srgbClr val="FFFFFF"/>
+                </a:solidFill>
+              </a14:hiddenFill>
+            </a:ext>
+          </a:extLst>
+        </p:spPr>
+      </p:pic>
+      <p:pic>
+        <p:nvPicPr>
+          <p:cNvPr id="3076" name="Picture 4">
+            <a:extLst>
+              <a:ext uri="{FF2B5EF4-FFF2-40B4-BE49-F238E27FC236}">
+                <a16:creationId xmlns:a16="http://schemas.microsoft.com/office/drawing/2014/main" id="{9688CBD8-CE43-9E33-4E6D-BEA253FA3034}"/>
+              </a:ext>
+            </a:extLst>
+          </p:cNvPr>
+          <p:cNvPicPr>
+            <a:picLocks noChangeAspect="1" noChangeArrowheads="1"/>
+          </p:cNvPicPr>
+          <p:nvPr/>
+        </p:nvPicPr>
+        <p:blipFill>
+          <a:blip r:embed="rId3">
+            <a:extLst>
+              <a:ext uri="{28A0092B-C50C-407E-A947-70E740481C1C}">
+                <a14:useLocalDpi xmlns:a14="http://schemas.microsoft.com/office/drawing/2010/main" val="0"/>
+              </a:ext>
+            </a:extLst>
+          </a:blip>
+          <a:srcRect/>
+          <a:stretch>
+            <a:fillRect/>
+          </a:stretch>
+        </p:blipFill>
+        <p:spPr bwMode="auto">
+          <a:xfrm>
+            <a:off x="0" y="1672046"/>
+            <a:ext cx="7053858" cy="5185954"/>
+          </a:xfrm>
+          <a:prstGeom prst="rect">
+            <a:avLst/>
+          </a:prstGeom>
+          <a:noFill/>
+          <a:extLst>
+            <a:ext uri="{909E8E84-426E-40DD-AFC4-6F175D3DCCD1}">
+              <a14:hiddenFill xmlns:a14="http://schemas.microsoft.com/office/drawing/2010/main">
+                <a:solidFill>
+                  <a:srgbClr val="FFFFFF"/>
+                </a:solidFill>
+              </a14:hiddenFill>
+            </a:ext>
+          </a:extLst>
+        </p:spPr>
+      </p:pic>
+    </p:spTree>
+    <p:extLst>
+      <p:ext uri="{BB962C8B-B14F-4D97-AF65-F5344CB8AC3E}">
+        <p14:creationId xmlns:p14="http://schemas.microsoft.com/office/powerpoint/2010/main" val="2324801087"/>
+      </p:ext>
+    </p:extLst>
+  </p:cSld>
+  <p:clrMapOvr>
+    <a:masterClrMapping/>
+  </p:clrMapOvr>
+</p:sld>
+</file>
+
+<file path=ppt/slides/slide15.xml><?xml version="1.0" encoding="utf-8"?>
+<p:sld xmlns:a="http://schemas.openxmlformats.org/drawingml/2006/main" xmlns:r="http://schemas.openxmlformats.org/officeDocument/2006/relationships" xmlns:p="http://schemas.openxmlformats.org/presentationml/2006/main">
+  <p:cSld>
+    <p:bg>
+      <p:bgPr>
+        <a:gradFill rotWithShape="1">
+          <a:gsLst>
+            <a:gs pos="0">
+              <a:schemeClr val="bg2">
+                <a:tint val="94000"/>
+                <a:satMod val="80000"/>
+                <a:lumMod val="106000"/>
+              </a:schemeClr>
+            </a:gs>
+            <a:gs pos="100000">
+              <a:schemeClr val="bg2">
+                <a:shade val="80000"/>
+              </a:schemeClr>
+            </a:gs>
+          </a:gsLst>
+          <a:path path="circle">
+            <a:fillToRect l="43000" r="43000" b="100000"/>
+          </a:path>
+        </a:gradFill>
+        <a:effectLst/>
+      </p:bgPr>
+    </p:bg>
+    <p:spTree>
+      <p:nvGrpSpPr>
+        <p:cNvPr id="1" name=""/>
+        <p:cNvGrpSpPr/>
+        <p:nvPr/>
+      </p:nvGrpSpPr>
+      <p:grpSpPr>
+        <a:xfrm>
+          <a:off x="0" y="0"/>
+          <a:ext cx="0" cy="0"/>
+          <a:chOff x="0" y="0"/>
+          <a:chExt cx="0" cy="0"/>
+        </a:xfrm>
+      </p:grpSpPr>
+      <p:sp>
+        <p:nvSpPr>
+          <p:cNvPr id="2" name="Title 1">
+            <a:extLst>
+              <a:ext uri="{FF2B5EF4-FFF2-40B4-BE49-F238E27FC236}">
+                <a16:creationId xmlns:a16="http://schemas.microsoft.com/office/drawing/2014/main" id="{B84EE14E-690A-82ED-BE86-623C5E683DA4}"/>
+              </a:ext>
+            </a:extLst>
+          </p:cNvPr>
+          <p:cNvSpPr>
+            <a:spLocks noGrp="1"/>
+          </p:cNvSpPr>
+          <p:nvPr>
+            <p:ph type="title"/>
+          </p:nvPr>
+        </p:nvSpPr>
+        <p:spPr>
+          <a:xfrm>
+            <a:off x="1451579" y="804519"/>
+            <a:ext cx="9603275" cy="1049235"/>
+          </a:xfrm>
+        </p:spPr>
+        <p:txBody>
+          <a:bodyPr>
+            <a:normAutofit/>
+          </a:bodyPr>
+          <a:lstStyle/>
+          <a:p>
+            <a:r>
+              <a:rPr lang="en-US" dirty="0"/>
+              <a:t>Vanishing (or Exploding) Gradients</a:t>
+            </a:r>
+          </a:p>
+        </p:txBody>
+      </p:sp>
+      <p:sp>
+        <p:nvSpPr>
+          <p:cNvPr id="3" name="Content Placeholder 2">
+            <a:extLst>
+              <a:ext uri="{FF2B5EF4-FFF2-40B4-BE49-F238E27FC236}">
+                <a16:creationId xmlns:a16="http://schemas.microsoft.com/office/drawing/2014/main" id="{97B86E47-D960-F541-FC0B-79C8E24010DE}"/>
+              </a:ext>
+            </a:extLst>
+          </p:cNvPr>
+          <p:cNvSpPr>
+            <a:spLocks noGrp="1"/>
+          </p:cNvSpPr>
+          <p:nvPr>
+            <p:ph idx="1"/>
+          </p:nvPr>
+        </p:nvSpPr>
+        <p:spPr>
+          <a:xfrm>
+            <a:off x="0" y="1853752"/>
+            <a:ext cx="6792685" cy="4199729"/>
+          </a:xfrm>
+        </p:spPr>
+        <p:txBody>
+          <a:bodyPr>
+            <a:normAutofit/>
+          </a:bodyPr>
+          <a:lstStyle/>
+          <a:p>
+            <a:pPr>
+              <a:lnSpc>
+                <a:spcPct val="110000"/>
+              </a:lnSpc>
+            </a:pPr>
+            <a:r>
+              <a:rPr lang="en-US" dirty="0"/>
+              <a:t>Recall – gradient descent attributes error to different weights using the gradient (slope of the cost cure </a:t>
+            </a:r>
+            <a:r>
+              <a:rPr lang="en-US" dirty="0" err="1"/>
+              <a:t>w.r.t.</a:t>
+            </a:r>
+            <a:r>
+              <a:rPr lang="en-US" dirty="0"/>
+              <a:t> that weight). </a:t>
+            </a:r>
+          </a:p>
+          <a:p>
+            <a:pPr>
+              <a:lnSpc>
+                <a:spcPct val="110000"/>
+              </a:lnSpc>
+            </a:pPr>
+            <a:r>
+              <a:rPr lang="en-US" dirty="0"/>
+              <a:t>Recall some neural network training facts:</a:t>
+            </a:r>
+          </a:p>
+          <a:p>
+            <a:pPr lvl="1">
+              <a:lnSpc>
+                <a:spcPct val="110000"/>
+              </a:lnSpc>
+            </a:pPr>
+            <a:r>
+              <a:rPr lang="en-US" dirty="0"/>
+              <a:t>They have many weights. </a:t>
+            </a:r>
+          </a:p>
+          <a:p>
+            <a:pPr lvl="1">
+              <a:lnSpc>
+                <a:spcPct val="110000"/>
+              </a:lnSpc>
+            </a:pPr>
+            <a:r>
+              <a:rPr lang="en-US" dirty="0"/>
+              <a:t>Propagate loss back through all layers, and there can be many. </a:t>
+            </a:r>
+          </a:p>
+          <a:p>
+            <a:pPr lvl="1">
+              <a:lnSpc>
+                <a:spcPct val="110000"/>
+              </a:lnSpc>
+            </a:pPr>
+            <a:r>
+              <a:rPr lang="en-US" dirty="0"/>
+              <a:t>Often train over many rounds, and get very accurate. </a:t>
+            </a:r>
+          </a:p>
+          <a:p>
+            <a:pPr>
+              <a:lnSpc>
+                <a:spcPct val="110000"/>
+              </a:lnSpc>
+            </a:pPr>
+            <a:r>
+              <a:rPr lang="en-US" dirty="0"/>
+              <a:t>We can encounter a problem that small changes to small numbers from small error split many ways yields tiny values. </a:t>
+            </a:r>
+          </a:p>
+          <a:p>
+            <a:pPr lvl="1">
+              <a:lnSpc>
+                <a:spcPct val="110000"/>
+              </a:lnSpc>
+            </a:pPr>
+            <a:r>
+              <a:rPr lang="en-US" dirty="0"/>
+              <a:t>The gradient can “vanish” if it is too small for the GD to work. </a:t>
+            </a:r>
+          </a:p>
+          <a:p>
+            <a:pPr lvl="1">
+              <a:lnSpc>
+                <a:spcPct val="110000"/>
+              </a:lnSpc>
+            </a:pPr>
+            <a:r>
+              <a:rPr lang="en-US" dirty="0"/>
+              <a:t>This can lead to ‘dead’ models, that can’t keep learning. </a:t>
+            </a:r>
+          </a:p>
+        </p:txBody>
+      </p:sp>
+      <p:pic>
+        <p:nvPicPr>
+          <p:cNvPr id="1026" name="Picture 2" descr="Vanishing and Exploding Gradients in Neural Network Models: Debugging,  Monitoring, and Fixing">
+            <a:extLst>
+              <a:ext uri="{FF2B5EF4-FFF2-40B4-BE49-F238E27FC236}">
+                <a16:creationId xmlns:a16="http://schemas.microsoft.com/office/drawing/2014/main" id="{0B1C0D94-352B-B9A4-3AB7-311DD11AC998}"/>
+              </a:ext>
+            </a:extLst>
+          </p:cNvPr>
+          <p:cNvPicPr>
+            <a:picLocks noChangeAspect="1" noChangeArrowheads="1"/>
+          </p:cNvPicPr>
+          <p:nvPr/>
+        </p:nvPicPr>
+        <p:blipFill rotWithShape="1">
+          <a:blip r:embed="rId2">
+            <a:extLst>
+              <a:ext uri="{28A0092B-C50C-407E-A947-70E740481C1C}">
+                <a14:useLocalDpi xmlns:a14="http://schemas.microsoft.com/office/drawing/2010/main" val="0"/>
+              </a:ext>
+            </a:extLst>
+          </a:blip>
+          <a:srcRect l="2545" t="3291" r="5732" b="-1"/>
+          <a:stretch/>
+        </p:blipFill>
+        <p:spPr bwMode="auto">
+          <a:xfrm>
+            <a:off x="6792685" y="1853753"/>
+            <a:ext cx="5399315" cy="4448709"/>
+          </a:xfrm>
+          <a:prstGeom prst="rect">
+            <a:avLst/>
+          </a:prstGeom>
+          <a:noFill/>
+          <a:extLst>
+            <a:ext uri="{909E8E84-426E-40DD-AFC4-6F175D3DCCD1}">
+              <a14:hiddenFill xmlns:a14="http://schemas.microsoft.com/office/drawing/2010/main">
+                <a:solidFill>
+                  <a:srgbClr val="FFFFFF"/>
+                </a:solidFill>
+              </a14:hiddenFill>
+            </a:ext>
+          </a:extLst>
+        </p:spPr>
+      </p:pic>
+    </p:spTree>
+    <p:extLst>
+      <p:ext uri="{BB962C8B-B14F-4D97-AF65-F5344CB8AC3E}">
+        <p14:creationId xmlns:p14="http://schemas.microsoft.com/office/powerpoint/2010/main" val="3004196100"/>
+      </p:ext>
+    </p:extLst>
+  </p:cSld>
+  <p:clrMapOvr>
+    <a:masterClrMapping/>
+  </p:clrMapOvr>
+</p:sld>
+</file>
+
+<file path=ppt/slides/slide16.xml><?xml version="1.0" encoding="utf-8"?>
+<p:sld xmlns:a="http://schemas.openxmlformats.org/drawingml/2006/main" xmlns:r="http://schemas.openxmlformats.org/officeDocument/2006/relationships" xmlns:p="http://schemas.openxmlformats.org/presentationml/2006/main">
+  <p:cSld>
+    <p:spTree>
+      <p:nvGrpSpPr>
+        <p:cNvPr id="1" name=""/>
+        <p:cNvGrpSpPr/>
+        <p:nvPr/>
+      </p:nvGrpSpPr>
+      <p:grpSpPr>
+        <a:xfrm>
+          <a:off x="0" y="0"/>
+          <a:ext cx="0" cy="0"/>
+          <a:chOff x="0" y="0"/>
+          <a:chExt cx="0" cy="0"/>
+        </a:xfrm>
+      </p:grpSpPr>
+      <p:sp>
+        <p:nvSpPr>
+          <p:cNvPr id="2" name="Title 1">
+            <a:extLst>
+              <a:ext uri="{FF2B5EF4-FFF2-40B4-BE49-F238E27FC236}">
                 <a16:creationId xmlns:a16="http://schemas.microsoft.com/office/drawing/2014/main" id="{F08B606A-6EBE-34A0-F1C2-6B3112E64BD0}"/>
               </a:ext>
             </a:extLst>
@@ -4500,7 +5049,7 @@
 </p:sld>
 </file>
 
-<file path=ppt/slides/slide14.xml><?xml version="1.0" encoding="utf-8"?>
+<file path=ppt/slides/slide17.xml><?xml version="1.0" encoding="utf-8"?>
 <p:sld xmlns:a="http://schemas.openxmlformats.org/drawingml/2006/main" xmlns:r="http://schemas.openxmlformats.org/officeDocument/2006/relationships" xmlns:p="http://schemas.openxmlformats.org/presentationml/2006/main">
   <p:cSld>
     <p:bg>
@@ -4688,7 +5237,7 @@
           <a:p>
             <a:r>
               <a:rPr lang="en-US" dirty="0"/>
-              <a:t>Each removes that 0 value range of the derivative. </a:t>
+              <a:t>Each removes that 0-value range of the derivative. </a:t>
             </a:r>
           </a:p>
           <a:p>
@@ -4720,13 +5269,8 @@
             </a:r>
             <a:r>
               <a:rPr lang="en-US" dirty="0"/>
-              <a:t> or a variation on it are our defaults, </a:t>
-            </a:r>
-            <a:r>
-              <a:rPr lang="en-US"/>
-              <a:t>and normally good. </a:t>
-            </a:r>
-            <a:endParaRPr lang="en-US" dirty="0"/>
+              <a:t> or a variation on it are our defaults, and normally good. </a:t>
+            </a:r>
           </a:p>
           <a:p>
             <a:r>
@@ -4757,7 +5301,210 @@
 </p:sld>
 </file>
 
-<file path=ppt/slides/slide15.xml><?xml version="1.0" encoding="utf-8"?>
+<file path=ppt/slides/slide18.xml><?xml version="1.0" encoding="utf-8"?>
+<p:sld xmlns:a="http://schemas.openxmlformats.org/drawingml/2006/main" xmlns:r="http://schemas.openxmlformats.org/officeDocument/2006/relationships" xmlns:p="http://schemas.openxmlformats.org/presentationml/2006/main">
+  <p:cSld>
+    <p:bg>
+      <p:bgPr>
+        <a:gradFill rotWithShape="1">
+          <a:gsLst>
+            <a:gs pos="0">
+              <a:schemeClr val="bg2">
+                <a:tint val="94000"/>
+                <a:satMod val="80000"/>
+                <a:lumMod val="106000"/>
+              </a:schemeClr>
+            </a:gs>
+            <a:gs pos="100000">
+              <a:schemeClr val="bg2">
+                <a:shade val="80000"/>
+              </a:schemeClr>
+            </a:gs>
+          </a:gsLst>
+          <a:path path="circle">
+            <a:fillToRect l="43000" r="43000" b="100000"/>
+          </a:path>
+        </a:gradFill>
+        <a:effectLst/>
+      </p:bgPr>
+    </p:bg>
+    <p:spTree>
+      <p:nvGrpSpPr>
+        <p:cNvPr id="1" name=""/>
+        <p:cNvGrpSpPr/>
+        <p:nvPr/>
+      </p:nvGrpSpPr>
+      <p:grpSpPr>
+        <a:xfrm>
+          <a:off x="0" y="0"/>
+          <a:ext cx="0" cy="0"/>
+          <a:chOff x="0" y="0"/>
+          <a:chExt cx="0" cy="0"/>
+        </a:xfrm>
+      </p:grpSpPr>
+      <p:sp>
+        <p:nvSpPr>
+          <p:cNvPr id="2" name="Title 1">
+            <a:extLst>
+              <a:ext uri="{FF2B5EF4-FFF2-40B4-BE49-F238E27FC236}">
+                <a16:creationId xmlns:a16="http://schemas.microsoft.com/office/drawing/2014/main" id="{40507B04-F2DB-98A4-D942-BFC77170B7CC}"/>
+              </a:ext>
+            </a:extLst>
+          </p:cNvPr>
+          <p:cNvSpPr>
+            <a:spLocks noGrp="1"/>
+          </p:cNvSpPr>
+          <p:nvPr>
+            <p:ph type="title"/>
+          </p:nvPr>
+        </p:nvSpPr>
+        <p:spPr>
+          <a:xfrm>
+            <a:off x="1451579" y="804519"/>
+            <a:ext cx="9603275" cy="1049235"/>
+          </a:xfrm>
+        </p:spPr>
+        <p:txBody>
+          <a:bodyPr>
+            <a:normAutofit/>
+          </a:bodyPr>
+          <a:lstStyle/>
+          <a:p>
+            <a:r>
+              <a:rPr lang="en-US" dirty="0"/>
+              <a:t>Batch Normalization</a:t>
+            </a:r>
+          </a:p>
+        </p:txBody>
+      </p:sp>
+      <p:pic>
+        <p:nvPicPr>
+          <p:cNvPr id="2050" name="Picture 2">
+            <a:extLst>
+              <a:ext uri="{FF2B5EF4-FFF2-40B4-BE49-F238E27FC236}">
+                <a16:creationId xmlns:a16="http://schemas.microsoft.com/office/drawing/2014/main" id="{DACB7CF9-B17A-78F0-88AC-6F1FA8C4D4E2}"/>
+              </a:ext>
+            </a:extLst>
+          </p:cNvPr>
+          <p:cNvPicPr>
+            <a:picLocks noChangeAspect="1" noChangeArrowheads="1"/>
+          </p:cNvPicPr>
+          <p:nvPr/>
+        </p:nvPicPr>
+        <p:blipFill rotWithShape="1">
+          <a:blip r:embed="rId2">
+            <a:extLst>
+              <a:ext uri="{28A0092B-C50C-407E-A947-70E740481C1C}">
+                <a14:useLocalDpi xmlns:a14="http://schemas.microsoft.com/office/drawing/2010/main" val="0"/>
+              </a:ext>
+            </a:extLst>
+          </a:blip>
+          <a:srcRect l="15422"/>
+          <a:stretch/>
+        </p:blipFill>
+        <p:spPr bwMode="auto">
+          <a:xfrm>
+            <a:off x="0" y="1853754"/>
+            <a:ext cx="6892299" cy="3789318"/>
+          </a:xfrm>
+          <a:prstGeom prst="rect">
+            <a:avLst/>
+          </a:prstGeom>
+          <a:noFill/>
+          <a:extLst>
+            <a:ext uri="{909E8E84-426E-40DD-AFC4-6F175D3DCCD1}">
+              <a14:hiddenFill xmlns:a14="http://schemas.microsoft.com/office/drawing/2010/main">
+                <a:solidFill>
+                  <a:srgbClr val="FFFFFF"/>
+                </a:solidFill>
+              </a14:hiddenFill>
+            </a:ext>
+          </a:extLst>
+        </p:spPr>
+      </p:pic>
+      <p:sp>
+        <p:nvSpPr>
+          <p:cNvPr id="3" name="Content Placeholder 2">
+            <a:extLst>
+              <a:ext uri="{FF2B5EF4-FFF2-40B4-BE49-F238E27FC236}">
+                <a16:creationId xmlns:a16="http://schemas.microsoft.com/office/drawing/2014/main" id="{04C7B768-B788-7A3C-3953-7744E3C3FF4D}"/>
+              </a:ext>
+            </a:extLst>
+          </p:cNvPr>
+          <p:cNvSpPr>
+            <a:spLocks noGrp="1"/>
+          </p:cNvSpPr>
+          <p:nvPr>
+            <p:ph idx="1"/>
+          </p:nvPr>
+        </p:nvSpPr>
+        <p:spPr>
+          <a:xfrm>
+            <a:off x="6892299" y="1853754"/>
+            <a:ext cx="5299701" cy="4199727"/>
+          </a:xfrm>
+        </p:spPr>
+        <p:txBody>
+          <a:bodyPr>
+            <a:normAutofit/>
+          </a:bodyPr>
+          <a:lstStyle/>
+          <a:p>
+            <a:r>
+              <a:rPr lang="en-US" dirty="0"/>
+              <a:t>Another gradient maintaining technique is batch normalization. </a:t>
+            </a:r>
+          </a:p>
+          <a:p>
+            <a:r>
+              <a:rPr lang="en-US" dirty="0"/>
+              <a:t>Batch normalization will shift the distribution back to “the middle”, where gradients exist. </a:t>
+            </a:r>
+          </a:p>
+          <a:p>
+            <a:pPr lvl="1"/>
+            <a:r>
+              <a:rPr lang="en-US" dirty="0"/>
+              <a:t>“Flat” gradients may vanish – near 0/1 here. </a:t>
+            </a:r>
+          </a:p>
+          <a:p>
+            <a:r>
+              <a:rPr lang="en-US" dirty="0"/>
+              <a:t>Usually applied after dense layer, but can vary. </a:t>
+            </a:r>
+          </a:p>
+          <a:p>
+            <a:r>
+              <a:rPr lang="en-US" dirty="0"/>
+              <a:t>Can often allow higher learning rates to work.</a:t>
+            </a:r>
+          </a:p>
+          <a:p>
+            <a:r>
+              <a:rPr lang="en-US" dirty="0"/>
+              <a:t>It isn’t fully understood yet, weirdly. </a:t>
+            </a:r>
+          </a:p>
+          <a:p>
+            <a:endParaRPr lang="en-US" dirty="0"/>
+          </a:p>
+        </p:txBody>
+      </p:sp>
+    </p:spTree>
+    <p:extLst>
+      <p:ext uri="{BB962C8B-B14F-4D97-AF65-F5344CB8AC3E}">
+        <p14:creationId xmlns:p14="http://schemas.microsoft.com/office/powerpoint/2010/main" val="1687437132"/>
+      </p:ext>
+    </p:extLst>
+  </p:cSld>
+  <p:clrMapOvr>
+    <a:masterClrMapping/>
+  </p:clrMapOvr>
+</p:sld>
+</file>
+
+<file path=ppt/slides/slide19.xml><?xml version="1.0" encoding="utf-8"?>
 <p:sld xmlns:a="http://schemas.openxmlformats.org/drawingml/2006/main" xmlns:r="http://schemas.openxmlformats.org/officeDocument/2006/relationships" xmlns:p="http://schemas.openxmlformats.org/presentationml/2006/main">
   <p:cSld>
     <p:spTree>
@@ -4779,7 +5526,7 @@
           <p:cNvPr id="2" name="Title 1">
             <a:extLst>
               <a:ext uri="{FF2B5EF4-FFF2-40B4-BE49-F238E27FC236}">
-                <a16:creationId xmlns:a16="http://schemas.microsoft.com/office/drawing/2014/main" id="{8AB3D8A8-1279-C44F-AB18-28BCD74E016C}"/>
+                <a16:creationId xmlns:a16="http://schemas.microsoft.com/office/drawing/2014/main" id="{12EB02ED-4B2D-A4D0-9A1B-F5D886A1D4DA}"/>
               </a:ext>
             </a:extLst>
           </p:cNvPr>
@@ -4795,10 +5542,7 @@
           <a:bodyPr/>
           <a:lstStyle/>
           <a:p>
-            <a:r>
-              <a:rPr lang="en-US" dirty="0"/>
-              <a:t>Initialization </a:t>
-            </a:r>
+            <a:endParaRPr lang="en-US"/>
           </a:p>
         </p:txBody>
       </p:sp>
@@ -4807,7 +5551,7 @@
           <p:cNvPr id="3" name="Content Placeholder 2">
             <a:extLst>
               <a:ext uri="{FF2B5EF4-FFF2-40B4-BE49-F238E27FC236}">
-                <a16:creationId xmlns:a16="http://schemas.microsoft.com/office/drawing/2014/main" id="{E6932690-B733-C245-A962-ECCC4BCA3B54}"/>
+                <a16:creationId xmlns:a16="http://schemas.microsoft.com/office/drawing/2014/main" id="{79262A70-7FB5-F2DE-F3DF-7165887D447B}"/>
               </a:ext>
             </a:extLst>
           </p:cNvPr>
@@ -4818,325 +5562,66 @@
             <p:ph idx="1"/>
           </p:nvPr>
         </p:nvSpPr>
-        <p:spPr>
+        <p:spPr/>
+        <p:txBody>
+          <a:bodyPr/>
+          <a:lstStyle/>
+          <a:p>
+            <a:endParaRPr lang="en-US"/>
+          </a:p>
+        </p:txBody>
+      </p:sp>
+      <p:pic>
+        <p:nvPicPr>
+          <p:cNvPr id="4098" name="Picture 2">
+            <a:extLst>
+              <a:ext uri="{FF2B5EF4-FFF2-40B4-BE49-F238E27FC236}">
+                <a16:creationId xmlns:a16="http://schemas.microsoft.com/office/drawing/2014/main" id="{2C2DDD5C-391D-91D2-A435-8110CC33187B}"/>
+              </a:ext>
+            </a:extLst>
+          </p:cNvPr>
+          <p:cNvPicPr>
+            <a:picLocks noChangeAspect="1" noChangeArrowheads="1"/>
+          </p:cNvPicPr>
+          <p:nvPr/>
+        </p:nvPicPr>
+        <p:blipFill>
+          <a:blip r:embed="rId2">
+            <a:extLst>
+              <a:ext uri="{28A0092B-C50C-407E-A947-70E740481C1C}">
+                <a14:useLocalDpi xmlns:a14="http://schemas.microsoft.com/office/drawing/2010/main" val="0"/>
+              </a:ext>
+            </a:extLst>
+          </a:blip>
+          <a:srcRect/>
+          <a:stretch>
+            <a:fillRect/>
+          </a:stretch>
+        </p:blipFill>
+        <p:spPr bwMode="auto">
           <a:xfrm>
-            <a:off x="1451579" y="2015732"/>
-            <a:ext cx="9603275" cy="4037749"/>
+            <a:off x="0" y="1400175"/>
+            <a:ext cx="12192000" cy="4057650"/>
           </a:xfrm>
+          <a:prstGeom prst="rect">
+            <a:avLst/>
+          </a:prstGeom>
+          <a:noFill/>
+          <a:extLst>
+            <a:ext uri="{909E8E84-426E-40DD-AFC4-6F175D3DCCD1}">
+              <a14:hiddenFill xmlns:a14="http://schemas.microsoft.com/office/drawing/2010/main">
+                <a:solidFill>
+                  <a:srgbClr val="FFFFFF"/>
+                </a:solidFill>
+              </a14:hiddenFill>
+            </a:ext>
+          </a:extLst>
         </p:spPr>
-        <p:txBody>
-          <a:bodyPr/>
-          <a:lstStyle/>
-          <a:p>
-            <a:r>
-              <a:rPr lang="en-US" dirty="0"/>
-              <a:t>Initialization controls how the weight and bias values start. </a:t>
-            </a:r>
-          </a:p>
-          <a:p>
-            <a:r>
-              <a:rPr lang="en-US" dirty="0"/>
-              <a:t>Can be controlled via a parameter for each layer:</a:t>
-            </a:r>
-          </a:p>
-          <a:p>
-            <a:pPr lvl="1"/>
-            <a:r>
-              <a:rPr lang="en-US" dirty="0"/>
-              <a:t>Weight initialization is by default is “</a:t>
-            </a:r>
-            <a:r>
-              <a:rPr lang="en-US" dirty="0" err="1"/>
-              <a:t>glorot_uniform</a:t>
-            </a:r>
-            <a:r>
-              <a:rPr lang="en-US" dirty="0"/>
-              <a:t>” – a variety of random. </a:t>
-            </a:r>
-          </a:p>
-          <a:p>
-            <a:pPr lvl="1"/>
-            <a:r>
-              <a:rPr lang="en-US" dirty="0"/>
-              <a:t>Bias initialization defaults to 0. </a:t>
-            </a:r>
-          </a:p>
-          <a:p>
-            <a:pPr lvl="1"/>
-            <a:r>
-              <a:rPr lang="en-US" dirty="0"/>
-              <a:t>We won’t delve into the details of initialization much – lots of math, not practical. </a:t>
-            </a:r>
-          </a:p>
-          <a:p>
-            <a:r>
-              <a:rPr lang="en-US" dirty="0"/>
-              <a:t>Imbalanced data – the data has a “bias” to start with. </a:t>
-            </a:r>
-          </a:p>
-          <a:p>
-            <a:pPr lvl="1"/>
-            <a:r>
-              <a:rPr lang="en-US" dirty="0"/>
-              <a:t>Set bias on output layer to the bias in the data. </a:t>
-            </a:r>
-          </a:p>
-          <a:p>
-            <a:pPr lvl="1"/>
-            <a:r>
-              <a:rPr lang="en-US" dirty="0"/>
-              <a:t>Network doesn’t need to learn the massive shift in bias. </a:t>
-            </a:r>
-          </a:p>
-          <a:p>
-            <a:pPr lvl="1"/>
-            <a:r>
-              <a:rPr lang="en-US" dirty="0"/>
-              <a:t>Faster convergence and more accuracy. </a:t>
-            </a:r>
-          </a:p>
-          <a:p>
-            <a:endParaRPr lang="en-US" dirty="0"/>
-          </a:p>
-        </p:txBody>
-      </p:sp>
+      </p:pic>
     </p:spTree>
     <p:extLst>
       <p:ext uri="{BB962C8B-B14F-4D97-AF65-F5344CB8AC3E}">
-        <p14:creationId xmlns:p14="http://schemas.microsoft.com/office/powerpoint/2010/main" val="2996444863"/>
-      </p:ext>
-    </p:extLst>
-  </p:cSld>
-  <p:clrMapOvr>
-    <a:masterClrMapping/>
-  </p:clrMapOvr>
-</p:sld>
-</file>
-
-<file path=ppt/slides/slide16.xml><?xml version="1.0" encoding="utf-8"?>
-<p:sld xmlns:a="http://schemas.openxmlformats.org/drawingml/2006/main" xmlns:r="http://schemas.openxmlformats.org/officeDocument/2006/relationships" xmlns:p="http://schemas.openxmlformats.org/presentationml/2006/main">
-  <p:cSld>
-    <p:spTree>
-      <p:nvGrpSpPr>
-        <p:cNvPr id="1" name=""/>
-        <p:cNvGrpSpPr/>
-        <p:nvPr/>
-      </p:nvGrpSpPr>
-      <p:grpSpPr>
-        <a:xfrm>
-          <a:off x="0" y="0"/>
-          <a:ext cx="0" cy="0"/>
-          <a:chOff x="0" y="0"/>
-          <a:chExt cx="0" cy="0"/>
-        </a:xfrm>
-      </p:grpSpPr>
-      <p:sp>
-        <p:nvSpPr>
-          <p:cNvPr id="2" name="Title 1">
-            <a:extLst>
-              <a:ext uri="{FF2B5EF4-FFF2-40B4-BE49-F238E27FC236}">
-                <a16:creationId xmlns:a16="http://schemas.microsoft.com/office/drawing/2014/main" id="{CBCB9964-3340-F14A-ACF7-EC8ED9BC8A5E}"/>
-              </a:ext>
-            </a:extLst>
-          </p:cNvPr>
-          <p:cNvSpPr>
-            <a:spLocks noGrp="1"/>
-          </p:cNvSpPr>
-          <p:nvPr>
-            <p:ph type="title"/>
-          </p:nvPr>
-        </p:nvSpPr>
-        <p:spPr/>
-        <p:txBody>
-          <a:bodyPr/>
-          <a:lstStyle/>
-          <a:p>
-            <a:r>
-              <a:rPr lang="en-US" dirty="0"/>
-              <a:t>Pruning</a:t>
-            </a:r>
-          </a:p>
-        </p:txBody>
-      </p:sp>
-      <p:sp>
-        <p:nvSpPr>
-          <p:cNvPr id="3" name="Content Placeholder 2">
-            <a:extLst>
-              <a:ext uri="{FF2B5EF4-FFF2-40B4-BE49-F238E27FC236}">
-                <a16:creationId xmlns:a16="http://schemas.microsoft.com/office/drawing/2014/main" id="{45B0AA7B-21C6-0E42-874B-B074C1D1E3E9}"/>
-              </a:ext>
-            </a:extLst>
-          </p:cNvPr>
-          <p:cNvSpPr>
-            <a:spLocks noGrp="1"/>
-          </p:cNvSpPr>
-          <p:nvPr>
-            <p:ph idx="1"/>
-          </p:nvPr>
-        </p:nvSpPr>
-        <p:spPr>
-          <a:xfrm>
-            <a:off x="1451579" y="2015732"/>
-            <a:ext cx="9603275" cy="4105935"/>
-          </a:xfrm>
-        </p:spPr>
-        <p:txBody>
-          <a:bodyPr>
-            <a:normAutofit lnSpcReduction="10000"/>
-          </a:bodyPr>
-          <a:lstStyle/>
-          <a:p>
-            <a:r>
-              <a:rPr lang="en-US" dirty="0"/>
-              <a:t>Neural networks can get very large!</a:t>
-            </a:r>
-          </a:p>
-          <a:p>
-            <a:r>
-              <a:rPr lang="en-US" dirty="0"/>
-              <a:t>Like a tree, a trained network may contain parts that aren’t super critical in making predictions. </a:t>
-            </a:r>
-          </a:p>
-          <a:p>
-            <a:pPr lvl="1"/>
-            <a:r>
-              <a:rPr lang="en-US" dirty="0"/>
-              <a:t>As an example, think of “dying </a:t>
-            </a:r>
-            <a:r>
-              <a:rPr lang="en-US" dirty="0" err="1"/>
-              <a:t>relu</a:t>
-            </a:r>
-            <a:r>
-              <a:rPr lang="en-US" dirty="0"/>
-              <a:t>” neurons. </a:t>
-            </a:r>
-          </a:p>
-          <a:p>
-            <a:r>
-              <a:rPr lang="en-US" dirty="0"/>
-              <a:t>Pruning can trim a network back by making it more sparse. </a:t>
-            </a:r>
-          </a:p>
-          <a:p>
-            <a:r>
-              <a:rPr lang="en-US" dirty="0"/>
-              <a:t>Can potentially improve generalization – just as tree pruning does. </a:t>
-            </a:r>
-          </a:p>
-          <a:p>
-            <a:r>
-              <a:rPr lang="en-US" dirty="0"/>
-              <a:t>Allows networks to be used for prediction with fewer computations. </a:t>
-            </a:r>
-          </a:p>
-          <a:p>
-            <a:pPr lvl="1"/>
-            <a:r>
-              <a:rPr lang="en-US" dirty="0"/>
-              <a:t>Predictions on a computer: one forward propagation, relatively simple. </a:t>
-            </a:r>
-          </a:p>
-          <a:p>
-            <a:pPr lvl="1"/>
-            <a:r>
-              <a:rPr lang="en-US" dirty="0"/>
-              <a:t>Predictions on a phone/raspberry pi/Roomba/drone, can be challenging. </a:t>
-            </a:r>
-          </a:p>
-          <a:p>
-            <a:pPr lvl="1"/>
-            <a:r>
-              <a:rPr lang="en-US" dirty="0"/>
-              <a:t>Pruned models require less processing and less memory, can be used on more devices. </a:t>
-            </a:r>
-          </a:p>
-        </p:txBody>
-      </p:sp>
-    </p:spTree>
-    <p:extLst>
-      <p:ext uri="{BB962C8B-B14F-4D97-AF65-F5344CB8AC3E}">
-        <p14:creationId xmlns:p14="http://schemas.microsoft.com/office/powerpoint/2010/main" val="1773265296"/>
-      </p:ext>
-    </p:extLst>
-  </p:cSld>
-  <p:clrMapOvr>
-    <a:masterClrMapping/>
-  </p:clrMapOvr>
-</p:sld>
-</file>
-
-<file path=ppt/slides/slide17.xml><?xml version="1.0" encoding="utf-8"?>
-<p:sld xmlns:a="http://schemas.openxmlformats.org/drawingml/2006/main" xmlns:r="http://schemas.openxmlformats.org/officeDocument/2006/relationships" xmlns:p="http://schemas.openxmlformats.org/presentationml/2006/main">
-  <p:cSld>
-    <p:spTree>
-      <p:nvGrpSpPr>
-        <p:cNvPr id="1" name=""/>
-        <p:cNvGrpSpPr/>
-        <p:nvPr/>
-      </p:nvGrpSpPr>
-      <p:grpSpPr>
-        <a:xfrm>
-          <a:off x="0" y="0"/>
-          <a:ext cx="0" cy="0"/>
-          <a:chOff x="0" y="0"/>
-          <a:chExt cx="0" cy="0"/>
-        </a:xfrm>
-      </p:grpSpPr>
-      <p:sp>
-        <p:nvSpPr>
-          <p:cNvPr id="2" name="Title 1">
-            <a:extLst>
-              <a:ext uri="{FF2B5EF4-FFF2-40B4-BE49-F238E27FC236}">
-                <a16:creationId xmlns:a16="http://schemas.microsoft.com/office/drawing/2014/main" id="{00F11902-F058-D543-A654-EBFA8DD915C4}"/>
-              </a:ext>
-            </a:extLst>
-          </p:cNvPr>
-          <p:cNvSpPr>
-            <a:spLocks noGrp="1"/>
-          </p:cNvSpPr>
-          <p:nvPr>
-            <p:ph type="title"/>
-          </p:nvPr>
-        </p:nvSpPr>
-        <p:spPr/>
-        <p:txBody>
-          <a:bodyPr/>
-          <a:lstStyle/>
-          <a:p>
-            <a:endParaRPr lang="en-US" dirty="0"/>
-          </a:p>
-        </p:txBody>
-      </p:sp>
-      <p:sp>
-        <p:nvSpPr>
-          <p:cNvPr id="3" name="Content Placeholder 2">
-            <a:extLst>
-              <a:ext uri="{FF2B5EF4-FFF2-40B4-BE49-F238E27FC236}">
-                <a16:creationId xmlns:a16="http://schemas.microsoft.com/office/drawing/2014/main" id="{48CFE9E9-25F7-5040-BB55-69E72FC98883}"/>
-              </a:ext>
-            </a:extLst>
-          </p:cNvPr>
-          <p:cNvSpPr>
-            <a:spLocks noGrp="1"/>
-          </p:cNvSpPr>
-          <p:nvPr>
-            <p:ph idx="1"/>
-          </p:nvPr>
-        </p:nvSpPr>
-        <p:spPr/>
-        <p:txBody>
-          <a:bodyPr/>
-          <a:lstStyle/>
-          <a:p>
-            <a:endParaRPr lang="en-US"/>
-          </a:p>
-        </p:txBody>
-      </p:sp>
-    </p:spTree>
-    <p:extLst>
-      <p:ext uri="{BB962C8B-B14F-4D97-AF65-F5344CB8AC3E}">
-        <p14:creationId xmlns:p14="http://schemas.microsoft.com/office/powerpoint/2010/main" val="2123746333"/>
+        <p14:creationId xmlns:p14="http://schemas.microsoft.com/office/powerpoint/2010/main" val="3011999725"/>
       </p:ext>
     </p:extLst>
   </p:cSld>
@@ -5168,7 +5653,7 @@
           <p:cNvPr id="2" name="Title 1">
             <a:extLst>
               <a:ext uri="{FF2B5EF4-FFF2-40B4-BE49-F238E27FC236}">
-                <a16:creationId xmlns:a16="http://schemas.microsoft.com/office/drawing/2014/main" id="{2A2E4FFC-2F49-449F-85F4-087043D3C485}"/>
+                <a16:creationId xmlns:a16="http://schemas.microsoft.com/office/drawing/2014/main" id="{C23B2C87-4BE3-F68C-4EE7-7009E745ACA7}"/>
               </a:ext>
             </a:extLst>
           </p:cNvPr>
@@ -5185,10 +5670,9 @@
           <a:lstStyle/>
           <a:p>
             <a:r>
-              <a:rPr lang="en-CA" dirty="0"/>
-              <a:t>Neural Network Configuration</a:t>
-            </a:r>
-            <a:endParaRPr lang="LID4096" dirty="0"/>
+              <a:rPr lang="en-US" dirty="0"/>
+              <a:t>Cluster Assignment</a:t>
+            </a:r>
           </a:p>
         </p:txBody>
       </p:sp>
@@ -5197,7 +5681,7 @@
           <p:cNvPr id="3" name="Content Placeholder 2">
             <a:extLst>
               <a:ext uri="{FF2B5EF4-FFF2-40B4-BE49-F238E27FC236}">
-                <a16:creationId xmlns:a16="http://schemas.microsoft.com/office/drawing/2014/main" id="{68DB43FE-383C-4ADB-B9D1-04FC825061A2}"/>
+                <a16:creationId xmlns:a16="http://schemas.microsoft.com/office/drawing/2014/main" id="{C027D62E-779C-86FC-A8CB-FC13358BCB50}"/>
               </a:ext>
             </a:extLst>
           </p:cNvPr>
@@ -5208,54 +5692,599 @@
             <p:ph idx="1"/>
           </p:nvPr>
         </p:nvSpPr>
-        <p:spPr/>
+        <p:spPr>
+          <a:xfrm>
+            <a:off x="1451579" y="1853754"/>
+            <a:ext cx="9603275" cy="4199727"/>
+          </a:xfrm>
+        </p:spPr>
         <p:txBody>
           <a:bodyPr/>
           <a:lstStyle/>
           <a:p>
             <a:r>
-              <a:rPr lang="en-CA" dirty="0"/>
-              <a:t>We’ve seen that neural networks offer a large amount of flexibility in their configuration.</a:t>
-            </a:r>
-          </a:p>
-          <a:p>
-            <a:r>
-              <a:rPr lang="en-CA" dirty="0"/>
-              <a:t>How do we determine the optimal structure?</a:t>
-            </a:r>
-          </a:p>
-          <a:p>
-            <a:r>
-              <a:rPr lang="en-CA" dirty="0"/>
-              <a:t>Generally, the true answer is to grid search it. </a:t>
-            </a:r>
-          </a:p>
-          <a:p>
-            <a:r>
-              <a:rPr lang="en-CA" dirty="0"/>
-              <a:t>We can use some guidelines to get started in a reasonable and smart way. </a:t>
-            </a:r>
-          </a:p>
-          <a:p>
-            <a:endParaRPr lang="en-CA" dirty="0"/>
-          </a:p>
-          <a:p>
-            <a:r>
-              <a:rPr lang="en-CA" dirty="0"/>
-              <a:t>Excluded: Loss – we’ll look at losses </a:t>
-            </a:r>
-            <a:r>
-              <a:rPr lang="en-CA"/>
-              <a:t>more next week. </a:t>
-            </a:r>
-            <a:endParaRPr lang="LID4096" dirty="0"/>
+              <a:rPr lang="en-US" dirty="0"/>
+              <a:t>Common issues:</a:t>
+            </a:r>
+          </a:p>
+          <a:p>
+            <a:pPr lvl="1"/>
+            <a:r>
+              <a:rPr lang="en-US" dirty="0"/>
+              <a:t>Assorted mix-ups applying labels to clusters. </a:t>
+            </a:r>
+          </a:p>
+          <a:p>
+            <a:pPr lvl="1"/>
+            <a:r>
+              <a:rPr lang="en-US" dirty="0"/>
+              <a:t>Training GMM timing</a:t>
+            </a:r>
+            <a:r>
+              <a:rPr lang="en-US"/>
+              <a:t>/location. </a:t>
+            </a:r>
+            <a:endParaRPr lang="en-US" dirty="0"/>
+          </a:p>
+          <a:p>
+            <a:r>
+              <a:rPr lang="en-US" dirty="0"/>
+              <a:t>Adding labeling:</a:t>
+            </a:r>
+          </a:p>
+          <a:p>
+            <a:pPr lvl="1"/>
+            <a:r>
+              <a:rPr lang="en-US" dirty="0"/>
+              <a:t>This feels weird to lots of people, but it isn’t really all that rare. (LLMs and gen models). </a:t>
+            </a:r>
+          </a:p>
+          <a:p>
+            <a:pPr lvl="1"/>
+            <a:r>
+              <a:rPr lang="en-US" dirty="0"/>
+              <a:t>The clusters are able to be ‘pure’ on their own, but we need to add the label info ourselves. </a:t>
+            </a:r>
+          </a:p>
+          <a:p>
+            <a:pPr lvl="1"/>
+            <a:r>
+              <a:rPr lang="en-US" dirty="0"/>
+              <a:t>This could be supplemented by other models – e.g. manually label enough, then use classifier.</a:t>
+            </a:r>
           </a:p>
         </p:txBody>
       </p:sp>
     </p:spTree>
     <p:extLst>
       <p:ext uri="{BB962C8B-B14F-4D97-AF65-F5344CB8AC3E}">
-        <p14:creationId xmlns:p14="http://schemas.microsoft.com/office/powerpoint/2010/main" val="2495634073"/>
+        <p14:creationId xmlns:p14="http://schemas.microsoft.com/office/powerpoint/2010/main" val="885412947"/>
+      </p:ext>
+    </p:extLst>
+  </p:cSld>
+  <p:clrMapOvr>
+    <a:masterClrMapping/>
+  </p:clrMapOvr>
+</p:sld>
+</file>
+
+<file path=ppt/slides/slide20.xml><?xml version="1.0" encoding="utf-8"?>
+<p:sld xmlns:a="http://schemas.openxmlformats.org/drawingml/2006/main" xmlns:r="http://schemas.openxmlformats.org/officeDocument/2006/relationships" xmlns:p="http://schemas.openxmlformats.org/presentationml/2006/main">
+  <p:cSld>
+    <p:spTree>
+      <p:nvGrpSpPr>
+        <p:cNvPr id="1" name=""/>
+        <p:cNvGrpSpPr/>
+        <p:nvPr/>
+      </p:nvGrpSpPr>
+      <p:grpSpPr>
+        <a:xfrm>
+          <a:off x="0" y="0"/>
+          <a:ext cx="0" cy="0"/>
+          <a:chOff x="0" y="0"/>
+          <a:chExt cx="0" cy="0"/>
+        </a:xfrm>
+      </p:grpSpPr>
+      <p:sp>
+        <p:nvSpPr>
+          <p:cNvPr id="2" name="Title 1">
+            <a:extLst>
+              <a:ext uri="{FF2B5EF4-FFF2-40B4-BE49-F238E27FC236}">
+                <a16:creationId xmlns:a16="http://schemas.microsoft.com/office/drawing/2014/main" id="{8AB3D8A8-1279-C44F-AB18-28BCD74E016C}"/>
+              </a:ext>
+            </a:extLst>
+          </p:cNvPr>
+          <p:cNvSpPr>
+            <a:spLocks noGrp="1"/>
+          </p:cNvSpPr>
+          <p:nvPr>
+            <p:ph type="title"/>
+          </p:nvPr>
+        </p:nvSpPr>
+        <p:spPr/>
+        <p:txBody>
+          <a:bodyPr/>
+          <a:lstStyle/>
+          <a:p>
+            <a:r>
+              <a:rPr lang="en-US" dirty="0"/>
+              <a:t>Initialization </a:t>
+            </a:r>
+          </a:p>
+        </p:txBody>
+      </p:sp>
+      <p:sp>
+        <p:nvSpPr>
+          <p:cNvPr id="3" name="Content Placeholder 2">
+            <a:extLst>
+              <a:ext uri="{FF2B5EF4-FFF2-40B4-BE49-F238E27FC236}">
+                <a16:creationId xmlns:a16="http://schemas.microsoft.com/office/drawing/2014/main" id="{E6932690-B733-C245-A962-ECCC4BCA3B54}"/>
+              </a:ext>
+            </a:extLst>
+          </p:cNvPr>
+          <p:cNvSpPr>
+            <a:spLocks noGrp="1"/>
+          </p:cNvSpPr>
+          <p:nvPr>
+            <p:ph idx="1"/>
+          </p:nvPr>
+        </p:nvSpPr>
+        <p:spPr>
+          <a:xfrm>
+            <a:off x="1451579" y="2015732"/>
+            <a:ext cx="9603275" cy="4037749"/>
+          </a:xfrm>
+        </p:spPr>
+        <p:txBody>
+          <a:bodyPr/>
+          <a:lstStyle/>
+          <a:p>
+            <a:r>
+              <a:rPr lang="en-US" dirty="0"/>
+              <a:t>Initialization controls how the weight and bias values start. </a:t>
+            </a:r>
+          </a:p>
+          <a:p>
+            <a:r>
+              <a:rPr lang="en-US" dirty="0"/>
+              <a:t>Can be controlled via a parameter for each layer:</a:t>
+            </a:r>
+          </a:p>
+          <a:p>
+            <a:pPr lvl="1"/>
+            <a:r>
+              <a:rPr lang="en-US" dirty="0"/>
+              <a:t>Weight initialization is by default is “</a:t>
+            </a:r>
+            <a:r>
+              <a:rPr lang="en-US" dirty="0" err="1"/>
+              <a:t>glorot_uniform</a:t>
+            </a:r>
+            <a:r>
+              <a:rPr lang="en-US" dirty="0"/>
+              <a:t>” – a variety of random. </a:t>
+            </a:r>
+          </a:p>
+          <a:p>
+            <a:pPr lvl="1"/>
+            <a:r>
+              <a:rPr lang="en-US" dirty="0"/>
+              <a:t>Bias initialization defaults to 0. </a:t>
+            </a:r>
+          </a:p>
+          <a:p>
+            <a:pPr lvl="1"/>
+            <a:r>
+              <a:rPr lang="en-US" dirty="0"/>
+              <a:t>We won’t delve into the details of initialization much – lots of math, not practical. </a:t>
+            </a:r>
+          </a:p>
+          <a:p>
+            <a:r>
+              <a:rPr lang="en-US" dirty="0"/>
+              <a:t>Imbalanced data – the data has a “bias” to start with. </a:t>
+            </a:r>
+          </a:p>
+          <a:p>
+            <a:pPr lvl="1"/>
+            <a:r>
+              <a:rPr lang="en-US" dirty="0"/>
+              <a:t>Set bias on output layer to the bias in the data. </a:t>
+            </a:r>
+          </a:p>
+          <a:p>
+            <a:pPr lvl="1"/>
+            <a:r>
+              <a:rPr lang="en-US" dirty="0"/>
+              <a:t>Network doesn’t need to learn the massive shift in bias. </a:t>
+            </a:r>
+          </a:p>
+          <a:p>
+            <a:pPr lvl="1"/>
+            <a:r>
+              <a:rPr lang="en-US" dirty="0"/>
+              <a:t>Faster convergence and more accuracy. </a:t>
+            </a:r>
+          </a:p>
+          <a:p>
+            <a:endParaRPr lang="en-US" dirty="0"/>
+          </a:p>
+        </p:txBody>
+      </p:sp>
+    </p:spTree>
+    <p:extLst>
+      <p:ext uri="{BB962C8B-B14F-4D97-AF65-F5344CB8AC3E}">
+        <p14:creationId xmlns:p14="http://schemas.microsoft.com/office/powerpoint/2010/main" val="2996444863"/>
+      </p:ext>
+    </p:extLst>
+  </p:cSld>
+  <p:clrMapOvr>
+    <a:masterClrMapping/>
+  </p:clrMapOvr>
+</p:sld>
+</file>
+
+<file path=ppt/slides/slide21.xml><?xml version="1.0" encoding="utf-8"?>
+<p:sld xmlns:a="http://schemas.openxmlformats.org/drawingml/2006/main" xmlns:r="http://schemas.openxmlformats.org/officeDocument/2006/relationships" xmlns:p="http://schemas.openxmlformats.org/presentationml/2006/main">
+  <p:cSld>
+    <p:spTree>
+      <p:nvGrpSpPr>
+        <p:cNvPr id="1" name=""/>
+        <p:cNvGrpSpPr/>
+        <p:nvPr/>
+      </p:nvGrpSpPr>
+      <p:grpSpPr>
+        <a:xfrm>
+          <a:off x="0" y="0"/>
+          <a:ext cx="0" cy="0"/>
+          <a:chOff x="0" y="0"/>
+          <a:chExt cx="0" cy="0"/>
+        </a:xfrm>
+      </p:grpSpPr>
+      <p:sp>
+        <p:nvSpPr>
+          <p:cNvPr id="2" name="Title 1">
+            <a:extLst>
+              <a:ext uri="{FF2B5EF4-FFF2-40B4-BE49-F238E27FC236}">
+                <a16:creationId xmlns:a16="http://schemas.microsoft.com/office/drawing/2014/main" id="{EAF056FD-E697-5353-97FE-84FF67ABB289}"/>
+              </a:ext>
+            </a:extLst>
+          </p:cNvPr>
+          <p:cNvSpPr>
+            <a:spLocks noGrp="1"/>
+          </p:cNvSpPr>
+          <p:nvPr>
+            <p:ph type="title"/>
+          </p:nvPr>
+        </p:nvSpPr>
+        <p:spPr/>
+        <p:txBody>
+          <a:bodyPr/>
+          <a:lstStyle/>
+          <a:p>
+            <a:r>
+              <a:rPr lang="en-US" dirty="0"/>
+              <a:t>Other Tuning - Optimization</a:t>
+            </a:r>
+          </a:p>
+        </p:txBody>
+      </p:sp>
+      <p:sp>
+        <p:nvSpPr>
+          <p:cNvPr id="3" name="Content Placeholder 2">
+            <a:extLst>
+              <a:ext uri="{FF2B5EF4-FFF2-40B4-BE49-F238E27FC236}">
+                <a16:creationId xmlns:a16="http://schemas.microsoft.com/office/drawing/2014/main" id="{F044C5EC-E837-8A77-86C7-0C127E9A7BD8}"/>
+              </a:ext>
+            </a:extLst>
+          </p:cNvPr>
+          <p:cNvSpPr>
+            <a:spLocks noGrp="1"/>
+          </p:cNvSpPr>
+          <p:nvPr>
+            <p:ph idx="1"/>
+          </p:nvPr>
+        </p:nvSpPr>
+        <p:spPr>
+          <a:xfrm>
+            <a:off x="1451579" y="1853754"/>
+            <a:ext cx="9603275" cy="4199727"/>
+          </a:xfrm>
+        </p:spPr>
+        <p:txBody>
+          <a:bodyPr/>
+          <a:lstStyle/>
+          <a:p>
+            <a:r>
+              <a:rPr lang="en-US" dirty="0"/>
+              <a:t>There are a huge number of things that can be changed to tune a neural network model. </a:t>
+            </a:r>
+          </a:p>
+          <a:p>
+            <a:r>
+              <a:rPr lang="en-US" dirty="0"/>
+              <a:t>We are focusing mainly on the ‘structure’ type of things. </a:t>
+            </a:r>
+          </a:p>
+          <a:p>
+            <a:pPr lvl="1"/>
+            <a:r>
+              <a:rPr lang="en-US" dirty="0"/>
+              <a:t>Network size, layers, type, hyperparameters, regularizing (and similar) layers like normalization.</a:t>
+            </a:r>
+          </a:p>
+          <a:p>
+            <a:r>
+              <a:rPr lang="en-US" dirty="0"/>
+              <a:t>We are not really focusing on the optimization part - loss/gradient descent specific things. </a:t>
+            </a:r>
+          </a:p>
+          <a:p>
+            <a:pPr lvl="1"/>
+            <a:r>
+              <a:rPr lang="en-US" dirty="0"/>
+              <a:t>Learning rates, momentum, optimizers. </a:t>
+            </a:r>
+          </a:p>
+          <a:p>
+            <a:pPr lvl="1"/>
+            <a:r>
+              <a:rPr lang="en-US" dirty="0"/>
+              <a:t>This matters, but is more theoretical in theory, and scenario dependent in practice. </a:t>
+            </a:r>
+          </a:p>
+          <a:p>
+            <a:pPr lvl="1"/>
+            <a:r>
+              <a:rPr lang="en-US" dirty="0"/>
+              <a:t>Optimization is critical as problems get larger – converging quickly, or at all, can be hard. </a:t>
+            </a:r>
+          </a:p>
+          <a:p>
+            <a:r>
+              <a:rPr lang="en-US" dirty="0"/>
+              <a:t>For our usage, we can try other optimization options, but we’ll mostly ignore it. </a:t>
+            </a:r>
+          </a:p>
+        </p:txBody>
+      </p:sp>
+    </p:spTree>
+    <p:extLst>
+      <p:ext uri="{BB962C8B-B14F-4D97-AF65-F5344CB8AC3E}">
+        <p14:creationId xmlns:p14="http://schemas.microsoft.com/office/powerpoint/2010/main" val="1149088017"/>
+      </p:ext>
+    </p:extLst>
+  </p:cSld>
+  <p:clrMapOvr>
+    <a:masterClrMapping/>
+  </p:clrMapOvr>
+</p:sld>
+</file>
+
+<file path=ppt/slides/slide22.xml><?xml version="1.0" encoding="utf-8"?>
+<p:sld xmlns:a="http://schemas.openxmlformats.org/drawingml/2006/main" xmlns:r="http://schemas.openxmlformats.org/officeDocument/2006/relationships" xmlns:p="http://schemas.openxmlformats.org/presentationml/2006/main">
+  <p:cSld>
+    <p:spTree>
+      <p:nvGrpSpPr>
+        <p:cNvPr id="1" name=""/>
+        <p:cNvGrpSpPr/>
+        <p:nvPr/>
+      </p:nvGrpSpPr>
+      <p:grpSpPr>
+        <a:xfrm>
+          <a:off x="0" y="0"/>
+          <a:ext cx="0" cy="0"/>
+          <a:chOff x="0" y="0"/>
+          <a:chExt cx="0" cy="0"/>
+        </a:xfrm>
+      </p:grpSpPr>
+      <p:sp>
+        <p:nvSpPr>
+          <p:cNvPr id="2" name="Title 1">
+            <a:extLst>
+              <a:ext uri="{FF2B5EF4-FFF2-40B4-BE49-F238E27FC236}">
+                <a16:creationId xmlns:a16="http://schemas.microsoft.com/office/drawing/2014/main" id="{CBCB9964-3340-F14A-ACF7-EC8ED9BC8A5E}"/>
+              </a:ext>
+            </a:extLst>
+          </p:cNvPr>
+          <p:cNvSpPr>
+            <a:spLocks noGrp="1"/>
+          </p:cNvSpPr>
+          <p:nvPr>
+            <p:ph type="title"/>
+          </p:nvPr>
+        </p:nvSpPr>
+        <p:spPr/>
+        <p:txBody>
+          <a:bodyPr/>
+          <a:lstStyle/>
+          <a:p>
+            <a:r>
+              <a:rPr lang="en-US" dirty="0"/>
+              <a:t>Pruning</a:t>
+            </a:r>
+          </a:p>
+        </p:txBody>
+      </p:sp>
+      <p:sp>
+        <p:nvSpPr>
+          <p:cNvPr id="3" name="Content Placeholder 2">
+            <a:extLst>
+              <a:ext uri="{FF2B5EF4-FFF2-40B4-BE49-F238E27FC236}">
+                <a16:creationId xmlns:a16="http://schemas.microsoft.com/office/drawing/2014/main" id="{45B0AA7B-21C6-0E42-874B-B074C1D1E3E9}"/>
+              </a:ext>
+            </a:extLst>
+          </p:cNvPr>
+          <p:cNvSpPr>
+            <a:spLocks noGrp="1"/>
+          </p:cNvSpPr>
+          <p:nvPr>
+            <p:ph idx="1"/>
+          </p:nvPr>
+        </p:nvSpPr>
+        <p:spPr>
+          <a:xfrm>
+            <a:off x="1451579" y="2015732"/>
+            <a:ext cx="9603275" cy="4105935"/>
+          </a:xfrm>
+        </p:spPr>
+        <p:txBody>
+          <a:bodyPr>
+            <a:normAutofit lnSpcReduction="10000"/>
+          </a:bodyPr>
+          <a:lstStyle/>
+          <a:p>
+            <a:r>
+              <a:rPr lang="en-US" dirty="0"/>
+              <a:t>Neural networks can get very large!</a:t>
+            </a:r>
+          </a:p>
+          <a:p>
+            <a:r>
+              <a:rPr lang="en-US" dirty="0"/>
+              <a:t>Like a tree, a trained network may contain parts that aren’t super critical in making predictions. </a:t>
+            </a:r>
+          </a:p>
+          <a:p>
+            <a:pPr lvl="1"/>
+            <a:r>
+              <a:rPr lang="en-US" dirty="0"/>
+              <a:t>As an example, think of “dying </a:t>
+            </a:r>
+            <a:r>
+              <a:rPr lang="en-US" dirty="0" err="1"/>
+              <a:t>relu</a:t>
+            </a:r>
+            <a:r>
+              <a:rPr lang="en-US" dirty="0"/>
+              <a:t>” neurons. </a:t>
+            </a:r>
+          </a:p>
+          <a:p>
+            <a:r>
+              <a:rPr lang="en-US" dirty="0"/>
+              <a:t>Pruning can trim a network back by making it more sparse. </a:t>
+            </a:r>
+          </a:p>
+          <a:p>
+            <a:r>
+              <a:rPr lang="en-US" dirty="0"/>
+              <a:t>Can potentially improve generalization – just as tree pruning does. </a:t>
+            </a:r>
+          </a:p>
+          <a:p>
+            <a:r>
+              <a:rPr lang="en-US" dirty="0"/>
+              <a:t>Allows networks to be used for prediction with fewer computations. </a:t>
+            </a:r>
+          </a:p>
+          <a:p>
+            <a:pPr lvl="1"/>
+            <a:r>
+              <a:rPr lang="en-US" dirty="0"/>
+              <a:t>Predictions on a computer: one forward propagation, relatively simple. </a:t>
+            </a:r>
+          </a:p>
+          <a:p>
+            <a:pPr lvl="1"/>
+            <a:r>
+              <a:rPr lang="en-US" dirty="0"/>
+              <a:t>Predictions on a phone/raspberry pi/Roomba/drone, can be challenging. </a:t>
+            </a:r>
+          </a:p>
+          <a:p>
+            <a:pPr lvl="1"/>
+            <a:r>
+              <a:rPr lang="en-US" dirty="0"/>
+              <a:t>Pruned models require less processing and less memory, can be used on more devices. </a:t>
+            </a:r>
+          </a:p>
+        </p:txBody>
+      </p:sp>
+    </p:spTree>
+    <p:extLst>
+      <p:ext uri="{BB962C8B-B14F-4D97-AF65-F5344CB8AC3E}">
+        <p14:creationId xmlns:p14="http://schemas.microsoft.com/office/powerpoint/2010/main" val="1773265296"/>
+      </p:ext>
+    </p:extLst>
+  </p:cSld>
+  <p:clrMapOvr>
+    <a:masterClrMapping/>
+  </p:clrMapOvr>
+</p:sld>
+</file>
+
+<file path=ppt/slides/slide23.xml><?xml version="1.0" encoding="utf-8"?>
+<p:sld xmlns:a="http://schemas.openxmlformats.org/drawingml/2006/main" xmlns:r="http://schemas.openxmlformats.org/officeDocument/2006/relationships" xmlns:p="http://schemas.openxmlformats.org/presentationml/2006/main">
+  <p:cSld>
+    <p:spTree>
+      <p:nvGrpSpPr>
+        <p:cNvPr id="1" name=""/>
+        <p:cNvGrpSpPr/>
+        <p:nvPr/>
+      </p:nvGrpSpPr>
+      <p:grpSpPr>
+        <a:xfrm>
+          <a:off x="0" y="0"/>
+          <a:ext cx="0" cy="0"/>
+          <a:chOff x="0" y="0"/>
+          <a:chExt cx="0" cy="0"/>
+        </a:xfrm>
+      </p:grpSpPr>
+      <p:sp>
+        <p:nvSpPr>
+          <p:cNvPr id="2" name="Title 1">
+            <a:extLst>
+              <a:ext uri="{FF2B5EF4-FFF2-40B4-BE49-F238E27FC236}">
+                <a16:creationId xmlns:a16="http://schemas.microsoft.com/office/drawing/2014/main" id="{00F11902-F058-D543-A654-EBFA8DD915C4}"/>
+              </a:ext>
+            </a:extLst>
+          </p:cNvPr>
+          <p:cNvSpPr>
+            <a:spLocks noGrp="1"/>
+          </p:cNvSpPr>
+          <p:nvPr>
+            <p:ph type="title"/>
+          </p:nvPr>
+        </p:nvSpPr>
+        <p:spPr/>
+        <p:txBody>
+          <a:bodyPr/>
+          <a:lstStyle/>
+          <a:p>
+            <a:endParaRPr lang="en-US" dirty="0"/>
+          </a:p>
+        </p:txBody>
+      </p:sp>
+      <p:sp>
+        <p:nvSpPr>
+          <p:cNvPr id="3" name="Content Placeholder 2">
+            <a:extLst>
+              <a:ext uri="{FF2B5EF4-FFF2-40B4-BE49-F238E27FC236}">
+                <a16:creationId xmlns:a16="http://schemas.microsoft.com/office/drawing/2014/main" id="{48CFE9E9-25F7-5040-BB55-69E72FC98883}"/>
+              </a:ext>
+            </a:extLst>
+          </p:cNvPr>
+          <p:cNvSpPr>
+            <a:spLocks noGrp="1"/>
+          </p:cNvSpPr>
+          <p:nvPr>
+            <p:ph idx="1"/>
+          </p:nvPr>
+        </p:nvSpPr>
+        <p:spPr/>
+        <p:txBody>
+          <a:bodyPr/>
+          <a:lstStyle/>
+          <a:p>
+            <a:endParaRPr lang="en-US"/>
+          </a:p>
+        </p:txBody>
+      </p:sp>
+    </p:spTree>
+    <p:extLst>
+      <p:ext uri="{BB962C8B-B14F-4D97-AF65-F5344CB8AC3E}">
+        <p14:creationId xmlns:p14="http://schemas.microsoft.com/office/powerpoint/2010/main" val="2123746333"/>
       </p:ext>
     </p:extLst>
   </p:cSld>
@@ -5287,7 +6316,7 @@
           <p:cNvPr id="2" name="Title 1">
             <a:extLst>
               <a:ext uri="{FF2B5EF4-FFF2-40B4-BE49-F238E27FC236}">
-                <a16:creationId xmlns:a16="http://schemas.microsoft.com/office/drawing/2014/main" id="{E42CF152-59D1-43C2-9435-C78A5207614E}"/>
+                <a16:creationId xmlns:a16="http://schemas.microsoft.com/office/drawing/2014/main" id="{E68B6258-E5B7-46B2-B0C0-74D17CB32669}"/>
               </a:ext>
             </a:extLst>
           </p:cNvPr>
@@ -5295,17 +6324,31 @@
             <a:spLocks noGrp="1"/>
           </p:cNvSpPr>
           <p:nvPr>
-            <p:ph type="title"/>
+            <p:ph type="ctrTitle"/>
           </p:nvPr>
         </p:nvSpPr>
         <p:spPr/>
         <p:txBody>
-          <a:bodyPr/>
-          <a:lstStyle/>
-          <a:p>
+          <a:bodyPr>
+            <a:normAutofit fontScale="90000"/>
+          </a:bodyPr>
+          <a:lstStyle/>
+          <a:p>
+            <a:r>
+              <a:rPr lang="en-CA" dirty="0" err="1"/>
+              <a:t>Tensorflow</a:t>
+            </a:r>
             <a:r>
               <a:rPr lang="en-CA" dirty="0"/>
-              <a:t>Network Size</a:t>
+              <a:t> and </a:t>
+            </a:r>
+            <a:r>
+              <a:rPr lang="en-CA" dirty="0" err="1"/>
+              <a:t>Keras</a:t>
+            </a:r>
+            <a:r>
+              <a:rPr lang="en-CA" dirty="0"/>
+              <a:t> Optimizations</a:t>
             </a:r>
             <a:endParaRPr lang="LID4096" dirty="0"/>
           </a:p>
@@ -5313,10 +6356,10 @@
       </p:sp>
       <p:sp>
         <p:nvSpPr>
-          <p:cNvPr id="3" name="Content Placeholder 2">
+          <p:cNvPr id="3" name="Subtitle 2">
             <a:extLst>
               <a:ext uri="{FF2B5EF4-FFF2-40B4-BE49-F238E27FC236}">
-                <a16:creationId xmlns:a16="http://schemas.microsoft.com/office/drawing/2014/main" id="{22A90C32-B7B4-4D00-AA34-E379414D8F75}"/>
+                <a16:creationId xmlns:a16="http://schemas.microsoft.com/office/drawing/2014/main" id="{ABA17104-0772-4130-BC10-20A91C36DBC3}"/>
               </a:ext>
             </a:extLst>
           </p:cNvPr>
@@ -5324,7 +6367,7 @@
             <a:spLocks noGrp="1"/>
           </p:cNvSpPr>
           <p:nvPr>
-            <p:ph idx="1"/>
+            <p:ph type="subTitle" idx="1"/>
           </p:nvPr>
         </p:nvSpPr>
         <p:spPr/>
@@ -5332,50 +6375,14 @@
           <a:bodyPr/>
           <a:lstStyle/>
           <a:p>
-            <a:r>
-              <a:rPr lang="en-CA" dirty="0"/>
-              <a:t>The first thing to look at is the network size, or capacity.</a:t>
-            </a:r>
-          </a:p>
-          <a:p>
-            <a:r>
-              <a:rPr lang="en-CA" dirty="0"/>
-              <a:t>The more neurons a network had, the higher the capacity. </a:t>
-            </a:r>
-          </a:p>
-          <a:p>
-            <a:r>
-              <a:rPr lang="en-CA" dirty="0"/>
-              <a:t>In general, larger networks need larger amounts of data, to find more complex relationships.  </a:t>
-            </a:r>
-          </a:p>
-          <a:p>
-            <a:r>
-              <a:rPr lang="en-CA" dirty="0"/>
-              <a:t>We can examine the two metrics of size:</a:t>
-            </a:r>
-          </a:p>
-          <a:p>
-            <a:pPr lvl="1"/>
-            <a:r>
-              <a:rPr lang="en-CA" dirty="0"/>
-              <a:t>Neurons per layer (width)</a:t>
-            </a:r>
-          </a:p>
-          <a:p>
-            <a:pPr lvl="1"/>
-            <a:r>
-              <a:rPr lang="en-CA" dirty="0"/>
-              <a:t>Number of layers (depth)</a:t>
-            </a:r>
-            <a:endParaRPr lang="LID4096" dirty="0"/>
+            <a:endParaRPr lang="LID4096"/>
           </a:p>
         </p:txBody>
       </p:sp>
     </p:spTree>
     <p:extLst>
       <p:ext uri="{BB962C8B-B14F-4D97-AF65-F5344CB8AC3E}">
-        <p14:creationId xmlns:p14="http://schemas.microsoft.com/office/powerpoint/2010/main" val="2949275183"/>
+        <p14:creationId xmlns:p14="http://schemas.microsoft.com/office/powerpoint/2010/main" val="213059865"/>
       </p:ext>
     </p:extLst>
   </p:cSld>
@@ -5407,7 +6414,7 @@
           <p:cNvPr id="2" name="Title 1">
             <a:extLst>
               <a:ext uri="{FF2B5EF4-FFF2-40B4-BE49-F238E27FC236}">
-                <a16:creationId xmlns:a16="http://schemas.microsoft.com/office/drawing/2014/main" id="{B89B01E8-D08A-4763-AF4C-320DC895D201}"/>
+                <a16:creationId xmlns:a16="http://schemas.microsoft.com/office/drawing/2014/main" id="{2A2E4FFC-2F49-449F-85F4-087043D3C485}"/>
               </a:ext>
             </a:extLst>
           </p:cNvPr>
@@ -5425,7 +6432,7 @@
           <a:p>
             <a:r>
               <a:rPr lang="en-CA" dirty="0"/>
-              <a:t>Width vs Depth</a:t>
+              <a:t>Neural Network Configuration</a:t>
             </a:r>
             <a:endParaRPr lang="LID4096" dirty="0"/>
           </a:p>
@@ -5436,7 +6443,7 @@
           <p:cNvPr id="3" name="Content Placeholder 2">
             <a:extLst>
               <a:ext uri="{FF2B5EF4-FFF2-40B4-BE49-F238E27FC236}">
-                <a16:creationId xmlns:a16="http://schemas.microsoft.com/office/drawing/2014/main" id="{9BCF86B8-C25D-452D-84CF-B6190DEDA681}"/>
+                <a16:creationId xmlns:a16="http://schemas.microsoft.com/office/drawing/2014/main" id="{68DB43FE-383C-4ADB-B9D1-04FC825061A2}"/>
               </a:ext>
             </a:extLst>
           </p:cNvPr>
@@ -5447,75 +6454,45 @@
             <p:ph idx="1"/>
           </p:nvPr>
         </p:nvSpPr>
-        <p:spPr>
-          <a:xfrm>
-            <a:off x="1451579" y="2015732"/>
-            <a:ext cx="9603275" cy="4126651"/>
-          </a:xfrm>
-        </p:spPr>
-        <p:txBody>
-          <a:bodyPr>
-            <a:normAutofit/>
-          </a:bodyPr>
+        <p:spPr/>
+        <p:txBody>
+          <a:bodyPr/>
           <a:lstStyle/>
           <a:p>
             <a:r>
               <a:rPr lang="en-CA" dirty="0"/>
-              <a:t>When we make a neural network, should we favor width or depth?</a:t>
+              <a:t>We’ve seen that neural networks offer a large amount of flexibility in their configuration.</a:t>
             </a:r>
           </a:p>
           <a:p>
             <a:r>
               <a:rPr lang="en-CA" dirty="0"/>
-              <a:t>In theory one hidden layer can approximate any function. </a:t>
-            </a:r>
-          </a:p>
-          <a:p>
-            <a:pPr lvl="1"/>
+              <a:t>How do we determine the optimal structure?</a:t>
+            </a:r>
+          </a:p>
+          <a:p>
             <a:r>
               <a:rPr lang="en-CA" dirty="0"/>
-              <a:t>Universal approximation theorem – one layer can in principle learn anything. </a:t>
+              <a:t>Generally, the true answer is to grid search it. </a:t>
             </a:r>
           </a:p>
           <a:p>
             <a:r>
               <a:rPr lang="en-CA" dirty="0"/>
-              <a:t>In general, depth is preferred. Why?</a:t>
-            </a:r>
-          </a:p>
-          <a:p>
-            <a:pPr lvl="1"/>
+              <a:t>We can use some guidelines to get started in a reasonable and smart way. </a:t>
+            </a:r>
+          </a:p>
+          <a:p>
+            <a:endParaRPr lang="en-CA" dirty="0"/>
+          </a:p>
+          <a:p>
             <a:r>
               <a:rPr lang="en-CA" dirty="0"/>
-              <a:t>Wider networks are more prone to overfitting. </a:t>
-            </a:r>
-          </a:p>
-          <a:p>
-            <a:pPr lvl="1"/>
-            <a:r>
-              <a:rPr lang="en-CA" dirty="0"/>
-              <a:t>Deep networks can find representations of data with each transformation (see in CNNs next)</a:t>
-            </a:r>
-          </a:p>
-          <a:p>
-            <a:pPr lvl="1"/>
-            <a:r>
-              <a:rPr lang="en-CA" dirty="0"/>
-              <a:t>We can apply regularization on or between layers to counter overfitting. </a:t>
-            </a:r>
-          </a:p>
-          <a:p>
-            <a:pPr lvl="1"/>
-            <a:r>
-              <a:rPr lang="en-CA" dirty="0"/>
-              <a:t>Deeper networks can provide a kind of feature selection as less significant features are minimized. </a:t>
-            </a:r>
-          </a:p>
-          <a:p>
-            <a:pPr lvl="1"/>
-            <a:r>
-              <a:rPr lang="en-CA" dirty="0"/>
-              <a:t>Deep networks have shown greater performance recently. </a:t>
+              <a:t>Excluded: Loss – we’ll look at losses </a:t>
+            </a:r>
+            <a:r>
+              <a:rPr lang="en-CA"/>
+              <a:t>more next week. </a:t>
             </a:r>
             <a:endParaRPr lang="LID4096" dirty="0"/>
           </a:p>
@@ -5524,7 +6501,7 @@
     </p:spTree>
     <p:extLst>
       <p:ext uri="{BB962C8B-B14F-4D97-AF65-F5344CB8AC3E}">
-        <p14:creationId xmlns:p14="http://schemas.microsoft.com/office/powerpoint/2010/main" val="1095230113"/>
+        <p14:creationId xmlns:p14="http://schemas.microsoft.com/office/powerpoint/2010/main" val="2495634073"/>
       </p:ext>
     </p:extLst>
   </p:cSld>
@@ -5556,6 +6533,275 @@
           <p:cNvPr id="2" name="Title 1">
             <a:extLst>
               <a:ext uri="{FF2B5EF4-FFF2-40B4-BE49-F238E27FC236}">
+                <a16:creationId xmlns:a16="http://schemas.microsoft.com/office/drawing/2014/main" id="{E42CF152-59D1-43C2-9435-C78A5207614E}"/>
+              </a:ext>
+            </a:extLst>
+          </p:cNvPr>
+          <p:cNvSpPr>
+            <a:spLocks noGrp="1"/>
+          </p:cNvSpPr>
+          <p:nvPr>
+            <p:ph type="title"/>
+          </p:nvPr>
+        </p:nvSpPr>
+        <p:spPr/>
+        <p:txBody>
+          <a:bodyPr/>
+          <a:lstStyle/>
+          <a:p>
+            <a:r>
+              <a:rPr lang="en-CA" dirty="0"/>
+              <a:t>Network Size</a:t>
+            </a:r>
+            <a:endParaRPr lang="LID4096" dirty="0"/>
+          </a:p>
+        </p:txBody>
+      </p:sp>
+      <p:sp>
+        <p:nvSpPr>
+          <p:cNvPr id="3" name="Content Placeholder 2">
+            <a:extLst>
+              <a:ext uri="{FF2B5EF4-FFF2-40B4-BE49-F238E27FC236}">
+                <a16:creationId xmlns:a16="http://schemas.microsoft.com/office/drawing/2014/main" id="{22A90C32-B7B4-4D00-AA34-E379414D8F75}"/>
+              </a:ext>
+            </a:extLst>
+          </p:cNvPr>
+          <p:cNvSpPr>
+            <a:spLocks noGrp="1"/>
+          </p:cNvSpPr>
+          <p:nvPr>
+            <p:ph idx="1"/>
+          </p:nvPr>
+        </p:nvSpPr>
+        <p:spPr/>
+        <p:txBody>
+          <a:bodyPr/>
+          <a:lstStyle/>
+          <a:p>
+            <a:r>
+              <a:rPr lang="en-CA" dirty="0"/>
+              <a:t>The first thing to look at is the network size, or capacity.</a:t>
+            </a:r>
+          </a:p>
+          <a:p>
+            <a:r>
+              <a:rPr lang="en-CA" dirty="0"/>
+              <a:t>The more neurons a network had, the higher the capacity. </a:t>
+            </a:r>
+          </a:p>
+          <a:p>
+            <a:r>
+              <a:rPr lang="en-CA" dirty="0"/>
+              <a:t>In general, larger networks need larger amounts of data, to find more complex relationships.  </a:t>
+            </a:r>
+          </a:p>
+          <a:p>
+            <a:r>
+              <a:rPr lang="en-CA" dirty="0"/>
+              <a:t>We can examine the two metrics of size:</a:t>
+            </a:r>
+          </a:p>
+          <a:p>
+            <a:pPr lvl="1"/>
+            <a:r>
+              <a:rPr lang="en-CA" dirty="0"/>
+              <a:t>Neurons per layer (width)</a:t>
+            </a:r>
+          </a:p>
+          <a:p>
+            <a:pPr lvl="1"/>
+            <a:r>
+              <a:rPr lang="en-CA" dirty="0"/>
+              <a:t>Number of layers (depth)</a:t>
+            </a:r>
+            <a:endParaRPr lang="LID4096" dirty="0"/>
+          </a:p>
+        </p:txBody>
+      </p:sp>
+    </p:spTree>
+    <p:extLst>
+      <p:ext uri="{BB962C8B-B14F-4D97-AF65-F5344CB8AC3E}">
+        <p14:creationId xmlns:p14="http://schemas.microsoft.com/office/powerpoint/2010/main" val="2949275183"/>
+      </p:ext>
+    </p:extLst>
+  </p:cSld>
+  <p:clrMapOvr>
+    <a:masterClrMapping/>
+  </p:clrMapOvr>
+</p:sld>
+</file>
+
+<file path=ppt/slides/slide6.xml><?xml version="1.0" encoding="utf-8"?>
+<p:sld xmlns:a="http://schemas.openxmlformats.org/drawingml/2006/main" xmlns:r="http://schemas.openxmlformats.org/officeDocument/2006/relationships" xmlns:p="http://schemas.openxmlformats.org/presentationml/2006/main">
+  <p:cSld>
+    <p:spTree>
+      <p:nvGrpSpPr>
+        <p:cNvPr id="1" name=""/>
+        <p:cNvGrpSpPr/>
+        <p:nvPr/>
+      </p:nvGrpSpPr>
+      <p:grpSpPr>
+        <a:xfrm>
+          <a:off x="0" y="0"/>
+          <a:ext cx="0" cy="0"/>
+          <a:chOff x="0" y="0"/>
+          <a:chExt cx="0" cy="0"/>
+        </a:xfrm>
+      </p:grpSpPr>
+      <p:sp>
+        <p:nvSpPr>
+          <p:cNvPr id="2" name="Title 1">
+            <a:extLst>
+              <a:ext uri="{FF2B5EF4-FFF2-40B4-BE49-F238E27FC236}">
+                <a16:creationId xmlns:a16="http://schemas.microsoft.com/office/drawing/2014/main" id="{B89B01E8-D08A-4763-AF4C-320DC895D201}"/>
+              </a:ext>
+            </a:extLst>
+          </p:cNvPr>
+          <p:cNvSpPr>
+            <a:spLocks noGrp="1"/>
+          </p:cNvSpPr>
+          <p:nvPr>
+            <p:ph type="title"/>
+          </p:nvPr>
+        </p:nvSpPr>
+        <p:spPr/>
+        <p:txBody>
+          <a:bodyPr/>
+          <a:lstStyle/>
+          <a:p>
+            <a:r>
+              <a:rPr lang="en-CA" dirty="0"/>
+              <a:t>Width vs Depth</a:t>
+            </a:r>
+            <a:endParaRPr lang="LID4096" dirty="0"/>
+          </a:p>
+        </p:txBody>
+      </p:sp>
+      <p:sp>
+        <p:nvSpPr>
+          <p:cNvPr id="3" name="Content Placeholder 2">
+            <a:extLst>
+              <a:ext uri="{FF2B5EF4-FFF2-40B4-BE49-F238E27FC236}">
+                <a16:creationId xmlns:a16="http://schemas.microsoft.com/office/drawing/2014/main" id="{9BCF86B8-C25D-452D-84CF-B6190DEDA681}"/>
+              </a:ext>
+            </a:extLst>
+          </p:cNvPr>
+          <p:cNvSpPr>
+            <a:spLocks noGrp="1"/>
+          </p:cNvSpPr>
+          <p:nvPr>
+            <p:ph idx="1"/>
+          </p:nvPr>
+        </p:nvSpPr>
+        <p:spPr>
+          <a:xfrm>
+            <a:off x="1451579" y="2015732"/>
+            <a:ext cx="9603275" cy="4126651"/>
+          </a:xfrm>
+        </p:spPr>
+        <p:txBody>
+          <a:bodyPr>
+            <a:normAutofit/>
+          </a:bodyPr>
+          <a:lstStyle/>
+          <a:p>
+            <a:r>
+              <a:rPr lang="en-CA" dirty="0"/>
+              <a:t>When we make a neural network, should we favor width or depth?</a:t>
+            </a:r>
+          </a:p>
+          <a:p>
+            <a:r>
+              <a:rPr lang="en-CA" dirty="0"/>
+              <a:t>In theory one hidden layer can approximate any function. </a:t>
+            </a:r>
+          </a:p>
+          <a:p>
+            <a:pPr lvl="1"/>
+            <a:r>
+              <a:rPr lang="en-CA" dirty="0"/>
+              <a:t>Universal approximation theorem – one layer can in principle learn anything. </a:t>
+            </a:r>
+          </a:p>
+          <a:p>
+            <a:r>
+              <a:rPr lang="en-CA" dirty="0"/>
+              <a:t>In general, depth is preferred. Why?</a:t>
+            </a:r>
+          </a:p>
+          <a:p>
+            <a:pPr lvl="1"/>
+            <a:r>
+              <a:rPr lang="en-CA" dirty="0"/>
+              <a:t>Wider networks are more prone to overfitting. </a:t>
+            </a:r>
+          </a:p>
+          <a:p>
+            <a:pPr lvl="1"/>
+            <a:r>
+              <a:rPr lang="en-CA" dirty="0"/>
+              <a:t>Deep networks can find representations of data with each transformation (see in CNNs next)</a:t>
+            </a:r>
+          </a:p>
+          <a:p>
+            <a:pPr lvl="1"/>
+            <a:r>
+              <a:rPr lang="en-CA" dirty="0"/>
+              <a:t>We can apply regularization on or between layers to counter overfitting. </a:t>
+            </a:r>
+          </a:p>
+          <a:p>
+            <a:pPr lvl="1"/>
+            <a:r>
+              <a:rPr lang="en-CA" dirty="0"/>
+              <a:t>Deeper networks can provide a kind of feature selection as less significant features are minimized. </a:t>
+            </a:r>
+          </a:p>
+          <a:p>
+            <a:pPr lvl="1"/>
+            <a:r>
+              <a:rPr lang="en-CA" dirty="0"/>
+              <a:t>Deep networks have shown greater performance recently. </a:t>
+            </a:r>
+            <a:endParaRPr lang="LID4096" dirty="0"/>
+          </a:p>
+        </p:txBody>
+      </p:sp>
+    </p:spTree>
+    <p:extLst>
+      <p:ext uri="{BB962C8B-B14F-4D97-AF65-F5344CB8AC3E}">
+        <p14:creationId xmlns:p14="http://schemas.microsoft.com/office/powerpoint/2010/main" val="1095230113"/>
+      </p:ext>
+    </p:extLst>
+  </p:cSld>
+  <p:clrMapOvr>
+    <a:masterClrMapping/>
+  </p:clrMapOvr>
+</p:sld>
+</file>
+
+<file path=ppt/slides/slide7.xml><?xml version="1.0" encoding="utf-8"?>
+<p:sld xmlns:a="http://schemas.openxmlformats.org/drawingml/2006/main" xmlns:r="http://schemas.openxmlformats.org/officeDocument/2006/relationships" xmlns:p="http://schemas.openxmlformats.org/presentationml/2006/main">
+  <p:cSld>
+    <p:spTree>
+      <p:nvGrpSpPr>
+        <p:cNvPr id="1" name=""/>
+        <p:cNvGrpSpPr/>
+        <p:nvPr/>
+      </p:nvGrpSpPr>
+      <p:grpSpPr>
+        <a:xfrm>
+          <a:off x="0" y="0"/>
+          <a:ext cx="0" cy="0"/>
+          <a:chOff x="0" y="0"/>
+          <a:chExt cx="0" cy="0"/>
+        </a:xfrm>
+      </p:grpSpPr>
+      <p:sp>
+        <p:nvSpPr>
+          <p:cNvPr id="2" name="Title 1">
+            <a:extLst>
+              <a:ext uri="{FF2B5EF4-FFF2-40B4-BE49-F238E27FC236}">
                 <a16:creationId xmlns:a16="http://schemas.microsoft.com/office/drawing/2014/main" id="{96401725-9E0C-C94C-A904-0AD2C6AAE9D9}"/>
               </a:ext>
             </a:extLst>
@@ -5691,7 +6937,7 @@
 </p:sld>
 </file>
 
-<file path=ppt/slides/slide6.xml><?xml version="1.0" encoding="utf-8"?>
+<file path=ppt/slides/slide8.xml><?xml version="1.0" encoding="utf-8"?>
 <p:sld xmlns:a="http://schemas.openxmlformats.org/drawingml/2006/main" xmlns:r="http://schemas.openxmlformats.org/officeDocument/2006/relationships" xmlns:p="http://schemas.openxmlformats.org/presentationml/2006/main">
   <p:cSld>
     <p:spTree>
@@ -5818,7 +7064,7 @@
 </p:sld>
 </file>
 
-<file path=ppt/slides/slide7.xml><?xml version="1.0" encoding="utf-8"?>
+<file path=ppt/slides/slide9.xml><?xml version="1.0" encoding="utf-8"?>
 <p:sld xmlns:a="http://schemas.openxmlformats.org/drawingml/2006/main" xmlns:r="http://schemas.openxmlformats.org/officeDocument/2006/relationships" xmlns:p="http://schemas.openxmlformats.org/presentationml/2006/main">
   <p:cSld>
     <p:bg>
@@ -6014,324 +7260,6 @@
     <p:extLst>
       <p:ext uri="{BB962C8B-B14F-4D97-AF65-F5344CB8AC3E}">
         <p14:creationId xmlns:p14="http://schemas.microsoft.com/office/powerpoint/2010/main" val="3875184223"/>
-      </p:ext>
-    </p:extLst>
-  </p:cSld>
-  <p:clrMapOvr>
-    <a:masterClrMapping/>
-  </p:clrMapOvr>
-</p:sld>
-</file>
-
-<file path=ppt/slides/slide8.xml><?xml version="1.0" encoding="utf-8"?>
-<p:sld xmlns:a="http://schemas.openxmlformats.org/drawingml/2006/main" xmlns:r="http://schemas.openxmlformats.org/officeDocument/2006/relationships" xmlns:p="http://schemas.openxmlformats.org/presentationml/2006/main">
-  <p:cSld>
-    <p:spTree>
-      <p:nvGrpSpPr>
-        <p:cNvPr id="1" name=""/>
-        <p:cNvGrpSpPr/>
-        <p:nvPr/>
-      </p:nvGrpSpPr>
-      <p:grpSpPr>
-        <a:xfrm>
-          <a:off x="0" y="0"/>
-          <a:ext cx="0" cy="0"/>
-          <a:chOff x="0" y="0"/>
-          <a:chExt cx="0" cy="0"/>
-        </a:xfrm>
-      </p:grpSpPr>
-      <p:sp>
-        <p:nvSpPr>
-          <p:cNvPr id="2" name="Title 1">
-            <a:extLst>
-              <a:ext uri="{FF2B5EF4-FFF2-40B4-BE49-F238E27FC236}">
-                <a16:creationId xmlns:a16="http://schemas.microsoft.com/office/drawing/2014/main" id="{3C3F4E92-B91C-4411-9AE6-F65251C2E68F}"/>
-              </a:ext>
-            </a:extLst>
-          </p:cNvPr>
-          <p:cNvSpPr>
-            <a:spLocks noGrp="1"/>
-          </p:cNvSpPr>
-          <p:nvPr>
-            <p:ph type="title"/>
-          </p:nvPr>
-        </p:nvSpPr>
-        <p:spPr/>
-        <p:txBody>
-          <a:bodyPr/>
-          <a:lstStyle/>
-          <a:p>
-            <a:r>
-              <a:rPr lang="en-CA" dirty="0"/>
-              <a:t>So how big do I make it?</a:t>
-            </a:r>
-            <a:endParaRPr lang="LID4096" dirty="0"/>
-          </a:p>
-        </p:txBody>
-      </p:sp>
-      <p:sp>
-        <p:nvSpPr>
-          <p:cNvPr id="3" name="Content Placeholder 2">
-            <a:extLst>
-              <a:ext uri="{FF2B5EF4-FFF2-40B4-BE49-F238E27FC236}">
-                <a16:creationId xmlns:a16="http://schemas.microsoft.com/office/drawing/2014/main" id="{69AF324C-0304-4D50-9E1F-5D00ACFC962D}"/>
-              </a:ext>
-            </a:extLst>
-          </p:cNvPr>
-          <p:cNvSpPr>
-            <a:spLocks noGrp="1"/>
-          </p:cNvSpPr>
-          <p:nvPr>
-            <p:ph idx="1"/>
-          </p:nvPr>
-        </p:nvSpPr>
-        <p:spPr>
-          <a:xfrm>
-            <a:off x="1451579" y="2015732"/>
-            <a:ext cx="9603275" cy="4037749"/>
-          </a:xfrm>
-        </p:spPr>
-        <p:txBody>
-          <a:bodyPr/>
-          <a:lstStyle/>
-          <a:p>
-            <a:r>
-              <a:rPr lang="en-CA" dirty="0"/>
-              <a:t>See more specific guidelines in workbook. </a:t>
-            </a:r>
-          </a:p>
-          <a:p>
-            <a:r>
-              <a:rPr lang="en-CA" dirty="0"/>
-              <a:t>Start with 1 to 3 layers the same size as the input (or ~512-768 if input is huge). </a:t>
-            </a:r>
-          </a:p>
-          <a:p>
-            <a:r>
-              <a:rPr lang="en-CA" dirty="0"/>
-              <a:t>Add layers to overfit. </a:t>
-            </a:r>
-          </a:p>
-          <a:p>
-            <a:r>
-              <a:rPr lang="en-CA" dirty="0"/>
-              <a:t>Add regularization to cut overfitting. </a:t>
-            </a:r>
-          </a:p>
-          <a:p>
-            <a:r>
-              <a:rPr lang="en-CA" dirty="0"/>
-              <a:t>Try with layer size “funneled” down layer by layer. </a:t>
-            </a:r>
-          </a:p>
-          <a:p>
-            <a:r>
-              <a:rPr lang="en-CA" dirty="0"/>
-              <a:t>Prune network. </a:t>
-            </a:r>
-          </a:p>
-          <a:p>
-            <a:endParaRPr lang="en-CA" dirty="0"/>
-          </a:p>
-          <a:p>
-            <a:r>
-              <a:rPr lang="en-CA" dirty="0"/>
-              <a:t>A real answer is grid search, this should get us close enough to start with. </a:t>
-            </a:r>
-            <a:endParaRPr lang="LID4096" dirty="0"/>
-          </a:p>
-        </p:txBody>
-      </p:sp>
-    </p:spTree>
-    <p:extLst>
-      <p:ext uri="{BB962C8B-B14F-4D97-AF65-F5344CB8AC3E}">
-        <p14:creationId xmlns:p14="http://schemas.microsoft.com/office/powerpoint/2010/main" val="2955667924"/>
-      </p:ext>
-    </p:extLst>
-  </p:cSld>
-  <p:clrMapOvr>
-    <a:masterClrMapping/>
-  </p:clrMapOvr>
-</p:sld>
-</file>
-
-<file path=ppt/slides/slide9.xml><?xml version="1.0" encoding="utf-8"?>
-<p:sld xmlns:a="http://schemas.openxmlformats.org/drawingml/2006/main" xmlns:r="http://schemas.openxmlformats.org/officeDocument/2006/relationships" xmlns:p="http://schemas.openxmlformats.org/presentationml/2006/main">
-  <p:cSld>
-    <p:spTree>
-      <p:nvGrpSpPr>
-        <p:cNvPr id="1" name=""/>
-        <p:cNvGrpSpPr/>
-        <p:nvPr/>
-      </p:nvGrpSpPr>
-      <p:grpSpPr>
-        <a:xfrm>
-          <a:off x="0" y="0"/>
-          <a:ext cx="0" cy="0"/>
-          <a:chOff x="0" y="0"/>
-          <a:chExt cx="0" cy="0"/>
-        </a:xfrm>
-      </p:grpSpPr>
-      <p:sp>
-        <p:nvSpPr>
-          <p:cNvPr id="2" name="Title 1">
-            <a:extLst>
-              <a:ext uri="{FF2B5EF4-FFF2-40B4-BE49-F238E27FC236}">
-                <a16:creationId xmlns:a16="http://schemas.microsoft.com/office/drawing/2014/main" id="{9DF6D07A-F89C-4648-8C5C-62C367F69E6C}"/>
-              </a:ext>
-            </a:extLst>
-          </p:cNvPr>
-          <p:cNvSpPr>
-            <a:spLocks noGrp="1"/>
-          </p:cNvSpPr>
-          <p:nvPr>
-            <p:ph type="title"/>
-          </p:nvPr>
-        </p:nvSpPr>
-        <p:spPr/>
-        <p:txBody>
-          <a:bodyPr/>
-          <a:lstStyle/>
-          <a:p>
-            <a:r>
-              <a:rPr lang="en-CA" dirty="0"/>
-              <a:t>Epochs and Batches</a:t>
-            </a:r>
-            <a:endParaRPr lang="LID4096" dirty="0"/>
-          </a:p>
-        </p:txBody>
-      </p:sp>
-      <p:sp>
-        <p:nvSpPr>
-          <p:cNvPr id="3" name="Content Placeholder 2">
-            <a:extLst>
-              <a:ext uri="{FF2B5EF4-FFF2-40B4-BE49-F238E27FC236}">
-                <a16:creationId xmlns:a16="http://schemas.microsoft.com/office/drawing/2014/main" id="{90B4D315-C411-40F9-A088-3BE0DD9996F7}"/>
-              </a:ext>
-            </a:extLst>
-          </p:cNvPr>
-          <p:cNvSpPr>
-            <a:spLocks noGrp="1"/>
-          </p:cNvSpPr>
-          <p:nvPr>
-            <p:ph idx="1"/>
-          </p:nvPr>
-        </p:nvSpPr>
-        <p:spPr>
-          <a:xfrm>
-            <a:off x="1183907" y="1853754"/>
-            <a:ext cx="10222030" cy="4114784"/>
-          </a:xfrm>
-        </p:spPr>
-        <p:txBody>
-          <a:bodyPr>
-            <a:normAutofit fontScale="92500" lnSpcReduction="10000"/>
-          </a:bodyPr>
-          <a:lstStyle/>
-          <a:p>
-            <a:r>
-              <a:rPr lang="en-CA" dirty="0"/>
-              <a:t>Epochs and batches are both things that are new to us with neural networks. </a:t>
-            </a:r>
-          </a:p>
-          <a:p>
-            <a:r>
-              <a:rPr lang="en-CA" dirty="0"/>
-              <a:t>Each epoch is an execution of one </a:t>
-            </a:r>
-            <a:r>
-              <a:rPr lang="en-CA" dirty="0" err="1"/>
-              <a:t>fp</a:t>
-            </a:r>
-            <a:r>
-              <a:rPr lang="en-CA" dirty="0"/>
-              <a:t>/bp through all of the data. </a:t>
-            </a:r>
-          </a:p>
-          <a:p>
-            <a:pPr lvl="1"/>
-            <a:r>
-              <a:rPr lang="en-CA" dirty="0"/>
-              <a:t>Easiest method is to set early stopping and let the computer figure it out. </a:t>
-            </a:r>
-          </a:p>
-          <a:p>
-            <a:pPr lvl="1"/>
-            <a:r>
-              <a:rPr lang="en-CA" dirty="0"/>
-              <a:t>Really big models might only have one epoch through the data total. </a:t>
-            </a:r>
-          </a:p>
-          <a:p>
-            <a:r>
-              <a:rPr lang="en-CA" dirty="0"/>
-              <a:t>Batches are how many records to process before updating weights. </a:t>
-            </a:r>
-          </a:p>
-          <a:p>
-            <a:pPr lvl="1"/>
-            <a:r>
-              <a:rPr lang="en-CA" dirty="0"/>
-              <a:t>Just like regular gradient descent – higher is more stable, smaller more erratic. </a:t>
-            </a:r>
-          </a:p>
-          <a:p>
-            <a:pPr lvl="1"/>
-            <a:r>
-              <a:rPr lang="en-CA" dirty="0"/>
-              <a:t>Limited at the top end by memory capacity. </a:t>
-            </a:r>
-          </a:p>
-          <a:p>
-            <a:pPr lvl="1"/>
-            <a:r>
-              <a:rPr lang="en-CA" dirty="0"/>
-              <a:t>Large vs small is still a matter of debate and varies by data. </a:t>
-            </a:r>
-          </a:p>
-          <a:p>
-            <a:pPr lvl="1"/>
-            <a:r>
-              <a:rPr lang="en-CA" dirty="0"/>
-              <a:t>Generally, smaller batches (as small as 2 -32) seems to offer better generalizable models. </a:t>
-            </a:r>
-          </a:p>
-          <a:p>
-            <a:pPr lvl="1"/>
-            <a:r>
-              <a:rPr lang="en-CA" dirty="0"/>
-              <a:t>Big batches may process far faster – better HW utilization and fewer weight updates. </a:t>
-            </a:r>
-          </a:p>
-          <a:p>
-            <a:pPr lvl="2"/>
-            <a:r>
-              <a:rPr lang="en-CA" dirty="0"/>
-              <a:t>Think – weight matrix per layer is </a:t>
-            </a:r>
-            <a:r>
-              <a:rPr lang="en-CA" dirty="0" err="1"/>
-              <a:t>input_size</a:t>
-            </a:r>
-            <a:r>
-              <a:rPr lang="en-CA" dirty="0"/>
-              <a:t> * </a:t>
-            </a:r>
-            <a:r>
-              <a:rPr lang="en-CA" dirty="0" err="1"/>
-              <a:t>output_size</a:t>
-            </a:r>
-            <a:r>
-              <a:rPr lang="en-CA" dirty="0"/>
-              <a:t>. 512 * 512 = ~250k updates</a:t>
-            </a:r>
-          </a:p>
-        </p:txBody>
-      </p:sp>
-    </p:spTree>
-    <p:extLst>
-      <p:ext uri="{BB962C8B-B14F-4D97-AF65-F5344CB8AC3E}">
-        <p14:creationId xmlns:p14="http://schemas.microsoft.com/office/powerpoint/2010/main" val="1589937291"/>
       </p:ext>
     </p:extLst>
   </p:cSld>

--- a/reference_content/Slides/tensorflow_optimization.pptx
+++ b/reference_content/Slides/tensorflow_optimization.pptx
@@ -5,29 +5,31 @@
     <p:sldMasterId id="2147483660" r:id="rId1"/>
   </p:sldMasterIdLst>
   <p:sldIdLst>
-    <p:sldId id="278" r:id="rId2"/>
-    <p:sldId id="277" r:id="rId3"/>
-    <p:sldId id="256" r:id="rId4"/>
-    <p:sldId id="257" r:id="rId5"/>
-    <p:sldId id="258" r:id="rId6"/>
-    <p:sldId id="259" r:id="rId7"/>
-    <p:sldId id="264" r:id="rId8"/>
-    <p:sldId id="265" r:id="rId9"/>
-    <p:sldId id="266" r:id="rId10"/>
-    <p:sldId id="260" r:id="rId11"/>
-    <p:sldId id="261" r:id="rId12"/>
-    <p:sldId id="262" r:id="rId13"/>
-    <p:sldId id="263" r:id="rId14"/>
-    <p:sldId id="274" r:id="rId15"/>
-    <p:sldId id="271" r:id="rId16"/>
-    <p:sldId id="272" r:id="rId17"/>
-    <p:sldId id="267" r:id="rId18"/>
-    <p:sldId id="273" r:id="rId19"/>
-    <p:sldId id="275" r:id="rId20"/>
-    <p:sldId id="268" r:id="rId21"/>
-    <p:sldId id="276" r:id="rId22"/>
-    <p:sldId id="269" r:id="rId23"/>
-    <p:sldId id="270" r:id="rId24"/>
+    <p:sldId id="280" r:id="rId2"/>
+    <p:sldId id="278" r:id="rId3"/>
+    <p:sldId id="277" r:id="rId4"/>
+    <p:sldId id="256" r:id="rId5"/>
+    <p:sldId id="257" r:id="rId6"/>
+    <p:sldId id="258" r:id="rId7"/>
+    <p:sldId id="259" r:id="rId8"/>
+    <p:sldId id="264" r:id="rId9"/>
+    <p:sldId id="265" r:id="rId10"/>
+    <p:sldId id="266" r:id="rId11"/>
+    <p:sldId id="279" r:id="rId12"/>
+    <p:sldId id="260" r:id="rId13"/>
+    <p:sldId id="261" r:id="rId14"/>
+    <p:sldId id="262" r:id="rId15"/>
+    <p:sldId id="263" r:id="rId16"/>
+    <p:sldId id="274" r:id="rId17"/>
+    <p:sldId id="271" r:id="rId18"/>
+    <p:sldId id="272" r:id="rId19"/>
+    <p:sldId id="267" r:id="rId20"/>
+    <p:sldId id="273" r:id="rId21"/>
+    <p:sldId id="275" r:id="rId22"/>
+    <p:sldId id="268" r:id="rId23"/>
+    <p:sldId id="276" r:id="rId24"/>
+    <p:sldId id="269" r:id="rId25"/>
+    <p:sldId id="270" r:id="rId26"/>
   </p:sldIdLst>
   <p:sldSz cx="12192000" cy="6858000"/>
   <p:notesSz cx="6858000" cy="9144000"/>
@@ -3712,7 +3714,7 @@
           <p:cNvPr id="2" name="Title 1">
             <a:extLst>
               <a:ext uri="{FF2B5EF4-FFF2-40B4-BE49-F238E27FC236}">
-                <a16:creationId xmlns:a16="http://schemas.microsoft.com/office/drawing/2014/main" id="{22D1ADD2-D653-17DD-BCB3-0E44EAE7BF2D}"/>
+                <a16:creationId xmlns:a16="http://schemas.microsoft.com/office/drawing/2014/main" id="{D0C03AD8-F1B0-6D53-4432-144E33881421}"/>
               </a:ext>
             </a:extLst>
           </p:cNvPr>
@@ -3730,7 +3732,7 @@
           <a:p>
             <a:r>
               <a:rPr lang="en-US" dirty="0"/>
-              <a:t>Cluster Assignment - Results</a:t>
+              <a:t>Housekeeping</a:t>
             </a:r>
           </a:p>
         </p:txBody>
@@ -3740,7 +3742,7 @@
           <p:cNvPr id="3" name="Content Placeholder 2">
             <a:extLst>
               <a:ext uri="{FF2B5EF4-FFF2-40B4-BE49-F238E27FC236}">
-                <a16:creationId xmlns:a16="http://schemas.microsoft.com/office/drawing/2014/main" id="{1FA8B9B4-BDA8-12EB-F5CF-5A987E111D33}"/>
+                <a16:creationId xmlns:a16="http://schemas.microsoft.com/office/drawing/2014/main" id="{CEE057B2-188C-3118-D5F8-7092692F4A66}"/>
               </a:ext>
             </a:extLst>
           </p:cNvPr>
@@ -3758,67 +3760,65 @@
           </a:xfrm>
         </p:spPr>
         <p:txBody>
-          <a:bodyPr/>
-          <a:lstStyle/>
-          <a:p>
-            <a:r>
-              <a:rPr lang="en-US" dirty="0"/>
-              <a:t>The basic steps needed are:</a:t>
-            </a:r>
-          </a:p>
-          <a:p>
-            <a:pPr lvl="1"/>
-            <a:r>
-              <a:rPr lang="en-US" dirty="0"/>
-              <a:t>Cluster the original data to break the numbers into similar groups. (k-means, other…)</a:t>
-            </a:r>
-          </a:p>
-          <a:p>
-            <a:pPr lvl="1"/>
-            <a:r>
-              <a:rPr lang="en-US" dirty="0"/>
-              <a:t>Manually add a label – each group is similar, but we don’t know what it is a group of. </a:t>
-            </a:r>
-          </a:p>
-          <a:p>
-            <a:pPr lvl="1"/>
-            <a:r>
-              <a:rPr lang="en-US" dirty="0"/>
-              <a:t>Now you have labeled groups of digit images. </a:t>
-            </a:r>
-          </a:p>
-          <a:p>
-            <a:pPr lvl="1"/>
-            <a:r>
-              <a:rPr lang="en-US" dirty="0"/>
-              <a:t>Train 10 (or more) GMMs, one that ‘knows’ each number from the data used to train it. </a:t>
-            </a:r>
-          </a:p>
-          <a:p>
-            <a:pPr lvl="1"/>
-            <a:r>
-              <a:rPr lang="en-US" dirty="0"/>
-              <a:t>When asked for a printout, ask the right GMMs for a digit each, assemble. </a:t>
-            </a:r>
-          </a:p>
-          <a:p>
-            <a:r>
-              <a:rPr lang="en-US" dirty="0"/>
-              <a:t>Overall, the images tend to be OK at best, some improvements:</a:t>
-            </a:r>
-          </a:p>
-          <a:p>
-            <a:pPr lvl="1"/>
-            <a:r>
-              <a:rPr lang="en-US" dirty="0"/>
-              <a:t>Number of clusters can be &gt;10, to capture different digit variations. GMMs can as well. </a:t>
-            </a:r>
-          </a:p>
-          <a:p>
-            <a:pPr lvl="1"/>
-            <a:r>
-              <a:rPr lang="en-US" dirty="0"/>
-              <a:t>Some cleaning/processing (PCA, feature selection, etc..) may help, requires much tuning. </a:t>
+          <a:bodyPr>
+            <a:normAutofit/>
+          </a:bodyPr>
+          <a:lstStyle/>
+          <a:p>
+            <a:r>
+              <a:rPr lang="en-US" dirty="0"/>
+              <a:t>Today:</a:t>
+            </a:r>
+          </a:p>
+          <a:p>
+            <a:pPr lvl="1"/>
+            <a:r>
+              <a:rPr lang="en-US" dirty="0" err="1"/>
+              <a:t>Tensorflow</a:t>
+            </a:r>
+            <a:r>
+              <a:rPr lang="en-US" dirty="0"/>
+              <a:t> part 2. </a:t>
+            </a:r>
+          </a:p>
+          <a:p>
+            <a:pPr lvl="1"/>
+            <a:r>
+              <a:rPr lang="en-US" dirty="0"/>
+              <a:t>Making and basic tuning of models. </a:t>
+            </a:r>
+          </a:p>
+          <a:p>
+            <a:pPr lvl="1"/>
+            <a:r>
+              <a:rPr lang="en-US" dirty="0"/>
+              <a:t>Callbacks, results, evaluation. </a:t>
+            </a:r>
+          </a:p>
+          <a:p>
+            <a:r>
+              <a:rPr lang="en-US" dirty="0"/>
+              <a:t>Next time(s):</a:t>
+            </a:r>
+          </a:p>
+          <a:p>
+            <a:pPr lvl="1"/>
+            <a:r>
+              <a:rPr lang="en-US" dirty="0"/>
+              <a:t>Images in neural networks – CNNs. </a:t>
+            </a:r>
+          </a:p>
+          <a:p>
+            <a:pPr lvl="1"/>
+            <a:r>
+              <a:rPr lang="en-US" dirty="0"/>
+              <a:t>Processing image data in a smart way. </a:t>
+            </a:r>
+          </a:p>
+          <a:p>
+            <a:r>
+              <a:rPr lang="en-US" dirty="0"/>
+              <a:t>Overall – we’ll do some image stuff next, which is important. There are a few workbooks on NN-time series (RNN/LSTM/Transformers) that deal with sequences/NLP/text generation. Those are useful things, but we won’t get all the way through them. </a:t>
             </a:r>
           </a:p>
         </p:txBody>
@@ -3826,7 +3826,7 @@
     </p:spTree>
     <p:extLst>
       <p:ext uri="{BB962C8B-B14F-4D97-AF65-F5344CB8AC3E}">
-        <p14:creationId xmlns:p14="http://schemas.microsoft.com/office/powerpoint/2010/main" val="136210750"/>
+        <p14:creationId xmlns:p14="http://schemas.microsoft.com/office/powerpoint/2010/main" val="122855210"/>
       </p:ext>
     </p:extLst>
   </p:cSld>
@@ -3839,6 +3839,30 @@
 <file path=ppt/slides/slide10.xml><?xml version="1.0" encoding="utf-8"?>
 <p:sld xmlns:a="http://schemas.openxmlformats.org/drawingml/2006/main" xmlns:r="http://schemas.openxmlformats.org/officeDocument/2006/relationships" xmlns:p="http://schemas.openxmlformats.org/presentationml/2006/main">
   <p:cSld>
+    <p:bg>
+      <p:bgPr>
+        <a:gradFill rotWithShape="1">
+          <a:gsLst>
+            <a:gs pos="0">
+              <a:schemeClr val="bg2">
+                <a:tint val="94000"/>
+                <a:satMod val="80000"/>
+                <a:lumMod val="106000"/>
+              </a:schemeClr>
+            </a:gs>
+            <a:gs pos="100000">
+              <a:schemeClr val="bg2">
+                <a:shade val="80000"/>
+              </a:schemeClr>
+            </a:gs>
+          </a:gsLst>
+          <a:path path="circle">
+            <a:fillToRect l="43000" r="43000" b="100000"/>
+          </a:path>
+        </a:gradFill>
+        <a:effectLst/>
+      </p:bgPr>
+    </p:bg>
     <p:spTree>
       <p:nvGrpSpPr>
         <p:cNvPr id="1" name=""/>
@@ -3858,7 +3882,7 @@
           <p:cNvPr id="2" name="Title 1">
             <a:extLst>
               <a:ext uri="{FF2B5EF4-FFF2-40B4-BE49-F238E27FC236}">
-                <a16:creationId xmlns:a16="http://schemas.microsoft.com/office/drawing/2014/main" id="{3C3F4E92-B91C-4411-9AE6-F65251C2E68F}"/>
+                <a16:creationId xmlns:a16="http://schemas.microsoft.com/office/drawing/2014/main" id="{5E77AFE0-199D-7B45-8484-224ED259DA7E}"/>
               </a:ext>
             </a:extLst>
           </p:cNvPr>
@@ -3869,25 +3893,76 @@
             <p:ph type="title"/>
           </p:nvPr>
         </p:nvSpPr>
-        <p:spPr/>
-        <p:txBody>
-          <a:bodyPr/>
-          <a:lstStyle/>
-          <a:p>
-            <a:r>
-              <a:rPr lang="en-CA" dirty="0"/>
-              <a:t>So how big do I make it?</a:t>
-            </a:r>
-            <a:endParaRPr lang="LID4096" dirty="0"/>
-          </a:p>
-        </p:txBody>
-      </p:sp>
+        <p:spPr>
+          <a:xfrm>
+            <a:off x="1451579" y="804519"/>
+            <a:ext cx="9603275" cy="1049235"/>
+          </a:xfrm>
+        </p:spPr>
+        <p:txBody>
+          <a:bodyPr>
+            <a:normAutofit/>
+          </a:bodyPr>
+          <a:lstStyle/>
+          <a:p>
+            <a:r>
+              <a:rPr lang="en-US" dirty="0"/>
+              <a:t>Deep Learning</a:t>
+            </a:r>
+          </a:p>
+        </p:txBody>
+      </p:sp>
+      <p:pic>
+        <p:nvPicPr>
+          <p:cNvPr id="2050" name="Picture 2">
+            <a:extLst>
+              <a:ext uri="{FF2B5EF4-FFF2-40B4-BE49-F238E27FC236}">
+                <a16:creationId xmlns:a16="http://schemas.microsoft.com/office/drawing/2014/main" id="{E351FF83-CEFF-9A4C-873C-CFDE88AD2D8B}"/>
+              </a:ext>
+            </a:extLst>
+          </p:cNvPr>
+          <p:cNvPicPr>
+            <a:picLocks noChangeAspect="1" noChangeArrowheads="1"/>
+          </p:cNvPicPr>
+          <p:nvPr/>
+        </p:nvPicPr>
+        <p:blipFill rotWithShape="1">
+          <a:blip r:embed="rId2">
+            <a:extLst>
+              <a:ext uri="{28A0092B-C50C-407E-A947-70E740481C1C}">
+                <a14:useLocalDpi xmlns:a14="http://schemas.microsoft.com/office/drawing/2010/main" val="0"/>
+              </a:ext>
+            </a:extLst>
+          </a:blip>
+          <a:srcRect l="4020" t="8581" r="4835" b="13200"/>
+          <a:stretch/>
+        </p:blipFill>
+        <p:spPr bwMode="auto">
+          <a:xfrm>
+            <a:off x="114299" y="2015734"/>
+            <a:ext cx="6578597" cy="3584966"/>
+          </a:xfrm>
+          <a:prstGeom prst="rect">
+            <a:avLst/>
+          </a:prstGeom>
+          <a:noFill/>
+          <a:extLst>
+            <a:ext uri="{909E8E84-426E-40DD-AFC4-6F175D3DCCD1}">
+              <a14:hiddenFill xmlns:a14="http://schemas.microsoft.com/office/drawing/2010/main">
+                <a:solidFill>
+                  <a:srgbClr val="FFFFFF"/>
+                </a:solidFill>
+              </a14:hiddenFill>
+            </a:ext>
+          </a:extLst>
+        </p:spPr>
+      </p:pic>
       <p:sp>
         <p:nvSpPr>
           <p:cNvPr id="3" name="Content Placeholder 2">
             <a:extLst>
               <a:ext uri="{FF2B5EF4-FFF2-40B4-BE49-F238E27FC236}">
-                <a16:creationId xmlns:a16="http://schemas.microsoft.com/office/drawing/2014/main" id="{69AF324C-0304-4D50-9E1F-5D00ACFC962D}"/>
+                <a16:creationId xmlns:a16="http://schemas.microsoft.com/office/drawing/2014/main" id="{80346EC3-4DD2-2244-9A22-FBE07B35CA0B}"/>
               </a:ext>
             </a:extLst>
           </p:cNvPr>
@@ -3900,65 +3975,63 @@
         </p:nvSpPr>
         <p:spPr>
           <a:xfrm>
-            <a:off x="1451579" y="2015732"/>
-            <a:ext cx="9603275" cy="4037749"/>
+            <a:off x="6692897" y="2015734"/>
+            <a:ext cx="5283204" cy="4231062"/>
           </a:xfrm>
         </p:spPr>
         <p:txBody>
-          <a:bodyPr/>
-          <a:lstStyle/>
-          <a:p>
-            <a:r>
-              <a:rPr lang="en-CA" dirty="0"/>
-              <a:t>See more specific guidelines in workbook. </a:t>
-            </a:r>
-          </a:p>
-          <a:p>
-            <a:r>
-              <a:rPr lang="en-CA" dirty="0"/>
-              <a:t>Start with 1 to 3 layers the same size as the input (or ~512-768 if input is huge). </a:t>
-            </a:r>
-          </a:p>
-          <a:p>
-            <a:r>
-              <a:rPr lang="en-CA" dirty="0"/>
-              <a:t>Add layers to overfit. </a:t>
-            </a:r>
-          </a:p>
-          <a:p>
-            <a:r>
-              <a:rPr lang="en-CA" dirty="0"/>
-              <a:t>Add regularization to cut overfitting. </a:t>
-            </a:r>
-          </a:p>
-          <a:p>
-            <a:r>
-              <a:rPr lang="en-CA" dirty="0"/>
-              <a:t>Try with layer size “funneled” down layer by layer. </a:t>
-            </a:r>
-          </a:p>
-          <a:p>
-            <a:r>
-              <a:rPr lang="en-CA" dirty="0"/>
-              <a:t>Prune network. </a:t>
-            </a:r>
-          </a:p>
-          <a:p>
-            <a:endParaRPr lang="en-CA" dirty="0"/>
-          </a:p>
-          <a:p>
-            <a:r>
-              <a:rPr lang="en-CA" dirty="0"/>
-              <a:t>A real answer is grid search, this should get us close enough to start with. </a:t>
-            </a:r>
-            <a:endParaRPr lang="LID4096" dirty="0"/>
+          <a:bodyPr>
+            <a:normAutofit/>
+          </a:bodyPr>
+          <a:lstStyle/>
+          <a:p>
+            <a:r>
+              <a:rPr lang="en-US" dirty="0"/>
+              <a:t>For modern usage most/all of the “cool things” that AI can do is due to deep networks. </a:t>
+            </a:r>
+          </a:p>
+          <a:p>
+            <a:r>
+              <a:rPr lang="en-US" dirty="0"/>
+              <a:t>Reasons:</a:t>
+            </a:r>
+          </a:p>
+          <a:p>
+            <a:pPr lvl="1"/>
+            <a:r>
+              <a:rPr lang="en-US" dirty="0"/>
+              <a:t>Layers can extract different representations of data. (More on this next time). </a:t>
+            </a:r>
+          </a:p>
+          <a:p>
+            <a:pPr lvl="1"/>
+            <a:r>
+              <a:rPr lang="en-US" dirty="0"/>
+              <a:t>Opportunities to regularize. </a:t>
+            </a:r>
+          </a:p>
+          <a:p>
+            <a:pPr lvl="1"/>
+            <a:r>
+              <a:rPr lang="en-US" dirty="0"/>
+              <a:t>Less overfit prone than wide models. </a:t>
+            </a:r>
+          </a:p>
+          <a:p>
+            <a:r>
+              <a:rPr lang="en-US" dirty="0"/>
+              <a:t>Practical evidence is that deep models are generally better. </a:t>
+            </a:r>
+          </a:p>
+          <a:p>
+            <a:endParaRPr lang="en-US" dirty="0"/>
           </a:p>
         </p:txBody>
       </p:sp>
     </p:spTree>
     <p:extLst>
       <p:ext uri="{BB962C8B-B14F-4D97-AF65-F5344CB8AC3E}">
-        <p14:creationId xmlns:p14="http://schemas.microsoft.com/office/powerpoint/2010/main" val="2955667924"/>
+        <p14:creationId xmlns:p14="http://schemas.microsoft.com/office/powerpoint/2010/main" val="3875184223"/>
       </p:ext>
     </p:extLst>
   </p:cSld>
@@ -3990,7 +4063,7 @@
           <p:cNvPr id="2" name="Title 1">
             <a:extLst>
               <a:ext uri="{FF2B5EF4-FFF2-40B4-BE49-F238E27FC236}">
-                <a16:creationId xmlns:a16="http://schemas.microsoft.com/office/drawing/2014/main" id="{9DF6D07A-F89C-4648-8C5C-62C367F69E6C}"/>
+                <a16:creationId xmlns:a16="http://schemas.microsoft.com/office/drawing/2014/main" id="{B5ECD803-CC62-F82C-DCCB-D4B18E994727}"/>
               </a:ext>
             </a:extLst>
           </p:cNvPr>
@@ -4006,11 +4079,7 @@
           <a:bodyPr/>
           <a:lstStyle/>
           <a:p>
-            <a:r>
-              <a:rPr lang="en-CA" dirty="0"/>
-              <a:t>Epochs and Batches</a:t>
-            </a:r>
-            <a:endParaRPr lang="LID4096" dirty="0"/>
+            <a:endParaRPr lang="en-US"/>
           </a:p>
         </p:txBody>
       </p:sp>
@@ -4019,7 +4088,7 @@
           <p:cNvPr id="3" name="Content Placeholder 2">
             <a:extLst>
               <a:ext uri="{FF2B5EF4-FFF2-40B4-BE49-F238E27FC236}">
-                <a16:creationId xmlns:a16="http://schemas.microsoft.com/office/drawing/2014/main" id="{90B4D315-C411-40F9-A088-3BE0DD9996F7}"/>
+                <a16:creationId xmlns:a16="http://schemas.microsoft.com/office/drawing/2014/main" id="{762A8CDE-3AA4-5187-A9F0-6AC5AF8B6E34}"/>
               </a:ext>
             </a:extLst>
           </p:cNvPr>
@@ -4030,121 +4099,66 @@
             <p:ph idx="1"/>
           </p:nvPr>
         </p:nvSpPr>
-        <p:spPr>
+        <p:spPr/>
+        <p:txBody>
+          <a:bodyPr/>
+          <a:lstStyle/>
+          <a:p>
+            <a:endParaRPr lang="en-US"/>
+          </a:p>
+        </p:txBody>
+      </p:sp>
+      <p:pic>
+        <p:nvPicPr>
+          <p:cNvPr id="5122" name="Picture 2" descr="The world through the eyes of CNN. | by Shiv Vignesh | Analytics Vidhya |  Medium">
+            <a:extLst>
+              <a:ext uri="{FF2B5EF4-FFF2-40B4-BE49-F238E27FC236}">
+                <a16:creationId xmlns:a16="http://schemas.microsoft.com/office/drawing/2014/main" id="{6F305339-947B-9C75-0668-34D955E97280}"/>
+              </a:ext>
+            </a:extLst>
+          </p:cNvPr>
+          <p:cNvPicPr>
+            <a:picLocks noChangeAspect="1" noChangeArrowheads="1"/>
+          </p:cNvPicPr>
+          <p:nvPr/>
+        </p:nvPicPr>
+        <p:blipFill>
+          <a:blip r:embed="rId2">
+            <a:extLst>
+              <a:ext uri="{28A0092B-C50C-407E-A947-70E740481C1C}">
+                <a14:useLocalDpi xmlns:a14="http://schemas.microsoft.com/office/drawing/2010/main" val="0"/>
+              </a:ext>
+            </a:extLst>
+          </a:blip>
+          <a:srcRect/>
+          <a:stretch>
+            <a:fillRect/>
+          </a:stretch>
+        </p:blipFill>
+        <p:spPr bwMode="auto">
           <a:xfrm>
-            <a:off x="1183907" y="1853754"/>
-            <a:ext cx="10222030" cy="4114784"/>
+            <a:off x="984250" y="869950"/>
+            <a:ext cx="10223500" cy="5118100"/>
           </a:xfrm>
+          <a:prstGeom prst="rect">
+            <a:avLst/>
+          </a:prstGeom>
+          <a:noFill/>
+          <a:extLst>
+            <a:ext uri="{909E8E84-426E-40DD-AFC4-6F175D3DCCD1}">
+              <a14:hiddenFill xmlns:a14="http://schemas.microsoft.com/office/drawing/2010/main">
+                <a:solidFill>
+                  <a:srgbClr val="FFFFFF"/>
+                </a:solidFill>
+              </a14:hiddenFill>
+            </a:ext>
+          </a:extLst>
         </p:spPr>
-        <p:txBody>
-          <a:bodyPr>
-            <a:normAutofit fontScale="92500" lnSpcReduction="10000"/>
-          </a:bodyPr>
-          <a:lstStyle/>
-          <a:p>
-            <a:r>
-              <a:rPr lang="en-CA" dirty="0"/>
-              <a:t>Epochs and batches are both things that are new to us with neural networks. </a:t>
-            </a:r>
-          </a:p>
-          <a:p>
-            <a:r>
-              <a:rPr lang="en-CA" dirty="0"/>
-              <a:t>Each epoch is an execution of one </a:t>
-            </a:r>
-            <a:r>
-              <a:rPr lang="en-CA" dirty="0" err="1"/>
-              <a:t>fp</a:t>
-            </a:r>
-            <a:r>
-              <a:rPr lang="en-CA" dirty="0"/>
-              <a:t>/bp through all of the data. </a:t>
-            </a:r>
-          </a:p>
-          <a:p>
-            <a:pPr lvl="1"/>
-            <a:r>
-              <a:rPr lang="en-CA" dirty="0"/>
-              <a:t>Easiest method is to set early stopping and let the computer figure it out. </a:t>
-            </a:r>
-          </a:p>
-          <a:p>
-            <a:pPr lvl="1"/>
-            <a:r>
-              <a:rPr lang="en-CA" dirty="0"/>
-              <a:t>Really big models might only have one epoch through the data total. </a:t>
-            </a:r>
-          </a:p>
-          <a:p>
-            <a:r>
-              <a:rPr lang="en-CA" dirty="0"/>
-              <a:t>Batches are how many records to process before updating weights. </a:t>
-            </a:r>
-          </a:p>
-          <a:p>
-            <a:pPr lvl="1"/>
-            <a:r>
-              <a:rPr lang="en-CA" dirty="0"/>
-              <a:t>Just like regular gradient descent – higher is more stable, smaller more erratic. </a:t>
-            </a:r>
-          </a:p>
-          <a:p>
-            <a:pPr lvl="1"/>
-            <a:r>
-              <a:rPr lang="en-CA" dirty="0"/>
-              <a:t>Limited at the top end by memory capacity. </a:t>
-            </a:r>
-          </a:p>
-          <a:p>
-            <a:pPr lvl="1"/>
-            <a:r>
-              <a:rPr lang="en-CA" dirty="0"/>
-              <a:t>Large vs small is still a matter of debate and varies by data. </a:t>
-            </a:r>
-          </a:p>
-          <a:p>
-            <a:pPr lvl="1"/>
-            <a:r>
-              <a:rPr lang="en-CA" dirty="0"/>
-              <a:t>Generally, smaller batches (as small as 2 -32) seems to offer better generalizable models. </a:t>
-            </a:r>
-          </a:p>
-          <a:p>
-            <a:pPr lvl="1"/>
-            <a:r>
-              <a:rPr lang="en-CA" dirty="0"/>
-              <a:t>Big batches may process far faster – better HW utilization and fewer weight updates. </a:t>
-            </a:r>
-          </a:p>
-          <a:p>
-            <a:pPr lvl="2"/>
-            <a:r>
-              <a:rPr lang="en-CA" dirty="0"/>
-              <a:t>Think – weight matrix per layer is </a:t>
-            </a:r>
-            <a:r>
-              <a:rPr lang="en-CA" dirty="0" err="1"/>
-              <a:t>input_size</a:t>
-            </a:r>
-            <a:r>
-              <a:rPr lang="en-CA" dirty="0"/>
-              <a:t> * </a:t>
-            </a:r>
-            <a:r>
-              <a:rPr lang="en-CA" dirty="0" err="1"/>
-              <a:t>output_size</a:t>
-            </a:r>
-            <a:r>
-              <a:rPr lang="en-CA" dirty="0"/>
-              <a:t>. 512 * 512 = ~250k updates</a:t>
-            </a:r>
-          </a:p>
-        </p:txBody>
-      </p:sp>
+      </p:pic>
     </p:spTree>
     <p:extLst>
       <p:ext uri="{BB962C8B-B14F-4D97-AF65-F5344CB8AC3E}">
-        <p14:creationId xmlns:p14="http://schemas.microsoft.com/office/powerpoint/2010/main" val="1589937291"/>
+        <p14:creationId xmlns:p14="http://schemas.microsoft.com/office/powerpoint/2010/main" val="39371472"/>
       </p:ext>
     </p:extLst>
   </p:cSld>
@@ -4176,6 +4190,324 @@
           <p:cNvPr id="2" name="Title 1">
             <a:extLst>
               <a:ext uri="{FF2B5EF4-FFF2-40B4-BE49-F238E27FC236}">
+                <a16:creationId xmlns:a16="http://schemas.microsoft.com/office/drawing/2014/main" id="{3C3F4E92-B91C-4411-9AE6-F65251C2E68F}"/>
+              </a:ext>
+            </a:extLst>
+          </p:cNvPr>
+          <p:cNvSpPr>
+            <a:spLocks noGrp="1"/>
+          </p:cNvSpPr>
+          <p:nvPr>
+            <p:ph type="title"/>
+          </p:nvPr>
+        </p:nvSpPr>
+        <p:spPr/>
+        <p:txBody>
+          <a:bodyPr/>
+          <a:lstStyle/>
+          <a:p>
+            <a:r>
+              <a:rPr lang="en-CA" dirty="0"/>
+              <a:t>So how big do I make it?</a:t>
+            </a:r>
+            <a:endParaRPr lang="LID4096" dirty="0"/>
+          </a:p>
+        </p:txBody>
+      </p:sp>
+      <p:sp>
+        <p:nvSpPr>
+          <p:cNvPr id="3" name="Content Placeholder 2">
+            <a:extLst>
+              <a:ext uri="{FF2B5EF4-FFF2-40B4-BE49-F238E27FC236}">
+                <a16:creationId xmlns:a16="http://schemas.microsoft.com/office/drawing/2014/main" id="{69AF324C-0304-4D50-9E1F-5D00ACFC962D}"/>
+              </a:ext>
+            </a:extLst>
+          </p:cNvPr>
+          <p:cNvSpPr>
+            <a:spLocks noGrp="1"/>
+          </p:cNvSpPr>
+          <p:nvPr>
+            <p:ph idx="1"/>
+          </p:nvPr>
+        </p:nvSpPr>
+        <p:spPr>
+          <a:xfrm>
+            <a:off x="1451579" y="2015732"/>
+            <a:ext cx="9603275" cy="4037749"/>
+          </a:xfrm>
+        </p:spPr>
+        <p:txBody>
+          <a:bodyPr/>
+          <a:lstStyle/>
+          <a:p>
+            <a:r>
+              <a:rPr lang="en-CA" dirty="0"/>
+              <a:t>See more specific guidelines in workbook. </a:t>
+            </a:r>
+          </a:p>
+          <a:p>
+            <a:r>
+              <a:rPr lang="en-CA" dirty="0"/>
+              <a:t>Start with 1 to 3 layers the same size as the input (or ~512-768 if input is huge). </a:t>
+            </a:r>
+          </a:p>
+          <a:p>
+            <a:r>
+              <a:rPr lang="en-CA" dirty="0"/>
+              <a:t>Add layers to overfit. </a:t>
+            </a:r>
+          </a:p>
+          <a:p>
+            <a:r>
+              <a:rPr lang="en-CA" dirty="0"/>
+              <a:t>Add regularization to cut overfitting. </a:t>
+            </a:r>
+          </a:p>
+          <a:p>
+            <a:r>
+              <a:rPr lang="en-CA" dirty="0"/>
+              <a:t>Try with layer size “funneled” down layer by layer. </a:t>
+            </a:r>
+          </a:p>
+          <a:p>
+            <a:r>
+              <a:rPr lang="en-CA" dirty="0"/>
+              <a:t>Prune network. </a:t>
+            </a:r>
+          </a:p>
+          <a:p>
+            <a:endParaRPr lang="en-CA" dirty="0"/>
+          </a:p>
+          <a:p>
+            <a:r>
+              <a:rPr lang="en-CA" dirty="0"/>
+              <a:t>A real answer is grid search, this should get us close enough to start with. </a:t>
+            </a:r>
+            <a:endParaRPr lang="LID4096" dirty="0"/>
+          </a:p>
+        </p:txBody>
+      </p:sp>
+    </p:spTree>
+    <p:extLst>
+      <p:ext uri="{BB962C8B-B14F-4D97-AF65-F5344CB8AC3E}">
+        <p14:creationId xmlns:p14="http://schemas.microsoft.com/office/powerpoint/2010/main" val="2955667924"/>
+      </p:ext>
+    </p:extLst>
+  </p:cSld>
+  <p:clrMapOvr>
+    <a:masterClrMapping/>
+  </p:clrMapOvr>
+</p:sld>
+</file>
+
+<file path=ppt/slides/slide13.xml><?xml version="1.0" encoding="utf-8"?>
+<p:sld xmlns:a="http://schemas.openxmlformats.org/drawingml/2006/main" xmlns:r="http://schemas.openxmlformats.org/officeDocument/2006/relationships" xmlns:p="http://schemas.openxmlformats.org/presentationml/2006/main">
+  <p:cSld>
+    <p:spTree>
+      <p:nvGrpSpPr>
+        <p:cNvPr id="1" name=""/>
+        <p:cNvGrpSpPr/>
+        <p:nvPr/>
+      </p:nvGrpSpPr>
+      <p:grpSpPr>
+        <a:xfrm>
+          <a:off x="0" y="0"/>
+          <a:ext cx="0" cy="0"/>
+          <a:chOff x="0" y="0"/>
+          <a:chExt cx="0" cy="0"/>
+        </a:xfrm>
+      </p:grpSpPr>
+      <p:sp>
+        <p:nvSpPr>
+          <p:cNvPr id="2" name="Title 1">
+            <a:extLst>
+              <a:ext uri="{FF2B5EF4-FFF2-40B4-BE49-F238E27FC236}">
+                <a16:creationId xmlns:a16="http://schemas.microsoft.com/office/drawing/2014/main" id="{9DF6D07A-F89C-4648-8C5C-62C367F69E6C}"/>
+              </a:ext>
+            </a:extLst>
+          </p:cNvPr>
+          <p:cNvSpPr>
+            <a:spLocks noGrp="1"/>
+          </p:cNvSpPr>
+          <p:nvPr>
+            <p:ph type="title"/>
+          </p:nvPr>
+        </p:nvSpPr>
+        <p:spPr/>
+        <p:txBody>
+          <a:bodyPr/>
+          <a:lstStyle/>
+          <a:p>
+            <a:r>
+              <a:rPr lang="en-CA" dirty="0"/>
+              <a:t>Epochs and Batches</a:t>
+            </a:r>
+            <a:endParaRPr lang="LID4096" dirty="0"/>
+          </a:p>
+        </p:txBody>
+      </p:sp>
+      <p:sp>
+        <p:nvSpPr>
+          <p:cNvPr id="3" name="Content Placeholder 2">
+            <a:extLst>
+              <a:ext uri="{FF2B5EF4-FFF2-40B4-BE49-F238E27FC236}">
+                <a16:creationId xmlns:a16="http://schemas.microsoft.com/office/drawing/2014/main" id="{90B4D315-C411-40F9-A088-3BE0DD9996F7}"/>
+              </a:ext>
+            </a:extLst>
+          </p:cNvPr>
+          <p:cNvSpPr>
+            <a:spLocks noGrp="1"/>
+          </p:cNvSpPr>
+          <p:nvPr>
+            <p:ph idx="1"/>
+          </p:nvPr>
+        </p:nvSpPr>
+        <p:spPr>
+          <a:xfrm>
+            <a:off x="1183907" y="1853754"/>
+            <a:ext cx="10222030" cy="4114784"/>
+          </a:xfrm>
+        </p:spPr>
+        <p:txBody>
+          <a:bodyPr>
+            <a:normAutofit fontScale="92500" lnSpcReduction="10000"/>
+          </a:bodyPr>
+          <a:lstStyle/>
+          <a:p>
+            <a:r>
+              <a:rPr lang="en-CA" dirty="0"/>
+              <a:t>Epochs and batches are both things that are new to us with neural networks. </a:t>
+            </a:r>
+          </a:p>
+          <a:p>
+            <a:r>
+              <a:rPr lang="en-CA" dirty="0"/>
+              <a:t>Each epoch is an execution of one </a:t>
+            </a:r>
+            <a:r>
+              <a:rPr lang="en-CA" dirty="0" err="1"/>
+              <a:t>fp</a:t>
+            </a:r>
+            <a:r>
+              <a:rPr lang="en-CA" dirty="0"/>
+              <a:t>/bp through all of the data. </a:t>
+            </a:r>
+          </a:p>
+          <a:p>
+            <a:pPr lvl="1"/>
+            <a:r>
+              <a:rPr lang="en-CA" dirty="0"/>
+              <a:t>Easiest method is to set early stopping and let the computer figure it out. </a:t>
+            </a:r>
+          </a:p>
+          <a:p>
+            <a:pPr lvl="1"/>
+            <a:r>
+              <a:rPr lang="en-CA" dirty="0"/>
+              <a:t>Really big models might only have one epoch through the data total. </a:t>
+            </a:r>
+          </a:p>
+          <a:p>
+            <a:r>
+              <a:rPr lang="en-CA" dirty="0"/>
+              <a:t>Batches are how many records to process before updating weights. </a:t>
+            </a:r>
+          </a:p>
+          <a:p>
+            <a:pPr lvl="1"/>
+            <a:r>
+              <a:rPr lang="en-CA" dirty="0"/>
+              <a:t>Just like regular gradient descent – higher is more stable, smaller more erratic. </a:t>
+            </a:r>
+          </a:p>
+          <a:p>
+            <a:pPr lvl="1"/>
+            <a:r>
+              <a:rPr lang="en-CA" dirty="0"/>
+              <a:t>Limited at the top end by memory capacity. </a:t>
+            </a:r>
+          </a:p>
+          <a:p>
+            <a:pPr lvl="1"/>
+            <a:r>
+              <a:rPr lang="en-CA" dirty="0"/>
+              <a:t>Large vs small is still a matter of debate and varies by data. </a:t>
+            </a:r>
+          </a:p>
+          <a:p>
+            <a:pPr lvl="1"/>
+            <a:r>
+              <a:rPr lang="en-CA" dirty="0"/>
+              <a:t>Generally, smaller batches (as small as 2 -32) seems to offer better generalizable models. </a:t>
+            </a:r>
+          </a:p>
+          <a:p>
+            <a:pPr lvl="1"/>
+            <a:r>
+              <a:rPr lang="en-CA" dirty="0"/>
+              <a:t>Big batches may process far faster – better HW utilization and fewer weight updates. </a:t>
+            </a:r>
+          </a:p>
+          <a:p>
+            <a:pPr lvl="2"/>
+            <a:r>
+              <a:rPr lang="en-CA" dirty="0"/>
+              <a:t>Think – weight matrix per layer is </a:t>
+            </a:r>
+            <a:r>
+              <a:rPr lang="en-CA" dirty="0" err="1"/>
+              <a:t>input_size</a:t>
+            </a:r>
+            <a:r>
+              <a:rPr lang="en-CA" dirty="0"/>
+              <a:t> * </a:t>
+            </a:r>
+            <a:r>
+              <a:rPr lang="en-CA" dirty="0" err="1"/>
+              <a:t>output_size</a:t>
+            </a:r>
+            <a:r>
+              <a:rPr lang="en-CA" dirty="0"/>
+              <a:t>. 512 * 512 = ~250k updates</a:t>
+            </a:r>
+          </a:p>
+        </p:txBody>
+      </p:sp>
+    </p:spTree>
+    <p:extLst>
+      <p:ext uri="{BB962C8B-B14F-4D97-AF65-F5344CB8AC3E}">
+        <p14:creationId xmlns:p14="http://schemas.microsoft.com/office/powerpoint/2010/main" val="1589937291"/>
+      </p:ext>
+    </p:extLst>
+  </p:cSld>
+  <p:clrMapOvr>
+    <a:masterClrMapping/>
+  </p:clrMapOvr>
+</p:sld>
+</file>
+
+<file path=ppt/slides/slide14.xml><?xml version="1.0" encoding="utf-8"?>
+<p:sld xmlns:a="http://schemas.openxmlformats.org/drawingml/2006/main" xmlns:r="http://schemas.openxmlformats.org/officeDocument/2006/relationships" xmlns:p="http://schemas.openxmlformats.org/presentationml/2006/main">
+  <p:cSld>
+    <p:spTree>
+      <p:nvGrpSpPr>
+        <p:cNvPr id="1" name=""/>
+        <p:cNvGrpSpPr/>
+        <p:nvPr/>
+      </p:nvGrpSpPr>
+      <p:grpSpPr>
+        <a:xfrm>
+          <a:off x="0" y="0"/>
+          <a:ext cx="0" cy="0"/>
+          <a:chOff x="0" y="0"/>
+          <a:chExt cx="0" cy="0"/>
+        </a:xfrm>
+      </p:grpSpPr>
+      <p:sp>
+        <p:nvSpPr>
+          <p:cNvPr id="2" name="Title 1">
+            <a:extLst>
+              <a:ext uri="{FF2B5EF4-FFF2-40B4-BE49-F238E27FC236}">
                 <a16:creationId xmlns:a16="http://schemas.microsoft.com/office/drawing/2014/main" id="{34986ED5-DCBC-44E8-A70B-39E557577940}"/>
               </a:ext>
             </a:extLst>
@@ -4274,7 +4606,7 @@
 </p:sld>
 </file>
 
-<file path=ppt/slides/slide13.xml><?xml version="1.0" encoding="utf-8"?>
+<file path=ppt/slides/slide15.xml><?xml version="1.0" encoding="utf-8"?>
 <p:sld xmlns:a="http://schemas.openxmlformats.org/drawingml/2006/main" xmlns:r="http://schemas.openxmlformats.org/officeDocument/2006/relationships" xmlns:p="http://schemas.openxmlformats.org/presentationml/2006/main">
   <p:cSld>
     <p:bg>
@@ -4508,7 +4840,7 @@
 </p:sld>
 </file>
 
-<file path=ppt/slides/slide14.xml><?xml version="1.0" encoding="utf-8"?>
+<file path=ppt/slides/slide16.xml><?xml version="1.0" encoding="utf-8"?>
 <p:sld xmlns:a="http://schemas.openxmlformats.org/drawingml/2006/main" xmlns:r="http://schemas.openxmlformats.org/officeDocument/2006/relationships" xmlns:p="http://schemas.openxmlformats.org/presentationml/2006/main">
   <p:cSld>
     <p:spTree>
@@ -4685,7 +5017,7 @@
 </p:sld>
 </file>
 
-<file path=ppt/slides/slide15.xml><?xml version="1.0" encoding="utf-8"?>
+<file path=ppt/slides/slide17.xml><?xml version="1.0" encoding="utf-8"?>
 <p:sld xmlns:a="http://schemas.openxmlformats.org/drawingml/2006/main" xmlns:r="http://schemas.openxmlformats.org/officeDocument/2006/relationships" xmlns:p="http://schemas.openxmlformats.org/presentationml/2006/main">
   <p:cSld>
     <p:bg>
@@ -4944,7 +5276,7 @@
 </p:sld>
 </file>
 
-<file path=ppt/slides/slide16.xml><?xml version="1.0" encoding="utf-8"?>
+<file path=ppt/slides/slide18.xml><?xml version="1.0" encoding="utf-8"?>
 <p:sld xmlns:a="http://schemas.openxmlformats.org/drawingml/2006/main" xmlns:r="http://schemas.openxmlformats.org/officeDocument/2006/relationships" xmlns:p="http://schemas.openxmlformats.org/presentationml/2006/main">
   <p:cSld>
     <p:spTree>
@@ -4984,13 +5316,8 @@
           <a:p>
             <a:r>
               <a:rPr lang="en-US" dirty="0"/>
-              <a:t>Keeping Gradients </a:t>
-            </a:r>
-            <a:r>
-              <a:rPr lang="en-US" dirty="0" err="1"/>
-              <a:t>GRaded</a:t>
-            </a:r>
-            <a:endParaRPr lang="en-US" dirty="0"/>
+              <a:t>Keeping Gradients Graded</a:t>
+            </a:r>
           </a:p>
         </p:txBody>
       </p:sp>
@@ -5049,7 +5376,7 @@
 </p:sld>
 </file>
 
-<file path=ppt/slides/slide17.xml><?xml version="1.0" encoding="utf-8"?>
+<file path=ppt/slides/slide19.xml><?xml version="1.0" encoding="utf-8"?>
 <p:sld xmlns:a="http://schemas.openxmlformats.org/drawingml/2006/main" xmlns:r="http://schemas.openxmlformats.org/officeDocument/2006/relationships" xmlns:p="http://schemas.openxmlformats.org/presentationml/2006/main">
   <p:cSld>
     <p:bg>
@@ -5301,7 +5628,153 @@
 </p:sld>
 </file>
 
-<file path=ppt/slides/slide18.xml><?xml version="1.0" encoding="utf-8"?>
+<file path=ppt/slides/slide2.xml><?xml version="1.0" encoding="utf-8"?>
+<p:sld xmlns:a="http://schemas.openxmlformats.org/drawingml/2006/main" xmlns:r="http://schemas.openxmlformats.org/officeDocument/2006/relationships" xmlns:p="http://schemas.openxmlformats.org/presentationml/2006/main">
+  <p:cSld>
+    <p:spTree>
+      <p:nvGrpSpPr>
+        <p:cNvPr id="1" name=""/>
+        <p:cNvGrpSpPr/>
+        <p:nvPr/>
+      </p:nvGrpSpPr>
+      <p:grpSpPr>
+        <a:xfrm>
+          <a:off x="0" y="0"/>
+          <a:ext cx="0" cy="0"/>
+          <a:chOff x="0" y="0"/>
+          <a:chExt cx="0" cy="0"/>
+        </a:xfrm>
+      </p:grpSpPr>
+      <p:sp>
+        <p:nvSpPr>
+          <p:cNvPr id="2" name="Title 1">
+            <a:extLst>
+              <a:ext uri="{FF2B5EF4-FFF2-40B4-BE49-F238E27FC236}">
+                <a16:creationId xmlns:a16="http://schemas.microsoft.com/office/drawing/2014/main" id="{22D1ADD2-D653-17DD-BCB3-0E44EAE7BF2D}"/>
+              </a:ext>
+            </a:extLst>
+          </p:cNvPr>
+          <p:cNvSpPr>
+            <a:spLocks noGrp="1"/>
+          </p:cNvSpPr>
+          <p:nvPr>
+            <p:ph type="title"/>
+          </p:nvPr>
+        </p:nvSpPr>
+        <p:spPr/>
+        <p:txBody>
+          <a:bodyPr/>
+          <a:lstStyle/>
+          <a:p>
+            <a:r>
+              <a:rPr lang="en-US" dirty="0"/>
+              <a:t>Cluster Assignment - Results</a:t>
+            </a:r>
+          </a:p>
+        </p:txBody>
+      </p:sp>
+      <p:sp>
+        <p:nvSpPr>
+          <p:cNvPr id="3" name="Content Placeholder 2">
+            <a:extLst>
+              <a:ext uri="{FF2B5EF4-FFF2-40B4-BE49-F238E27FC236}">
+                <a16:creationId xmlns:a16="http://schemas.microsoft.com/office/drawing/2014/main" id="{1FA8B9B4-BDA8-12EB-F5CF-5A987E111D33}"/>
+              </a:ext>
+            </a:extLst>
+          </p:cNvPr>
+          <p:cNvSpPr>
+            <a:spLocks noGrp="1"/>
+          </p:cNvSpPr>
+          <p:nvPr>
+            <p:ph idx="1"/>
+          </p:nvPr>
+        </p:nvSpPr>
+        <p:spPr>
+          <a:xfrm>
+            <a:off x="1451579" y="1853754"/>
+            <a:ext cx="9603275" cy="4199727"/>
+          </a:xfrm>
+        </p:spPr>
+        <p:txBody>
+          <a:bodyPr/>
+          <a:lstStyle/>
+          <a:p>
+            <a:r>
+              <a:rPr lang="en-US" dirty="0"/>
+              <a:t>The basic steps needed are:</a:t>
+            </a:r>
+          </a:p>
+          <a:p>
+            <a:pPr lvl="1"/>
+            <a:r>
+              <a:rPr lang="en-US" dirty="0"/>
+              <a:t>Cluster the original data to break the numbers into similar groups. (k-means, other…)</a:t>
+            </a:r>
+          </a:p>
+          <a:p>
+            <a:pPr lvl="1"/>
+            <a:r>
+              <a:rPr lang="en-US" dirty="0"/>
+              <a:t>Manually add a label – each group is similar, but we don’t know what it is a group of. </a:t>
+            </a:r>
+          </a:p>
+          <a:p>
+            <a:pPr lvl="1"/>
+            <a:r>
+              <a:rPr lang="en-US" dirty="0"/>
+              <a:t>Now you have labeled groups of digit images. </a:t>
+            </a:r>
+          </a:p>
+          <a:p>
+            <a:pPr lvl="1"/>
+            <a:r>
+              <a:rPr lang="en-US" dirty="0"/>
+              <a:t>Train 10 (or more) GMMs, one that ‘knows’ each number from the data used to train it. </a:t>
+            </a:r>
+          </a:p>
+          <a:p>
+            <a:pPr lvl="1"/>
+            <a:r>
+              <a:rPr lang="en-US" dirty="0"/>
+              <a:t>When asked for a printout, ask the right GMMs for a digit each, assemble. </a:t>
+            </a:r>
+          </a:p>
+          <a:p>
+            <a:r>
+              <a:rPr lang="en-US" dirty="0"/>
+              <a:t>Overall, the images tend to be OK at best, some improvements:</a:t>
+            </a:r>
+          </a:p>
+          <a:p>
+            <a:pPr lvl="1"/>
+            <a:r>
+              <a:rPr lang="en-US" dirty="0"/>
+              <a:t>Number of clusters can be &gt;10, to capture different digit variations. GMMs can as well. </a:t>
+            </a:r>
+          </a:p>
+          <a:p>
+            <a:pPr lvl="1"/>
+            <a:r>
+              <a:rPr lang="en-US" dirty="0"/>
+              <a:t>Some cleaning/processing (PCA, feature selection, etc..) may help, requires much tuning. </a:t>
+            </a:r>
+          </a:p>
+        </p:txBody>
+      </p:sp>
+    </p:spTree>
+    <p:extLst>
+      <p:ext uri="{BB962C8B-B14F-4D97-AF65-F5344CB8AC3E}">
+        <p14:creationId xmlns:p14="http://schemas.microsoft.com/office/powerpoint/2010/main" val="136210750"/>
+      </p:ext>
+    </p:extLst>
+  </p:cSld>
+  <p:clrMapOvr>
+    <a:masterClrMapping/>
+  </p:clrMapOvr>
+</p:sld>
+</file>
+
+<file path=ppt/slides/slide20.xml><?xml version="1.0" encoding="utf-8"?>
 <p:sld xmlns:a="http://schemas.openxmlformats.org/drawingml/2006/main" xmlns:r="http://schemas.openxmlformats.org/officeDocument/2006/relationships" xmlns:p="http://schemas.openxmlformats.org/presentationml/2006/main">
   <p:cSld>
     <p:bg>
@@ -5504,7 +5977,7 @@
 </p:sld>
 </file>
 
-<file path=ppt/slides/slide19.xml><?xml version="1.0" encoding="utf-8"?>
+<file path=ppt/slides/slide21.xml><?xml version="1.0" encoding="utf-8"?>
 <p:sld xmlns:a="http://schemas.openxmlformats.org/drawingml/2006/main" xmlns:r="http://schemas.openxmlformats.org/officeDocument/2006/relationships" xmlns:p="http://schemas.openxmlformats.org/presentationml/2006/main">
   <p:cSld>
     <p:spTree>
@@ -5631,436 +6104,6 @@
 </p:sld>
 </file>
 
-<file path=ppt/slides/slide2.xml><?xml version="1.0" encoding="utf-8"?>
-<p:sld xmlns:a="http://schemas.openxmlformats.org/drawingml/2006/main" xmlns:r="http://schemas.openxmlformats.org/officeDocument/2006/relationships" xmlns:p="http://schemas.openxmlformats.org/presentationml/2006/main">
-  <p:cSld>
-    <p:spTree>
-      <p:nvGrpSpPr>
-        <p:cNvPr id="1" name=""/>
-        <p:cNvGrpSpPr/>
-        <p:nvPr/>
-      </p:nvGrpSpPr>
-      <p:grpSpPr>
-        <a:xfrm>
-          <a:off x="0" y="0"/>
-          <a:ext cx="0" cy="0"/>
-          <a:chOff x="0" y="0"/>
-          <a:chExt cx="0" cy="0"/>
-        </a:xfrm>
-      </p:grpSpPr>
-      <p:sp>
-        <p:nvSpPr>
-          <p:cNvPr id="2" name="Title 1">
-            <a:extLst>
-              <a:ext uri="{FF2B5EF4-FFF2-40B4-BE49-F238E27FC236}">
-                <a16:creationId xmlns:a16="http://schemas.microsoft.com/office/drawing/2014/main" id="{C23B2C87-4BE3-F68C-4EE7-7009E745ACA7}"/>
-              </a:ext>
-            </a:extLst>
-          </p:cNvPr>
-          <p:cNvSpPr>
-            <a:spLocks noGrp="1"/>
-          </p:cNvSpPr>
-          <p:nvPr>
-            <p:ph type="title"/>
-          </p:nvPr>
-        </p:nvSpPr>
-        <p:spPr/>
-        <p:txBody>
-          <a:bodyPr/>
-          <a:lstStyle/>
-          <a:p>
-            <a:r>
-              <a:rPr lang="en-US" dirty="0"/>
-              <a:t>Cluster Assignment</a:t>
-            </a:r>
-          </a:p>
-        </p:txBody>
-      </p:sp>
-      <p:sp>
-        <p:nvSpPr>
-          <p:cNvPr id="3" name="Content Placeholder 2">
-            <a:extLst>
-              <a:ext uri="{FF2B5EF4-FFF2-40B4-BE49-F238E27FC236}">
-                <a16:creationId xmlns:a16="http://schemas.microsoft.com/office/drawing/2014/main" id="{C027D62E-779C-86FC-A8CB-FC13358BCB50}"/>
-              </a:ext>
-            </a:extLst>
-          </p:cNvPr>
-          <p:cNvSpPr>
-            <a:spLocks noGrp="1"/>
-          </p:cNvSpPr>
-          <p:nvPr>
-            <p:ph idx="1"/>
-          </p:nvPr>
-        </p:nvSpPr>
-        <p:spPr>
-          <a:xfrm>
-            <a:off x="1451579" y="1853754"/>
-            <a:ext cx="9603275" cy="4199727"/>
-          </a:xfrm>
-        </p:spPr>
-        <p:txBody>
-          <a:bodyPr/>
-          <a:lstStyle/>
-          <a:p>
-            <a:r>
-              <a:rPr lang="en-US" dirty="0"/>
-              <a:t>Common issues:</a:t>
-            </a:r>
-          </a:p>
-          <a:p>
-            <a:pPr lvl="1"/>
-            <a:r>
-              <a:rPr lang="en-US" dirty="0"/>
-              <a:t>Assorted mix-ups applying labels to clusters. </a:t>
-            </a:r>
-          </a:p>
-          <a:p>
-            <a:pPr lvl="1"/>
-            <a:r>
-              <a:rPr lang="en-US" dirty="0"/>
-              <a:t>Training GMM timing</a:t>
-            </a:r>
-            <a:r>
-              <a:rPr lang="en-US"/>
-              <a:t>/location. </a:t>
-            </a:r>
-            <a:endParaRPr lang="en-US" dirty="0"/>
-          </a:p>
-          <a:p>
-            <a:r>
-              <a:rPr lang="en-US" dirty="0"/>
-              <a:t>Adding labeling:</a:t>
-            </a:r>
-          </a:p>
-          <a:p>
-            <a:pPr lvl="1"/>
-            <a:r>
-              <a:rPr lang="en-US" dirty="0"/>
-              <a:t>This feels weird to lots of people, but it isn’t really all that rare. (LLMs and gen models). </a:t>
-            </a:r>
-          </a:p>
-          <a:p>
-            <a:pPr lvl="1"/>
-            <a:r>
-              <a:rPr lang="en-US" dirty="0"/>
-              <a:t>The clusters are able to be ‘pure’ on their own, but we need to add the label info ourselves. </a:t>
-            </a:r>
-          </a:p>
-          <a:p>
-            <a:pPr lvl="1"/>
-            <a:r>
-              <a:rPr lang="en-US" dirty="0"/>
-              <a:t>This could be supplemented by other models – e.g. manually label enough, then use classifier.</a:t>
-            </a:r>
-          </a:p>
-        </p:txBody>
-      </p:sp>
-    </p:spTree>
-    <p:extLst>
-      <p:ext uri="{BB962C8B-B14F-4D97-AF65-F5344CB8AC3E}">
-        <p14:creationId xmlns:p14="http://schemas.microsoft.com/office/powerpoint/2010/main" val="885412947"/>
-      </p:ext>
-    </p:extLst>
-  </p:cSld>
-  <p:clrMapOvr>
-    <a:masterClrMapping/>
-  </p:clrMapOvr>
-</p:sld>
-</file>
-
-<file path=ppt/slides/slide20.xml><?xml version="1.0" encoding="utf-8"?>
-<p:sld xmlns:a="http://schemas.openxmlformats.org/drawingml/2006/main" xmlns:r="http://schemas.openxmlformats.org/officeDocument/2006/relationships" xmlns:p="http://schemas.openxmlformats.org/presentationml/2006/main">
-  <p:cSld>
-    <p:spTree>
-      <p:nvGrpSpPr>
-        <p:cNvPr id="1" name=""/>
-        <p:cNvGrpSpPr/>
-        <p:nvPr/>
-      </p:nvGrpSpPr>
-      <p:grpSpPr>
-        <a:xfrm>
-          <a:off x="0" y="0"/>
-          <a:ext cx="0" cy="0"/>
-          <a:chOff x="0" y="0"/>
-          <a:chExt cx="0" cy="0"/>
-        </a:xfrm>
-      </p:grpSpPr>
-      <p:sp>
-        <p:nvSpPr>
-          <p:cNvPr id="2" name="Title 1">
-            <a:extLst>
-              <a:ext uri="{FF2B5EF4-FFF2-40B4-BE49-F238E27FC236}">
-                <a16:creationId xmlns:a16="http://schemas.microsoft.com/office/drawing/2014/main" id="{8AB3D8A8-1279-C44F-AB18-28BCD74E016C}"/>
-              </a:ext>
-            </a:extLst>
-          </p:cNvPr>
-          <p:cNvSpPr>
-            <a:spLocks noGrp="1"/>
-          </p:cNvSpPr>
-          <p:nvPr>
-            <p:ph type="title"/>
-          </p:nvPr>
-        </p:nvSpPr>
-        <p:spPr/>
-        <p:txBody>
-          <a:bodyPr/>
-          <a:lstStyle/>
-          <a:p>
-            <a:r>
-              <a:rPr lang="en-US" dirty="0"/>
-              <a:t>Initialization </a:t>
-            </a:r>
-          </a:p>
-        </p:txBody>
-      </p:sp>
-      <p:sp>
-        <p:nvSpPr>
-          <p:cNvPr id="3" name="Content Placeholder 2">
-            <a:extLst>
-              <a:ext uri="{FF2B5EF4-FFF2-40B4-BE49-F238E27FC236}">
-                <a16:creationId xmlns:a16="http://schemas.microsoft.com/office/drawing/2014/main" id="{E6932690-B733-C245-A962-ECCC4BCA3B54}"/>
-              </a:ext>
-            </a:extLst>
-          </p:cNvPr>
-          <p:cNvSpPr>
-            <a:spLocks noGrp="1"/>
-          </p:cNvSpPr>
-          <p:nvPr>
-            <p:ph idx="1"/>
-          </p:nvPr>
-        </p:nvSpPr>
-        <p:spPr>
-          <a:xfrm>
-            <a:off x="1451579" y="2015732"/>
-            <a:ext cx="9603275" cy="4037749"/>
-          </a:xfrm>
-        </p:spPr>
-        <p:txBody>
-          <a:bodyPr/>
-          <a:lstStyle/>
-          <a:p>
-            <a:r>
-              <a:rPr lang="en-US" dirty="0"/>
-              <a:t>Initialization controls how the weight and bias values start. </a:t>
-            </a:r>
-          </a:p>
-          <a:p>
-            <a:r>
-              <a:rPr lang="en-US" dirty="0"/>
-              <a:t>Can be controlled via a parameter for each layer:</a:t>
-            </a:r>
-          </a:p>
-          <a:p>
-            <a:pPr lvl="1"/>
-            <a:r>
-              <a:rPr lang="en-US" dirty="0"/>
-              <a:t>Weight initialization is by default is “</a:t>
-            </a:r>
-            <a:r>
-              <a:rPr lang="en-US" dirty="0" err="1"/>
-              <a:t>glorot_uniform</a:t>
-            </a:r>
-            <a:r>
-              <a:rPr lang="en-US" dirty="0"/>
-              <a:t>” – a variety of random. </a:t>
-            </a:r>
-          </a:p>
-          <a:p>
-            <a:pPr lvl="1"/>
-            <a:r>
-              <a:rPr lang="en-US" dirty="0"/>
-              <a:t>Bias initialization defaults to 0. </a:t>
-            </a:r>
-          </a:p>
-          <a:p>
-            <a:pPr lvl="1"/>
-            <a:r>
-              <a:rPr lang="en-US" dirty="0"/>
-              <a:t>We won’t delve into the details of initialization much – lots of math, not practical. </a:t>
-            </a:r>
-          </a:p>
-          <a:p>
-            <a:r>
-              <a:rPr lang="en-US" dirty="0"/>
-              <a:t>Imbalanced data – the data has a “bias” to start with. </a:t>
-            </a:r>
-          </a:p>
-          <a:p>
-            <a:pPr lvl="1"/>
-            <a:r>
-              <a:rPr lang="en-US" dirty="0"/>
-              <a:t>Set bias on output layer to the bias in the data. </a:t>
-            </a:r>
-          </a:p>
-          <a:p>
-            <a:pPr lvl="1"/>
-            <a:r>
-              <a:rPr lang="en-US" dirty="0"/>
-              <a:t>Network doesn’t need to learn the massive shift in bias. </a:t>
-            </a:r>
-          </a:p>
-          <a:p>
-            <a:pPr lvl="1"/>
-            <a:r>
-              <a:rPr lang="en-US" dirty="0"/>
-              <a:t>Faster convergence and more accuracy. </a:t>
-            </a:r>
-          </a:p>
-          <a:p>
-            <a:endParaRPr lang="en-US" dirty="0"/>
-          </a:p>
-        </p:txBody>
-      </p:sp>
-    </p:spTree>
-    <p:extLst>
-      <p:ext uri="{BB962C8B-B14F-4D97-AF65-F5344CB8AC3E}">
-        <p14:creationId xmlns:p14="http://schemas.microsoft.com/office/powerpoint/2010/main" val="2996444863"/>
-      </p:ext>
-    </p:extLst>
-  </p:cSld>
-  <p:clrMapOvr>
-    <a:masterClrMapping/>
-  </p:clrMapOvr>
-</p:sld>
-</file>
-
-<file path=ppt/slides/slide21.xml><?xml version="1.0" encoding="utf-8"?>
-<p:sld xmlns:a="http://schemas.openxmlformats.org/drawingml/2006/main" xmlns:r="http://schemas.openxmlformats.org/officeDocument/2006/relationships" xmlns:p="http://schemas.openxmlformats.org/presentationml/2006/main">
-  <p:cSld>
-    <p:spTree>
-      <p:nvGrpSpPr>
-        <p:cNvPr id="1" name=""/>
-        <p:cNvGrpSpPr/>
-        <p:nvPr/>
-      </p:nvGrpSpPr>
-      <p:grpSpPr>
-        <a:xfrm>
-          <a:off x="0" y="0"/>
-          <a:ext cx="0" cy="0"/>
-          <a:chOff x="0" y="0"/>
-          <a:chExt cx="0" cy="0"/>
-        </a:xfrm>
-      </p:grpSpPr>
-      <p:sp>
-        <p:nvSpPr>
-          <p:cNvPr id="2" name="Title 1">
-            <a:extLst>
-              <a:ext uri="{FF2B5EF4-FFF2-40B4-BE49-F238E27FC236}">
-                <a16:creationId xmlns:a16="http://schemas.microsoft.com/office/drawing/2014/main" id="{EAF056FD-E697-5353-97FE-84FF67ABB289}"/>
-              </a:ext>
-            </a:extLst>
-          </p:cNvPr>
-          <p:cNvSpPr>
-            <a:spLocks noGrp="1"/>
-          </p:cNvSpPr>
-          <p:nvPr>
-            <p:ph type="title"/>
-          </p:nvPr>
-        </p:nvSpPr>
-        <p:spPr/>
-        <p:txBody>
-          <a:bodyPr/>
-          <a:lstStyle/>
-          <a:p>
-            <a:r>
-              <a:rPr lang="en-US" dirty="0"/>
-              <a:t>Other Tuning - Optimization</a:t>
-            </a:r>
-          </a:p>
-        </p:txBody>
-      </p:sp>
-      <p:sp>
-        <p:nvSpPr>
-          <p:cNvPr id="3" name="Content Placeholder 2">
-            <a:extLst>
-              <a:ext uri="{FF2B5EF4-FFF2-40B4-BE49-F238E27FC236}">
-                <a16:creationId xmlns:a16="http://schemas.microsoft.com/office/drawing/2014/main" id="{F044C5EC-E837-8A77-86C7-0C127E9A7BD8}"/>
-              </a:ext>
-            </a:extLst>
-          </p:cNvPr>
-          <p:cNvSpPr>
-            <a:spLocks noGrp="1"/>
-          </p:cNvSpPr>
-          <p:nvPr>
-            <p:ph idx="1"/>
-          </p:nvPr>
-        </p:nvSpPr>
-        <p:spPr>
-          <a:xfrm>
-            <a:off x="1451579" y="1853754"/>
-            <a:ext cx="9603275" cy="4199727"/>
-          </a:xfrm>
-        </p:spPr>
-        <p:txBody>
-          <a:bodyPr/>
-          <a:lstStyle/>
-          <a:p>
-            <a:r>
-              <a:rPr lang="en-US" dirty="0"/>
-              <a:t>There are a huge number of things that can be changed to tune a neural network model. </a:t>
-            </a:r>
-          </a:p>
-          <a:p>
-            <a:r>
-              <a:rPr lang="en-US" dirty="0"/>
-              <a:t>We are focusing mainly on the ‘structure’ type of things. </a:t>
-            </a:r>
-          </a:p>
-          <a:p>
-            <a:pPr lvl="1"/>
-            <a:r>
-              <a:rPr lang="en-US" dirty="0"/>
-              <a:t>Network size, layers, type, hyperparameters, regularizing (and similar) layers like normalization.</a:t>
-            </a:r>
-          </a:p>
-          <a:p>
-            <a:r>
-              <a:rPr lang="en-US" dirty="0"/>
-              <a:t>We are not really focusing on the optimization part - loss/gradient descent specific things. </a:t>
-            </a:r>
-          </a:p>
-          <a:p>
-            <a:pPr lvl="1"/>
-            <a:r>
-              <a:rPr lang="en-US" dirty="0"/>
-              <a:t>Learning rates, momentum, optimizers. </a:t>
-            </a:r>
-          </a:p>
-          <a:p>
-            <a:pPr lvl="1"/>
-            <a:r>
-              <a:rPr lang="en-US" dirty="0"/>
-              <a:t>This matters, but is more theoretical in theory, and scenario dependent in practice. </a:t>
-            </a:r>
-          </a:p>
-          <a:p>
-            <a:pPr lvl="1"/>
-            <a:r>
-              <a:rPr lang="en-US" dirty="0"/>
-              <a:t>Optimization is critical as problems get larger – converging quickly, or at all, can be hard. </a:t>
-            </a:r>
-          </a:p>
-          <a:p>
-            <a:r>
-              <a:rPr lang="en-US" dirty="0"/>
-              <a:t>For our usage, we can try other optimization options, but we’ll mostly ignore it. </a:t>
-            </a:r>
-          </a:p>
-        </p:txBody>
-      </p:sp>
-    </p:spTree>
-    <p:extLst>
-      <p:ext uri="{BB962C8B-B14F-4D97-AF65-F5344CB8AC3E}">
-        <p14:creationId xmlns:p14="http://schemas.microsoft.com/office/powerpoint/2010/main" val="1149088017"/>
-      </p:ext>
-    </p:extLst>
-  </p:cSld>
-  <p:clrMapOvr>
-    <a:masterClrMapping/>
-  </p:clrMapOvr>
-</p:sld>
-</file>
-
 <file path=ppt/slides/slide22.xml><?xml version="1.0" encoding="utf-8"?>
 <p:sld xmlns:a="http://schemas.openxmlformats.org/drawingml/2006/main" xmlns:r="http://schemas.openxmlformats.org/officeDocument/2006/relationships" xmlns:p="http://schemas.openxmlformats.org/presentationml/2006/main">
   <p:cSld>
@@ -6083,7 +6126,7 @@
           <p:cNvPr id="2" name="Title 1">
             <a:extLst>
               <a:ext uri="{FF2B5EF4-FFF2-40B4-BE49-F238E27FC236}">
-                <a16:creationId xmlns:a16="http://schemas.microsoft.com/office/drawing/2014/main" id="{CBCB9964-3340-F14A-ACF7-EC8ED9BC8A5E}"/>
+                <a16:creationId xmlns:a16="http://schemas.microsoft.com/office/drawing/2014/main" id="{8AB3D8A8-1279-C44F-AB18-28BCD74E016C}"/>
               </a:ext>
             </a:extLst>
           </p:cNvPr>
@@ -6101,7 +6144,7 @@
           <a:p>
             <a:r>
               <a:rPr lang="en-US" dirty="0"/>
-              <a:t>Pruning</a:t>
+              <a:t>Initialization </a:t>
             </a:r>
           </a:p>
         </p:txBody>
@@ -6111,7 +6154,7 @@
           <p:cNvPr id="3" name="Content Placeholder 2">
             <a:extLst>
               <a:ext uri="{FF2B5EF4-FFF2-40B4-BE49-F238E27FC236}">
-                <a16:creationId xmlns:a16="http://schemas.microsoft.com/office/drawing/2014/main" id="{45B0AA7B-21C6-0E42-874B-B074C1D1E3E9}"/>
+                <a16:creationId xmlns:a16="http://schemas.microsoft.com/office/drawing/2014/main" id="{E6932690-B733-C245-A962-ECCC4BCA3B54}"/>
               </a:ext>
             </a:extLst>
           </p:cNvPr>
@@ -6125,86 +6168,89 @@
         <p:spPr>
           <a:xfrm>
             <a:off x="1451579" y="2015732"/>
-            <a:ext cx="9603275" cy="4105935"/>
+            <a:ext cx="9603275" cy="4037749"/>
           </a:xfrm>
         </p:spPr>
         <p:txBody>
-          <a:bodyPr>
-            <a:normAutofit lnSpcReduction="10000"/>
-          </a:bodyPr>
-          <a:lstStyle/>
-          <a:p>
-            <a:r>
-              <a:rPr lang="en-US" dirty="0"/>
-              <a:t>Neural networks can get very large!</a:t>
-            </a:r>
-          </a:p>
-          <a:p>
-            <a:r>
-              <a:rPr lang="en-US" dirty="0"/>
-              <a:t>Like a tree, a trained network may contain parts that aren’t super critical in making predictions. </a:t>
-            </a:r>
-          </a:p>
-          <a:p>
-            <a:pPr lvl="1"/>
-            <a:r>
-              <a:rPr lang="en-US" dirty="0"/>
-              <a:t>As an example, think of “dying </a:t>
+          <a:bodyPr/>
+          <a:lstStyle/>
+          <a:p>
+            <a:r>
+              <a:rPr lang="en-US" dirty="0"/>
+              <a:t>Initialization controls how the weight and bias values start. </a:t>
+            </a:r>
+          </a:p>
+          <a:p>
+            <a:r>
+              <a:rPr lang="en-US" dirty="0"/>
+              <a:t>Can be controlled via a parameter for each layer:</a:t>
+            </a:r>
+          </a:p>
+          <a:p>
+            <a:pPr lvl="1"/>
+            <a:r>
+              <a:rPr lang="en-US" dirty="0"/>
+              <a:t>Weight initialization is by default is “</a:t>
             </a:r>
             <a:r>
               <a:rPr lang="en-US" dirty="0" err="1"/>
-              <a:t>relu</a:t>
-            </a:r>
-            <a:r>
-              <a:rPr lang="en-US" dirty="0"/>
-              <a:t>” neurons. </a:t>
-            </a:r>
-          </a:p>
-          <a:p>
-            <a:r>
-              <a:rPr lang="en-US" dirty="0"/>
-              <a:t>Pruning can trim a network back by making it more sparse. </a:t>
-            </a:r>
-          </a:p>
-          <a:p>
-            <a:r>
-              <a:rPr lang="en-US" dirty="0"/>
-              <a:t>Can potentially improve generalization – just as tree pruning does. </a:t>
-            </a:r>
-          </a:p>
-          <a:p>
-            <a:r>
-              <a:rPr lang="en-US" dirty="0"/>
-              <a:t>Allows networks to be used for prediction with fewer computations. </a:t>
-            </a:r>
-          </a:p>
-          <a:p>
-            <a:pPr lvl="1"/>
-            <a:r>
-              <a:rPr lang="en-US" dirty="0"/>
-              <a:t>Predictions on a computer: one forward propagation, relatively simple. </a:t>
-            </a:r>
-          </a:p>
-          <a:p>
-            <a:pPr lvl="1"/>
-            <a:r>
-              <a:rPr lang="en-US" dirty="0"/>
-              <a:t>Predictions on a phone/raspberry pi/Roomba/drone, can be challenging. </a:t>
-            </a:r>
-          </a:p>
-          <a:p>
-            <a:pPr lvl="1"/>
-            <a:r>
-              <a:rPr lang="en-US" dirty="0"/>
-              <a:t>Pruned models require less processing and less memory, can be used on more devices. </a:t>
-            </a:r>
+              <a:t>glorot_uniform</a:t>
+            </a:r>
+            <a:r>
+              <a:rPr lang="en-US" dirty="0"/>
+              <a:t>” – a variety of random. </a:t>
+            </a:r>
+          </a:p>
+          <a:p>
+            <a:pPr lvl="1"/>
+            <a:r>
+              <a:rPr lang="en-US" dirty="0"/>
+              <a:t>Bias initialization defaults to 0. </a:t>
+            </a:r>
+          </a:p>
+          <a:p>
+            <a:pPr lvl="1"/>
+            <a:r>
+              <a:rPr lang="en-US" dirty="0"/>
+              <a:t>We won’t delve into the details of initialization much – lots of math, not practical. </a:t>
+            </a:r>
+          </a:p>
+          <a:p>
+            <a:r>
+              <a:rPr lang="en-US" dirty="0"/>
+              <a:t>Imbalanced data – the data has a “bias” to start with. </a:t>
+            </a:r>
+          </a:p>
+          <a:p>
+            <a:pPr lvl="1"/>
+            <a:r>
+              <a:rPr lang="en-US" dirty="0"/>
+              <a:t>Set bias on output layer to the bias in the data. </a:t>
+            </a:r>
+          </a:p>
+          <a:p>
+            <a:pPr lvl="1"/>
+            <a:r>
+              <a:rPr lang="en-US" dirty="0"/>
+              <a:t>Network doesn’t need to learn the massive shift in bias. </a:t>
+            </a:r>
+          </a:p>
+          <a:p>
+            <a:pPr lvl="1"/>
+            <a:r>
+              <a:rPr lang="en-US" dirty="0"/>
+              <a:t>Faster convergence and more accuracy. </a:t>
+            </a:r>
+          </a:p>
+          <a:p>
+            <a:endParaRPr lang="en-US" dirty="0"/>
           </a:p>
         </p:txBody>
       </p:sp>
     </p:spTree>
     <p:extLst>
       <p:ext uri="{BB962C8B-B14F-4D97-AF65-F5344CB8AC3E}">
-        <p14:creationId xmlns:p14="http://schemas.microsoft.com/office/powerpoint/2010/main" val="1773265296"/>
+        <p14:creationId xmlns:p14="http://schemas.microsoft.com/office/powerpoint/2010/main" val="2996444863"/>
       </p:ext>
     </p:extLst>
   </p:cSld>
@@ -6236,6 +6282,296 @@
           <p:cNvPr id="2" name="Title 1">
             <a:extLst>
               <a:ext uri="{FF2B5EF4-FFF2-40B4-BE49-F238E27FC236}">
+                <a16:creationId xmlns:a16="http://schemas.microsoft.com/office/drawing/2014/main" id="{EAF056FD-E697-5353-97FE-84FF67ABB289}"/>
+              </a:ext>
+            </a:extLst>
+          </p:cNvPr>
+          <p:cNvSpPr>
+            <a:spLocks noGrp="1"/>
+          </p:cNvSpPr>
+          <p:nvPr>
+            <p:ph type="title"/>
+          </p:nvPr>
+        </p:nvSpPr>
+        <p:spPr/>
+        <p:txBody>
+          <a:bodyPr/>
+          <a:lstStyle/>
+          <a:p>
+            <a:r>
+              <a:rPr lang="en-US" dirty="0"/>
+              <a:t>Other Tuning - Optimization</a:t>
+            </a:r>
+          </a:p>
+        </p:txBody>
+      </p:sp>
+      <p:sp>
+        <p:nvSpPr>
+          <p:cNvPr id="3" name="Content Placeholder 2">
+            <a:extLst>
+              <a:ext uri="{FF2B5EF4-FFF2-40B4-BE49-F238E27FC236}">
+                <a16:creationId xmlns:a16="http://schemas.microsoft.com/office/drawing/2014/main" id="{F044C5EC-E837-8A77-86C7-0C127E9A7BD8}"/>
+              </a:ext>
+            </a:extLst>
+          </p:cNvPr>
+          <p:cNvSpPr>
+            <a:spLocks noGrp="1"/>
+          </p:cNvSpPr>
+          <p:nvPr>
+            <p:ph idx="1"/>
+          </p:nvPr>
+        </p:nvSpPr>
+        <p:spPr>
+          <a:xfrm>
+            <a:off x="1451579" y="1853754"/>
+            <a:ext cx="9603275" cy="4199727"/>
+          </a:xfrm>
+        </p:spPr>
+        <p:txBody>
+          <a:bodyPr/>
+          <a:lstStyle/>
+          <a:p>
+            <a:r>
+              <a:rPr lang="en-US" dirty="0"/>
+              <a:t>There are a huge number of things that can be changed to tune a neural network model. </a:t>
+            </a:r>
+          </a:p>
+          <a:p>
+            <a:r>
+              <a:rPr lang="en-US" dirty="0"/>
+              <a:t>We are focusing mainly on the ‘structure’ type of things. </a:t>
+            </a:r>
+          </a:p>
+          <a:p>
+            <a:pPr lvl="1"/>
+            <a:r>
+              <a:rPr lang="en-US" dirty="0"/>
+              <a:t>Network size, layers, type, hyperparameters, regularizing (and similar) layers like normalization.</a:t>
+            </a:r>
+          </a:p>
+          <a:p>
+            <a:r>
+              <a:rPr lang="en-US" dirty="0"/>
+              <a:t>We are not really focusing on the optimization part - loss/gradient descent specific things. </a:t>
+            </a:r>
+          </a:p>
+          <a:p>
+            <a:pPr lvl="1"/>
+            <a:r>
+              <a:rPr lang="en-US" dirty="0"/>
+              <a:t>Learning rates, momentum, optimizers. </a:t>
+            </a:r>
+          </a:p>
+          <a:p>
+            <a:pPr lvl="1"/>
+            <a:r>
+              <a:rPr lang="en-US" dirty="0"/>
+              <a:t>This matters, but is more theoretical in theory, and scenario dependent in practice. </a:t>
+            </a:r>
+          </a:p>
+          <a:p>
+            <a:pPr lvl="1"/>
+            <a:r>
+              <a:rPr lang="en-US" dirty="0"/>
+              <a:t>Optimization is critical as problems get larger – converging quickly, or at all, can be hard. </a:t>
+            </a:r>
+          </a:p>
+          <a:p>
+            <a:r>
+              <a:rPr lang="en-US" dirty="0"/>
+              <a:t>For our usage, we can try other optimization options, but we’ll mostly ignore it. </a:t>
+            </a:r>
+          </a:p>
+        </p:txBody>
+      </p:sp>
+    </p:spTree>
+    <p:extLst>
+      <p:ext uri="{BB962C8B-B14F-4D97-AF65-F5344CB8AC3E}">
+        <p14:creationId xmlns:p14="http://schemas.microsoft.com/office/powerpoint/2010/main" val="1149088017"/>
+      </p:ext>
+    </p:extLst>
+  </p:cSld>
+  <p:clrMapOvr>
+    <a:masterClrMapping/>
+  </p:clrMapOvr>
+</p:sld>
+</file>
+
+<file path=ppt/slides/slide24.xml><?xml version="1.0" encoding="utf-8"?>
+<p:sld xmlns:a="http://schemas.openxmlformats.org/drawingml/2006/main" xmlns:r="http://schemas.openxmlformats.org/officeDocument/2006/relationships" xmlns:p="http://schemas.openxmlformats.org/presentationml/2006/main" show="0">
+  <p:cSld>
+    <p:spTree>
+      <p:nvGrpSpPr>
+        <p:cNvPr id="1" name=""/>
+        <p:cNvGrpSpPr/>
+        <p:nvPr/>
+      </p:nvGrpSpPr>
+      <p:grpSpPr>
+        <a:xfrm>
+          <a:off x="0" y="0"/>
+          <a:ext cx="0" cy="0"/>
+          <a:chOff x="0" y="0"/>
+          <a:chExt cx="0" cy="0"/>
+        </a:xfrm>
+      </p:grpSpPr>
+      <p:sp>
+        <p:nvSpPr>
+          <p:cNvPr id="2" name="Title 1">
+            <a:extLst>
+              <a:ext uri="{FF2B5EF4-FFF2-40B4-BE49-F238E27FC236}">
+                <a16:creationId xmlns:a16="http://schemas.microsoft.com/office/drawing/2014/main" id="{CBCB9964-3340-F14A-ACF7-EC8ED9BC8A5E}"/>
+              </a:ext>
+            </a:extLst>
+          </p:cNvPr>
+          <p:cNvSpPr>
+            <a:spLocks noGrp="1"/>
+          </p:cNvSpPr>
+          <p:nvPr>
+            <p:ph type="title"/>
+          </p:nvPr>
+        </p:nvSpPr>
+        <p:spPr/>
+        <p:txBody>
+          <a:bodyPr/>
+          <a:lstStyle/>
+          <a:p>
+            <a:r>
+              <a:rPr lang="en-US" dirty="0"/>
+              <a:t>Pruning</a:t>
+            </a:r>
+          </a:p>
+        </p:txBody>
+      </p:sp>
+      <p:sp>
+        <p:nvSpPr>
+          <p:cNvPr id="3" name="Content Placeholder 2">
+            <a:extLst>
+              <a:ext uri="{FF2B5EF4-FFF2-40B4-BE49-F238E27FC236}">
+                <a16:creationId xmlns:a16="http://schemas.microsoft.com/office/drawing/2014/main" id="{45B0AA7B-21C6-0E42-874B-B074C1D1E3E9}"/>
+              </a:ext>
+            </a:extLst>
+          </p:cNvPr>
+          <p:cNvSpPr>
+            <a:spLocks noGrp="1"/>
+          </p:cNvSpPr>
+          <p:nvPr>
+            <p:ph idx="1"/>
+          </p:nvPr>
+        </p:nvSpPr>
+        <p:spPr>
+          <a:xfrm>
+            <a:off x="1451579" y="2015732"/>
+            <a:ext cx="9603275" cy="4105935"/>
+          </a:xfrm>
+        </p:spPr>
+        <p:txBody>
+          <a:bodyPr>
+            <a:normAutofit lnSpcReduction="10000"/>
+          </a:bodyPr>
+          <a:lstStyle/>
+          <a:p>
+            <a:r>
+              <a:rPr lang="en-US" dirty="0"/>
+              <a:t>Neural networks can get very large!</a:t>
+            </a:r>
+          </a:p>
+          <a:p>
+            <a:r>
+              <a:rPr lang="en-US" dirty="0"/>
+              <a:t>Like a tree, a trained network may contain parts that aren’t super critical in making predictions. </a:t>
+            </a:r>
+          </a:p>
+          <a:p>
+            <a:pPr lvl="1"/>
+            <a:r>
+              <a:rPr lang="en-US" dirty="0"/>
+              <a:t>As an example, think of “dying </a:t>
+            </a:r>
+            <a:r>
+              <a:rPr lang="en-US" dirty="0" err="1"/>
+              <a:t>relu</a:t>
+            </a:r>
+            <a:r>
+              <a:rPr lang="en-US" dirty="0"/>
+              <a:t>” neurons. </a:t>
+            </a:r>
+          </a:p>
+          <a:p>
+            <a:r>
+              <a:rPr lang="en-US" dirty="0"/>
+              <a:t>Pruning can trim a network back by making it more sparse. </a:t>
+            </a:r>
+          </a:p>
+          <a:p>
+            <a:r>
+              <a:rPr lang="en-US" dirty="0"/>
+              <a:t>Can potentially improve generalization – just as tree pruning does. </a:t>
+            </a:r>
+          </a:p>
+          <a:p>
+            <a:r>
+              <a:rPr lang="en-US" dirty="0"/>
+              <a:t>Allows networks to be used for prediction with fewer computations. </a:t>
+            </a:r>
+          </a:p>
+          <a:p>
+            <a:pPr lvl="1"/>
+            <a:r>
+              <a:rPr lang="en-US" dirty="0"/>
+              <a:t>Predictions on a computer: one forward propagation, relatively simple. </a:t>
+            </a:r>
+          </a:p>
+          <a:p>
+            <a:pPr lvl="1"/>
+            <a:r>
+              <a:rPr lang="en-US" dirty="0"/>
+              <a:t>Predictions on a phone/raspberry pi/Roomba/drone, can be challenging. </a:t>
+            </a:r>
+          </a:p>
+          <a:p>
+            <a:pPr lvl="1"/>
+            <a:r>
+              <a:rPr lang="en-US" dirty="0"/>
+              <a:t>Pruned models require less processing and less memory, can be used on more devices. </a:t>
+            </a:r>
+          </a:p>
+        </p:txBody>
+      </p:sp>
+    </p:spTree>
+    <p:extLst>
+      <p:ext uri="{BB962C8B-B14F-4D97-AF65-F5344CB8AC3E}">
+        <p14:creationId xmlns:p14="http://schemas.microsoft.com/office/powerpoint/2010/main" val="1773265296"/>
+      </p:ext>
+    </p:extLst>
+  </p:cSld>
+  <p:clrMapOvr>
+    <a:masterClrMapping/>
+  </p:clrMapOvr>
+</p:sld>
+</file>
+
+<file path=ppt/slides/slide25.xml><?xml version="1.0" encoding="utf-8"?>
+<p:sld xmlns:a="http://schemas.openxmlformats.org/drawingml/2006/main" xmlns:r="http://schemas.openxmlformats.org/officeDocument/2006/relationships" xmlns:p="http://schemas.openxmlformats.org/presentationml/2006/main">
+  <p:cSld>
+    <p:spTree>
+      <p:nvGrpSpPr>
+        <p:cNvPr id="1" name=""/>
+        <p:cNvGrpSpPr/>
+        <p:nvPr/>
+      </p:nvGrpSpPr>
+      <p:grpSpPr>
+        <a:xfrm>
+          <a:off x="0" y="0"/>
+          <a:ext cx="0" cy="0"/>
+          <a:chOff x="0" y="0"/>
+          <a:chExt cx="0" cy="0"/>
+        </a:xfrm>
+      </p:grpSpPr>
+      <p:sp>
+        <p:nvSpPr>
+          <p:cNvPr id="2" name="Title 1">
+            <a:extLst>
+              <a:ext uri="{FF2B5EF4-FFF2-40B4-BE49-F238E27FC236}">
                 <a16:creationId xmlns:a16="http://schemas.microsoft.com/office/drawing/2014/main" id="{00F11902-F058-D543-A654-EBFA8DD915C4}"/>
               </a:ext>
             </a:extLst>
@@ -6252,7 +6588,10 @@
           <a:bodyPr/>
           <a:lstStyle/>
           <a:p>
-            <a:endParaRPr lang="en-US" dirty="0"/>
+            <a:r>
+              <a:rPr lang="en-US" dirty="0"/>
+              <a:t>Conclusion</a:t>
+            </a:r>
           </a:p>
         </p:txBody>
       </p:sp>
@@ -6272,12 +6611,76 @@
             <p:ph idx="1"/>
           </p:nvPr>
         </p:nvSpPr>
-        <p:spPr/>
+        <p:spPr>
+          <a:xfrm>
+            <a:off x="1451579" y="1853754"/>
+            <a:ext cx="9603275" cy="4199727"/>
+          </a:xfrm>
+        </p:spPr>
         <p:txBody>
           <a:bodyPr/>
           <a:lstStyle/>
           <a:p>
-            <a:endParaRPr lang="en-US"/>
+            <a:r>
+              <a:rPr lang="en-US" dirty="0"/>
+              <a:t>There are many variables in making a good neural network model. </a:t>
+            </a:r>
+          </a:p>
+          <a:p>
+            <a:pPr lvl="1"/>
+            <a:r>
+              <a:rPr lang="en-US" dirty="0"/>
+              <a:t>Size – we need to make the model big enough to learn the data. </a:t>
+            </a:r>
+          </a:p>
+          <a:p>
+            <a:pPr lvl="1"/>
+            <a:r>
+              <a:rPr lang="en-US" dirty="0"/>
+              <a:t>Structure – different model structures may perform better (we’ll see this next, more). </a:t>
+            </a:r>
+          </a:p>
+          <a:p>
+            <a:pPr lvl="1"/>
+            <a:r>
+              <a:rPr lang="en-US" dirty="0"/>
+              <a:t>Regularization – L1/L2, dropout, batch normalization. </a:t>
+            </a:r>
+          </a:p>
+          <a:p>
+            <a:pPr lvl="1"/>
+            <a:r>
+              <a:rPr lang="en-US" dirty="0"/>
+              <a:t>Training Parameters – learning rate, optimizer, </a:t>
+            </a:r>
+            <a:r>
+              <a:rPr lang="en-US" dirty="0" err="1"/>
+              <a:t>etc</a:t>
+            </a:r>
+            <a:r>
+              <a:rPr lang="en-US" dirty="0"/>
+              <a:t>…</a:t>
+            </a:r>
+          </a:p>
+          <a:p>
+            <a:r>
+              <a:rPr lang="en-US" dirty="0"/>
+              <a:t>For us, we can settle on getting close, then letting things train. </a:t>
+            </a:r>
+          </a:p>
+          <a:p>
+            <a:pPr lvl="1"/>
+            <a:r>
+              <a:rPr lang="en-US" dirty="0"/>
+              <a:t>Real model tuning becomes impractical at a larger scale, we don’t need to obsess. </a:t>
+            </a:r>
+          </a:p>
+          <a:p>
+            <a:pPr lvl="1"/>
+            <a:r>
+              <a:rPr lang="en-US" dirty="0"/>
+              <a:t>There’s not one solution for what model will work. </a:t>
+            </a:r>
           </a:p>
         </p:txBody>
       </p:sp>
@@ -6316,7 +6719,7 @@
           <p:cNvPr id="2" name="Title 1">
             <a:extLst>
               <a:ext uri="{FF2B5EF4-FFF2-40B4-BE49-F238E27FC236}">
-                <a16:creationId xmlns:a16="http://schemas.microsoft.com/office/drawing/2014/main" id="{E68B6258-E5B7-46B2-B0C0-74D17CB32669}"/>
+                <a16:creationId xmlns:a16="http://schemas.microsoft.com/office/drawing/2014/main" id="{C23B2C87-4BE3-F68C-4EE7-7009E745ACA7}"/>
               </a:ext>
             </a:extLst>
           </p:cNvPr>
@@ -6324,42 +6727,27 @@
             <a:spLocks noGrp="1"/>
           </p:cNvSpPr>
           <p:nvPr>
-            <p:ph type="ctrTitle"/>
+            <p:ph type="title"/>
           </p:nvPr>
         </p:nvSpPr>
         <p:spPr/>
         <p:txBody>
-          <a:bodyPr>
-            <a:normAutofit fontScale="90000"/>
-          </a:bodyPr>
-          <a:lstStyle/>
-          <a:p>
-            <a:r>
-              <a:rPr lang="en-CA" dirty="0" err="1"/>
-              <a:t>Tensorflow</a:t>
-            </a:r>
-            <a:r>
-              <a:rPr lang="en-CA" dirty="0"/>
-              <a:t> and </a:t>
-            </a:r>
-            <a:r>
-              <a:rPr lang="en-CA" dirty="0" err="1"/>
-              <a:t>Keras</a:t>
-            </a:r>
-            <a:r>
-              <a:rPr lang="en-CA" dirty="0"/>
-              <a:t> Optimizations</a:t>
-            </a:r>
-            <a:endParaRPr lang="LID4096" dirty="0"/>
-          </a:p>
-        </p:txBody>
-      </p:sp>
-      <p:sp>
-        <p:nvSpPr>
-          <p:cNvPr id="3" name="Subtitle 2">
+          <a:bodyPr/>
+          <a:lstStyle/>
+          <a:p>
+            <a:r>
+              <a:rPr lang="en-US" dirty="0"/>
+              <a:t>Cluster Assignment</a:t>
+            </a:r>
+          </a:p>
+        </p:txBody>
+      </p:sp>
+      <p:sp>
+        <p:nvSpPr>
+          <p:cNvPr id="3" name="Content Placeholder 2">
             <a:extLst>
               <a:ext uri="{FF2B5EF4-FFF2-40B4-BE49-F238E27FC236}">
-                <a16:creationId xmlns:a16="http://schemas.microsoft.com/office/drawing/2014/main" id="{ABA17104-0772-4130-BC10-20A91C36DBC3}"/>
+                <a16:creationId xmlns:a16="http://schemas.microsoft.com/office/drawing/2014/main" id="{C027D62E-779C-86FC-A8CB-FC13358BCB50}"/>
               </a:ext>
             </a:extLst>
           </p:cNvPr>
@@ -6367,22 +6755,71 @@
             <a:spLocks noGrp="1"/>
           </p:cNvSpPr>
           <p:nvPr>
-            <p:ph type="subTitle" idx="1"/>
-          </p:nvPr>
-        </p:nvSpPr>
-        <p:spPr/>
+            <p:ph idx="1"/>
+          </p:nvPr>
+        </p:nvSpPr>
+        <p:spPr>
+          <a:xfrm>
+            <a:off x="1451579" y="1853754"/>
+            <a:ext cx="9603275" cy="4199727"/>
+          </a:xfrm>
+        </p:spPr>
         <p:txBody>
           <a:bodyPr/>
           <a:lstStyle/>
           <a:p>
-            <a:endParaRPr lang="LID4096"/>
+            <a:r>
+              <a:rPr lang="en-US" dirty="0"/>
+              <a:t>Common issues:</a:t>
+            </a:r>
+          </a:p>
+          <a:p>
+            <a:pPr lvl="1"/>
+            <a:r>
+              <a:rPr lang="en-US" dirty="0"/>
+              <a:t>Assorted mix-ups applying labels to clusters. </a:t>
+            </a:r>
+          </a:p>
+          <a:p>
+            <a:pPr lvl="1"/>
+            <a:r>
+              <a:rPr lang="en-US" dirty="0"/>
+              <a:t>Training GMM timing/location. </a:t>
+            </a:r>
+          </a:p>
+          <a:p>
+            <a:r>
+              <a:rPr lang="en-US" dirty="0"/>
+              <a:t>Adding labeling:</a:t>
+            </a:r>
+          </a:p>
+          <a:p>
+            <a:pPr lvl="1"/>
+            <a:r>
+              <a:rPr lang="en-US" dirty="0"/>
+              <a:t>This feels weird to lots of people, but it isn’t really all that rare. (LLMs and gen models). </a:t>
+            </a:r>
+          </a:p>
+          <a:p>
+            <a:pPr lvl="1"/>
+            <a:r>
+              <a:rPr lang="en-US" dirty="0"/>
+              <a:t>The clusters are able to be ‘pure’ on their own, but we need to add the label info ourselves. </a:t>
+            </a:r>
+          </a:p>
+          <a:p>
+            <a:pPr lvl="1"/>
+            <a:r>
+              <a:rPr lang="en-US" dirty="0"/>
+              <a:t>This could be supplemented by other models – e.g. manually label enough, then use classifier.</a:t>
+            </a:r>
           </a:p>
         </p:txBody>
       </p:sp>
     </p:spTree>
     <p:extLst>
       <p:ext uri="{BB962C8B-B14F-4D97-AF65-F5344CB8AC3E}">
-        <p14:creationId xmlns:p14="http://schemas.microsoft.com/office/powerpoint/2010/main" val="213059865"/>
+        <p14:creationId xmlns:p14="http://schemas.microsoft.com/office/powerpoint/2010/main" val="885412947"/>
       </p:ext>
     </p:extLst>
   </p:cSld>
@@ -6414,7 +6851,7 @@
           <p:cNvPr id="2" name="Title 1">
             <a:extLst>
               <a:ext uri="{FF2B5EF4-FFF2-40B4-BE49-F238E27FC236}">
-                <a16:creationId xmlns:a16="http://schemas.microsoft.com/office/drawing/2014/main" id="{2A2E4FFC-2F49-449F-85F4-087043D3C485}"/>
+                <a16:creationId xmlns:a16="http://schemas.microsoft.com/office/drawing/2014/main" id="{E68B6258-E5B7-46B2-B0C0-74D17CB32669}"/>
               </a:ext>
             </a:extLst>
           </p:cNvPr>
@@ -6422,17 +6859,31 @@
             <a:spLocks noGrp="1"/>
           </p:cNvSpPr>
           <p:nvPr>
-            <p:ph type="title"/>
+            <p:ph type="ctrTitle"/>
           </p:nvPr>
         </p:nvSpPr>
         <p:spPr/>
         <p:txBody>
-          <a:bodyPr/>
-          <a:lstStyle/>
-          <a:p>
+          <a:bodyPr>
+            <a:normAutofit fontScale="90000"/>
+          </a:bodyPr>
+          <a:lstStyle/>
+          <a:p>
+            <a:r>
+              <a:rPr lang="en-CA" dirty="0" err="1"/>
+              <a:t>Tensorflow</a:t>
+            </a:r>
             <a:r>
               <a:rPr lang="en-CA" dirty="0"/>
-              <a:t>Neural Network Configuration</a:t>
+              <a:t> and </a:t>
+            </a:r>
+            <a:r>
+              <a:rPr lang="en-CA" dirty="0" err="1"/>
+              <a:t>Keras</a:t>
+            </a:r>
+            <a:r>
+              <a:rPr lang="en-CA" dirty="0"/>
+              <a:t> Optimizations</a:t>
             </a:r>
             <a:endParaRPr lang="LID4096" dirty="0"/>
           </a:p>
@@ -6440,10 +6891,10 @@
       </p:sp>
       <p:sp>
         <p:nvSpPr>
-          <p:cNvPr id="3" name="Content Placeholder 2">
+          <p:cNvPr id="3" name="Subtitle 2">
             <a:extLst>
               <a:ext uri="{FF2B5EF4-FFF2-40B4-BE49-F238E27FC236}">
-                <a16:creationId xmlns:a16="http://schemas.microsoft.com/office/drawing/2014/main" id="{68DB43FE-383C-4ADB-B9D1-04FC825061A2}"/>
+                <a16:creationId xmlns:a16="http://schemas.microsoft.com/office/drawing/2014/main" id="{ABA17104-0772-4130-BC10-20A91C36DBC3}"/>
               </a:ext>
             </a:extLst>
           </p:cNvPr>
@@ -6451,7 +6902,7 @@
             <a:spLocks noGrp="1"/>
           </p:cNvSpPr>
           <p:nvPr>
-            <p:ph idx="1"/>
+            <p:ph type="subTitle" idx="1"/>
           </p:nvPr>
         </p:nvSpPr>
         <p:spPr/>
@@ -6459,49 +6910,14 @@
           <a:bodyPr/>
           <a:lstStyle/>
           <a:p>
-            <a:r>
-              <a:rPr lang="en-CA" dirty="0"/>
-              <a:t>We’ve seen that neural networks offer a large amount of flexibility in their configuration.</a:t>
-            </a:r>
-          </a:p>
-          <a:p>
-            <a:r>
-              <a:rPr lang="en-CA" dirty="0"/>
-              <a:t>How do we determine the optimal structure?</a:t>
-            </a:r>
-          </a:p>
-          <a:p>
-            <a:r>
-              <a:rPr lang="en-CA" dirty="0"/>
-              <a:t>Generally, the true answer is to grid search it. </a:t>
-            </a:r>
-          </a:p>
-          <a:p>
-            <a:r>
-              <a:rPr lang="en-CA" dirty="0"/>
-              <a:t>We can use some guidelines to get started in a reasonable and smart way. </a:t>
-            </a:r>
-          </a:p>
-          <a:p>
-            <a:endParaRPr lang="en-CA" dirty="0"/>
-          </a:p>
-          <a:p>
-            <a:r>
-              <a:rPr lang="en-CA" dirty="0"/>
-              <a:t>Excluded: Loss – we’ll look at losses </a:t>
-            </a:r>
-            <a:r>
-              <a:rPr lang="en-CA"/>
-              <a:t>more next week. </a:t>
-            </a:r>
-            <a:endParaRPr lang="LID4096" dirty="0"/>
+            <a:endParaRPr lang="LID4096"/>
           </a:p>
         </p:txBody>
       </p:sp>
     </p:spTree>
     <p:extLst>
       <p:ext uri="{BB962C8B-B14F-4D97-AF65-F5344CB8AC3E}">
-        <p14:creationId xmlns:p14="http://schemas.microsoft.com/office/powerpoint/2010/main" val="2495634073"/>
+        <p14:creationId xmlns:p14="http://schemas.microsoft.com/office/powerpoint/2010/main" val="213059865"/>
       </p:ext>
     </p:extLst>
   </p:cSld>
@@ -6533,7 +6949,7 @@
           <p:cNvPr id="2" name="Title 1">
             <a:extLst>
               <a:ext uri="{FF2B5EF4-FFF2-40B4-BE49-F238E27FC236}">
-                <a16:creationId xmlns:a16="http://schemas.microsoft.com/office/drawing/2014/main" id="{E42CF152-59D1-43C2-9435-C78A5207614E}"/>
+                <a16:creationId xmlns:a16="http://schemas.microsoft.com/office/drawing/2014/main" id="{2A2E4FFC-2F49-449F-85F4-087043D3C485}"/>
               </a:ext>
             </a:extLst>
           </p:cNvPr>
@@ -6551,7 +6967,7 @@
           <a:p>
             <a:r>
               <a:rPr lang="en-CA" dirty="0"/>
-              <a:t>Network Size</a:t>
+              <a:t>Neural Network Configuration</a:t>
             </a:r>
             <a:endParaRPr lang="LID4096" dirty="0"/>
           </a:p>
@@ -6562,7 +6978,7 @@
           <p:cNvPr id="3" name="Content Placeholder 2">
             <a:extLst>
               <a:ext uri="{FF2B5EF4-FFF2-40B4-BE49-F238E27FC236}">
-                <a16:creationId xmlns:a16="http://schemas.microsoft.com/office/drawing/2014/main" id="{22A90C32-B7B4-4D00-AA34-E379414D8F75}"/>
+                <a16:creationId xmlns:a16="http://schemas.microsoft.com/office/drawing/2014/main" id="{68DB43FE-383C-4ADB-B9D1-04FC825061A2}"/>
               </a:ext>
             </a:extLst>
           </p:cNvPr>
@@ -6573,55 +6989,69 @@
             <p:ph idx="1"/>
           </p:nvPr>
         </p:nvSpPr>
-        <p:spPr/>
+        <p:spPr>
+          <a:xfrm>
+            <a:off x="1451579" y="2015732"/>
+            <a:ext cx="9603275" cy="4037749"/>
+          </a:xfrm>
+        </p:spPr>
         <p:txBody>
           <a:bodyPr/>
           <a:lstStyle/>
           <a:p>
             <a:r>
               <a:rPr lang="en-CA" dirty="0"/>
-              <a:t>The first thing to look at is the network size, or capacity.</a:t>
+              <a:t>We’ve seen that neural networks offer a large amount of flexibility in their configuration.</a:t>
             </a:r>
           </a:p>
           <a:p>
             <a:r>
               <a:rPr lang="en-CA" dirty="0"/>
-              <a:t>The more neurons a network had, the higher the capacity. </a:t>
+              <a:t>How do we determine the optimal structure?</a:t>
             </a:r>
           </a:p>
           <a:p>
             <a:r>
               <a:rPr lang="en-CA" dirty="0"/>
-              <a:t>In general, larger networks need larger amounts of data, to find more complex relationships.  </a:t>
+              <a:t>Generally, the true answer is to grid search it. </a:t>
             </a:r>
           </a:p>
           <a:p>
             <a:r>
               <a:rPr lang="en-CA" dirty="0"/>
-              <a:t>We can examine the two metrics of size:</a:t>
-            </a:r>
-          </a:p>
-          <a:p>
-            <a:pPr lvl="1"/>
+              <a:t>We can use some guidelines to get started in a reasonable and smart way. </a:t>
+            </a:r>
+          </a:p>
+          <a:p>
+            <a:endParaRPr lang="en-CA" dirty="0"/>
+          </a:p>
+          <a:p>
             <a:r>
               <a:rPr lang="en-CA" dirty="0"/>
-              <a:t>Neurons per layer (width)</a:t>
-            </a:r>
-          </a:p>
-          <a:p>
-            <a:pPr lvl="1"/>
+              <a:t>This is largely getting used to </a:t>
+            </a:r>
+            <a:r>
+              <a:rPr lang="en-CA" dirty="0" err="1"/>
+              <a:t>keras</a:t>
+            </a:r>
             <a:r>
               <a:rPr lang="en-CA" dirty="0"/>
-              <a:t>Number of layers (depth)</a:t>
-            </a:r>
-            <a:endParaRPr lang="LID4096" dirty="0"/>
+              <a:t> and making adjustments there. </a:t>
+            </a:r>
+          </a:p>
+          <a:p>
+            <a:pPr lvl="1"/>
+            <a:r>
+              <a:rPr lang="en-CA" dirty="0"/>
+              <a:t>Play around with some models, get used to syntax, try some different models. </a:t>
+            </a:r>
           </a:p>
         </p:txBody>
       </p:sp>
     </p:spTree>
     <p:extLst>
       <p:ext uri="{BB962C8B-B14F-4D97-AF65-F5344CB8AC3E}">
-        <p14:creationId xmlns:p14="http://schemas.microsoft.com/office/powerpoint/2010/main" val="2949275183"/>
+        <p14:creationId xmlns:p14="http://schemas.microsoft.com/office/powerpoint/2010/main" val="2495634073"/>
       </p:ext>
     </p:extLst>
   </p:cSld>
@@ -6653,7 +7083,7 @@
           <p:cNvPr id="2" name="Title 1">
             <a:extLst>
               <a:ext uri="{FF2B5EF4-FFF2-40B4-BE49-F238E27FC236}">
-                <a16:creationId xmlns:a16="http://schemas.microsoft.com/office/drawing/2014/main" id="{B89B01E8-D08A-4763-AF4C-320DC895D201}"/>
+                <a16:creationId xmlns:a16="http://schemas.microsoft.com/office/drawing/2014/main" id="{E42CF152-59D1-43C2-9435-C78A5207614E}"/>
               </a:ext>
             </a:extLst>
           </p:cNvPr>
@@ -6671,7 +7101,7 @@
           <a:p>
             <a:r>
               <a:rPr lang="en-CA" dirty="0"/>
-              <a:t>Width vs Depth</a:t>
+              <a:t>Network Size</a:t>
             </a:r>
             <a:endParaRPr lang="LID4096" dirty="0"/>
           </a:p>
@@ -6682,7 +7112,7 @@
           <p:cNvPr id="3" name="Content Placeholder 2">
             <a:extLst>
               <a:ext uri="{FF2B5EF4-FFF2-40B4-BE49-F238E27FC236}">
-                <a16:creationId xmlns:a16="http://schemas.microsoft.com/office/drawing/2014/main" id="{9BCF86B8-C25D-452D-84CF-B6190DEDA681}"/>
+                <a16:creationId xmlns:a16="http://schemas.microsoft.com/office/drawing/2014/main" id="{22A90C32-B7B4-4D00-AA34-E379414D8F75}"/>
               </a:ext>
             </a:extLst>
           </p:cNvPr>
@@ -6693,75 +7123,46 @@
             <p:ph idx="1"/>
           </p:nvPr>
         </p:nvSpPr>
-        <p:spPr>
-          <a:xfrm>
-            <a:off x="1451579" y="2015732"/>
-            <a:ext cx="9603275" cy="4126651"/>
-          </a:xfrm>
-        </p:spPr>
-        <p:txBody>
-          <a:bodyPr>
-            <a:normAutofit/>
-          </a:bodyPr>
+        <p:spPr/>
+        <p:txBody>
+          <a:bodyPr/>
           <a:lstStyle/>
           <a:p>
             <a:r>
               <a:rPr lang="en-CA" dirty="0"/>
-              <a:t>When we make a neural network, should we favor width or depth?</a:t>
+              <a:t>The first thing to look at is the network size, or capacity.</a:t>
             </a:r>
           </a:p>
           <a:p>
             <a:r>
               <a:rPr lang="en-CA" dirty="0"/>
-              <a:t>In theory one hidden layer can approximate any function. </a:t>
-            </a:r>
-          </a:p>
-          <a:p>
-            <a:pPr lvl="1"/>
+              <a:t>The more neurons a network had, the higher the capacity. </a:t>
+            </a:r>
+          </a:p>
+          <a:p>
             <a:r>
               <a:rPr lang="en-CA" dirty="0"/>
-              <a:t>Universal approximation theorem – one layer can in principle learn anything. </a:t>
+              <a:t>In general, larger networks need larger amounts of data, to find more complex relationships.  </a:t>
             </a:r>
           </a:p>
           <a:p>
             <a:r>
               <a:rPr lang="en-CA" dirty="0"/>
-              <a:t>In general, depth is preferred. Why?</a:t>
+              <a:t>We can examine the two metrics of size:</a:t>
             </a:r>
           </a:p>
           <a:p>
             <a:pPr lvl="1"/>
             <a:r>
               <a:rPr lang="en-CA" dirty="0"/>
-              <a:t>Wider networks are more prone to overfitting. </a:t>
+              <a:t>Neurons per layer (width)</a:t>
             </a:r>
           </a:p>
           <a:p>
             <a:pPr lvl="1"/>
             <a:r>
               <a:rPr lang="en-CA" dirty="0"/>
-              <a:t>Deep networks can find representations of data with each transformation (see in CNNs next)</a:t>
-            </a:r>
-          </a:p>
-          <a:p>
-            <a:pPr lvl="1"/>
-            <a:r>
-              <a:rPr lang="en-CA" dirty="0"/>
-              <a:t>We can apply regularization on or between layers to counter overfitting. </a:t>
-            </a:r>
-          </a:p>
-          <a:p>
-            <a:pPr lvl="1"/>
-            <a:r>
-              <a:rPr lang="en-CA" dirty="0"/>
-              <a:t>Deeper networks can provide a kind of feature selection as less significant features are minimized. </a:t>
-            </a:r>
-          </a:p>
-          <a:p>
-            <a:pPr lvl="1"/>
-            <a:r>
-              <a:rPr lang="en-CA" dirty="0"/>
-              <a:t>Deep networks have shown greater performance recently. </a:t>
+              <a:t>Number of layers (depth)</a:t>
             </a:r>
             <a:endParaRPr lang="LID4096" dirty="0"/>
           </a:p>
@@ -6770,7 +7171,7 @@
     </p:spTree>
     <p:extLst>
       <p:ext uri="{BB962C8B-B14F-4D97-AF65-F5344CB8AC3E}">
-        <p14:creationId xmlns:p14="http://schemas.microsoft.com/office/powerpoint/2010/main" val="1095230113"/>
+        <p14:creationId xmlns:p14="http://schemas.microsoft.com/office/powerpoint/2010/main" val="2949275183"/>
       </p:ext>
     </p:extLst>
   </p:cSld>
@@ -6802,6 +7203,155 @@
           <p:cNvPr id="2" name="Title 1">
             <a:extLst>
               <a:ext uri="{FF2B5EF4-FFF2-40B4-BE49-F238E27FC236}">
+                <a16:creationId xmlns:a16="http://schemas.microsoft.com/office/drawing/2014/main" id="{B89B01E8-D08A-4763-AF4C-320DC895D201}"/>
+              </a:ext>
+            </a:extLst>
+          </p:cNvPr>
+          <p:cNvSpPr>
+            <a:spLocks noGrp="1"/>
+          </p:cNvSpPr>
+          <p:nvPr>
+            <p:ph type="title"/>
+          </p:nvPr>
+        </p:nvSpPr>
+        <p:spPr/>
+        <p:txBody>
+          <a:bodyPr/>
+          <a:lstStyle/>
+          <a:p>
+            <a:r>
+              <a:rPr lang="en-CA" dirty="0"/>
+              <a:t>Width vs Depth</a:t>
+            </a:r>
+            <a:endParaRPr lang="LID4096" dirty="0"/>
+          </a:p>
+        </p:txBody>
+      </p:sp>
+      <p:sp>
+        <p:nvSpPr>
+          <p:cNvPr id="3" name="Content Placeholder 2">
+            <a:extLst>
+              <a:ext uri="{FF2B5EF4-FFF2-40B4-BE49-F238E27FC236}">
+                <a16:creationId xmlns:a16="http://schemas.microsoft.com/office/drawing/2014/main" id="{9BCF86B8-C25D-452D-84CF-B6190DEDA681}"/>
+              </a:ext>
+            </a:extLst>
+          </p:cNvPr>
+          <p:cNvSpPr>
+            <a:spLocks noGrp="1"/>
+          </p:cNvSpPr>
+          <p:nvPr>
+            <p:ph idx="1"/>
+          </p:nvPr>
+        </p:nvSpPr>
+        <p:spPr>
+          <a:xfrm>
+            <a:off x="1451579" y="2015732"/>
+            <a:ext cx="9603275" cy="4126651"/>
+          </a:xfrm>
+        </p:spPr>
+        <p:txBody>
+          <a:bodyPr>
+            <a:normAutofit/>
+          </a:bodyPr>
+          <a:lstStyle/>
+          <a:p>
+            <a:r>
+              <a:rPr lang="en-CA" dirty="0"/>
+              <a:t>When we make a neural network, should we favor width or depth?</a:t>
+            </a:r>
+          </a:p>
+          <a:p>
+            <a:r>
+              <a:rPr lang="en-CA" dirty="0"/>
+              <a:t>In theory one hidden layer can approximate any function. </a:t>
+            </a:r>
+          </a:p>
+          <a:p>
+            <a:pPr lvl="1"/>
+            <a:r>
+              <a:rPr lang="en-CA" dirty="0"/>
+              <a:t>Universal approximation theorem – one layer can in principle learn anything. </a:t>
+            </a:r>
+          </a:p>
+          <a:p>
+            <a:r>
+              <a:rPr lang="en-CA" dirty="0"/>
+              <a:t>In general, depth is preferred more often. Why?</a:t>
+            </a:r>
+          </a:p>
+          <a:p>
+            <a:pPr lvl="1"/>
+            <a:r>
+              <a:rPr lang="en-CA" dirty="0"/>
+              <a:t>Wider networks are more prone to overfitting. </a:t>
+            </a:r>
+          </a:p>
+          <a:p>
+            <a:pPr lvl="1"/>
+            <a:r>
+              <a:rPr lang="en-CA" dirty="0"/>
+              <a:t>Deep networks can find representations of data with each transformation (see in CNNs next)</a:t>
+            </a:r>
+          </a:p>
+          <a:p>
+            <a:pPr lvl="1"/>
+            <a:r>
+              <a:rPr lang="en-CA" dirty="0"/>
+              <a:t>We can apply regularization on or between layers to counter overfitting. </a:t>
+            </a:r>
+          </a:p>
+          <a:p>
+            <a:pPr lvl="1"/>
+            <a:r>
+              <a:rPr lang="en-CA" dirty="0"/>
+              <a:t>Deeper networks can provide a kind of feature selection as less significant features are minimized. </a:t>
+            </a:r>
+          </a:p>
+          <a:p>
+            <a:pPr lvl="1"/>
+            <a:r>
+              <a:rPr lang="en-CA" dirty="0"/>
+              <a:t>Deep networks have shown greater performance recently. </a:t>
+            </a:r>
+            <a:endParaRPr lang="LID4096" dirty="0"/>
+          </a:p>
+        </p:txBody>
+      </p:sp>
+    </p:spTree>
+    <p:extLst>
+      <p:ext uri="{BB962C8B-B14F-4D97-AF65-F5344CB8AC3E}">
+        <p14:creationId xmlns:p14="http://schemas.microsoft.com/office/powerpoint/2010/main" val="1095230113"/>
+      </p:ext>
+    </p:extLst>
+  </p:cSld>
+  <p:clrMapOvr>
+    <a:masterClrMapping/>
+  </p:clrMapOvr>
+</p:sld>
+</file>
+
+<file path=ppt/slides/slide8.xml><?xml version="1.0" encoding="utf-8"?>
+<p:sld xmlns:a="http://schemas.openxmlformats.org/drawingml/2006/main" xmlns:r="http://schemas.openxmlformats.org/officeDocument/2006/relationships" xmlns:p="http://schemas.openxmlformats.org/presentationml/2006/main">
+  <p:cSld>
+    <p:spTree>
+      <p:nvGrpSpPr>
+        <p:cNvPr id="1" name=""/>
+        <p:cNvGrpSpPr/>
+        <p:nvPr/>
+      </p:nvGrpSpPr>
+      <p:grpSpPr>
+        <a:xfrm>
+          <a:off x="0" y="0"/>
+          <a:ext cx="0" cy="0"/>
+          <a:chOff x="0" y="0"/>
+          <a:chExt cx="0" cy="0"/>
+        </a:xfrm>
+      </p:grpSpPr>
+      <p:sp>
+        <p:nvSpPr>
+          <p:cNvPr id="2" name="Title 1">
+            <a:extLst>
+              <a:ext uri="{FF2B5EF4-FFF2-40B4-BE49-F238E27FC236}">
                 <a16:creationId xmlns:a16="http://schemas.microsoft.com/office/drawing/2014/main" id="{96401725-9E0C-C94C-A904-0AD2C6AAE9D9}"/>
               </a:ext>
             </a:extLst>
@@ -6937,7 +7487,7 @@
 </p:sld>
 </file>
 
-<file path=ppt/slides/slide8.xml><?xml version="1.0" encoding="utf-8"?>
+<file path=ppt/slides/slide9.xml><?xml version="1.0" encoding="utf-8"?>
 <p:sld xmlns:a="http://schemas.openxmlformats.org/drawingml/2006/main" xmlns:r="http://schemas.openxmlformats.org/officeDocument/2006/relationships" xmlns:p="http://schemas.openxmlformats.org/presentationml/2006/main">
   <p:cSld>
     <p:spTree>
@@ -7055,211 +7605,6 @@
     <p:extLst>
       <p:ext uri="{BB962C8B-B14F-4D97-AF65-F5344CB8AC3E}">
         <p14:creationId xmlns:p14="http://schemas.microsoft.com/office/powerpoint/2010/main" val="2745808106"/>
-      </p:ext>
-    </p:extLst>
-  </p:cSld>
-  <p:clrMapOvr>
-    <a:masterClrMapping/>
-  </p:clrMapOvr>
-</p:sld>
-</file>
-
-<file path=ppt/slides/slide9.xml><?xml version="1.0" encoding="utf-8"?>
-<p:sld xmlns:a="http://schemas.openxmlformats.org/drawingml/2006/main" xmlns:r="http://schemas.openxmlformats.org/officeDocument/2006/relationships" xmlns:p="http://schemas.openxmlformats.org/presentationml/2006/main">
-  <p:cSld>
-    <p:bg>
-      <p:bgPr>
-        <a:gradFill rotWithShape="1">
-          <a:gsLst>
-            <a:gs pos="0">
-              <a:schemeClr val="bg2">
-                <a:tint val="94000"/>
-                <a:satMod val="80000"/>
-                <a:lumMod val="106000"/>
-              </a:schemeClr>
-            </a:gs>
-            <a:gs pos="100000">
-              <a:schemeClr val="bg2">
-                <a:shade val="80000"/>
-              </a:schemeClr>
-            </a:gs>
-          </a:gsLst>
-          <a:path path="circle">
-            <a:fillToRect l="43000" r="43000" b="100000"/>
-          </a:path>
-        </a:gradFill>
-        <a:effectLst/>
-      </p:bgPr>
-    </p:bg>
-    <p:spTree>
-      <p:nvGrpSpPr>
-        <p:cNvPr id="1" name=""/>
-        <p:cNvGrpSpPr/>
-        <p:nvPr/>
-      </p:nvGrpSpPr>
-      <p:grpSpPr>
-        <a:xfrm>
-          <a:off x="0" y="0"/>
-          <a:ext cx="0" cy="0"/>
-          <a:chOff x="0" y="0"/>
-          <a:chExt cx="0" cy="0"/>
-        </a:xfrm>
-      </p:grpSpPr>
-      <p:sp>
-        <p:nvSpPr>
-          <p:cNvPr id="2" name="Title 1">
-            <a:extLst>
-              <a:ext uri="{FF2B5EF4-FFF2-40B4-BE49-F238E27FC236}">
-                <a16:creationId xmlns:a16="http://schemas.microsoft.com/office/drawing/2014/main" id="{5E77AFE0-199D-7B45-8484-224ED259DA7E}"/>
-              </a:ext>
-            </a:extLst>
-          </p:cNvPr>
-          <p:cNvSpPr>
-            <a:spLocks noGrp="1"/>
-          </p:cNvSpPr>
-          <p:nvPr>
-            <p:ph type="title"/>
-          </p:nvPr>
-        </p:nvSpPr>
-        <p:spPr>
-          <a:xfrm>
-            <a:off x="1451579" y="804519"/>
-            <a:ext cx="9603275" cy="1049235"/>
-          </a:xfrm>
-        </p:spPr>
-        <p:txBody>
-          <a:bodyPr>
-            <a:normAutofit/>
-          </a:bodyPr>
-          <a:lstStyle/>
-          <a:p>
-            <a:r>
-              <a:rPr lang="en-US" dirty="0"/>
-              <a:t>Deep Learning</a:t>
-            </a:r>
-          </a:p>
-        </p:txBody>
-      </p:sp>
-      <p:pic>
-        <p:nvPicPr>
-          <p:cNvPr id="2050" name="Picture 2">
-            <a:extLst>
-              <a:ext uri="{FF2B5EF4-FFF2-40B4-BE49-F238E27FC236}">
-                <a16:creationId xmlns:a16="http://schemas.microsoft.com/office/drawing/2014/main" id="{E351FF83-CEFF-9A4C-873C-CFDE88AD2D8B}"/>
-              </a:ext>
-            </a:extLst>
-          </p:cNvPr>
-          <p:cNvPicPr>
-            <a:picLocks noChangeAspect="1" noChangeArrowheads="1"/>
-          </p:cNvPicPr>
-          <p:nvPr/>
-        </p:nvPicPr>
-        <p:blipFill rotWithShape="1">
-          <a:blip r:embed="rId2">
-            <a:extLst>
-              <a:ext uri="{28A0092B-C50C-407E-A947-70E740481C1C}">
-                <a14:useLocalDpi xmlns:a14="http://schemas.microsoft.com/office/drawing/2010/main" val="0"/>
-              </a:ext>
-            </a:extLst>
-          </a:blip>
-          <a:srcRect l="4020" t="8581" r="4835" b="13200"/>
-          <a:stretch/>
-        </p:blipFill>
-        <p:spPr bwMode="auto">
-          <a:xfrm>
-            <a:off x="114299" y="2015734"/>
-            <a:ext cx="6578597" cy="3584966"/>
-          </a:xfrm>
-          <a:prstGeom prst="rect">
-            <a:avLst/>
-          </a:prstGeom>
-          <a:noFill/>
-          <a:extLst>
-            <a:ext uri="{909E8E84-426E-40DD-AFC4-6F175D3DCCD1}">
-              <a14:hiddenFill xmlns:a14="http://schemas.microsoft.com/office/drawing/2010/main">
-                <a:solidFill>
-                  <a:srgbClr val="FFFFFF"/>
-                </a:solidFill>
-              </a14:hiddenFill>
-            </a:ext>
-          </a:extLst>
-        </p:spPr>
-      </p:pic>
-      <p:sp>
-        <p:nvSpPr>
-          <p:cNvPr id="3" name="Content Placeholder 2">
-            <a:extLst>
-              <a:ext uri="{FF2B5EF4-FFF2-40B4-BE49-F238E27FC236}">
-                <a16:creationId xmlns:a16="http://schemas.microsoft.com/office/drawing/2014/main" id="{80346EC3-4DD2-2244-9A22-FBE07B35CA0B}"/>
-              </a:ext>
-            </a:extLst>
-          </p:cNvPr>
-          <p:cNvSpPr>
-            <a:spLocks noGrp="1"/>
-          </p:cNvSpPr>
-          <p:nvPr>
-            <p:ph idx="1"/>
-          </p:nvPr>
-        </p:nvSpPr>
-        <p:spPr>
-          <a:xfrm>
-            <a:off x="6692897" y="2015734"/>
-            <a:ext cx="5283204" cy="4231062"/>
-          </a:xfrm>
-        </p:spPr>
-        <p:txBody>
-          <a:bodyPr>
-            <a:normAutofit/>
-          </a:bodyPr>
-          <a:lstStyle/>
-          <a:p>
-            <a:r>
-              <a:rPr lang="en-US" dirty="0"/>
-              <a:t>For modern usage most/all of the “cool things” that AI can do is due to deep networks. </a:t>
-            </a:r>
-          </a:p>
-          <a:p>
-            <a:r>
-              <a:rPr lang="en-US" dirty="0"/>
-              <a:t>Reasons:</a:t>
-            </a:r>
-          </a:p>
-          <a:p>
-            <a:pPr lvl="1"/>
-            <a:r>
-              <a:rPr lang="en-US" dirty="0"/>
-              <a:t>Layers can extract different representations of data. (More on this next time). </a:t>
-            </a:r>
-          </a:p>
-          <a:p>
-            <a:pPr lvl="1"/>
-            <a:r>
-              <a:rPr lang="en-US" dirty="0"/>
-              <a:t>Opportunities to regularize. </a:t>
-            </a:r>
-          </a:p>
-          <a:p>
-            <a:pPr lvl="1"/>
-            <a:r>
-              <a:rPr lang="en-US" dirty="0"/>
-              <a:t>Less overfit prone than wide models. </a:t>
-            </a:r>
-          </a:p>
-          <a:p>
-            <a:r>
-              <a:rPr lang="en-US" dirty="0"/>
-              <a:t>Practical evidence is that deep models are generally better. </a:t>
-            </a:r>
-          </a:p>
-          <a:p>
-            <a:endParaRPr lang="en-US" dirty="0"/>
-          </a:p>
-        </p:txBody>
-      </p:sp>
-    </p:spTree>
-    <p:extLst>
-      <p:ext uri="{BB962C8B-B14F-4D97-AF65-F5344CB8AC3E}">
-        <p14:creationId xmlns:p14="http://schemas.microsoft.com/office/powerpoint/2010/main" val="3875184223"/>
       </p:ext>
     </p:extLst>
   </p:cSld>

--- a/reference_content/Slides/tensorflow_optimization.pptx
+++ b/reference_content/Slides/tensorflow_optimization.pptx
@@ -3785,14 +3785,14 @@
             <a:pPr lvl="1"/>
             <a:r>
               <a:rPr lang="en-US" dirty="0"/>
-              <a:t>Making and basic tuning of models. </a:t>
-            </a:r>
-          </a:p>
-          <a:p>
-            <a:pPr lvl="1"/>
-            <a:r>
-              <a:rPr lang="en-US" dirty="0"/>
-              <a:t>Callbacks, results, evaluation. </a:t>
+              <a:t>Making and basic tuning of models - callbacks, results, evaluation. </a:t>
+            </a:r>
+          </a:p>
+          <a:p>
+            <a:pPr lvl="1"/>
+            <a:r>
+              <a:rPr lang="en-US" dirty="0"/>
+              <a:t>Assignment on neural network regression should be doable after this – it isn’t too complex. </a:t>
             </a:r>
           </a:p>
           <a:p>
